--- a/Presentación Público, crítica y taquilla en IMDb.pptx
+++ b/Presentación Público, crítica y taquilla en IMDb.pptx
@@ -1220,7 +1220,7 @@
       </p:grpSpPr>
       <p:sp>
         <p:nvSpPr>
-          <p:cNvPr id="204" name="Google Shape;204;ge5240b6ee5_0_523:notes"/>
+          <p:cNvPr id="204" name="Google Shape;204;ge46c48a490_0_85:notes"/>
           <p:cNvSpPr/>
           <p:nvPr>
             <p:ph idx="2" type="sldImg"/>
@@ -1255,7 +1255,7 @@
       </p:sp>
       <p:sp>
         <p:nvSpPr>
-          <p:cNvPr id="205" name="Google Shape;205;ge5240b6ee5_0_523:notes"/>
+          <p:cNvPr id="205" name="Google Shape;205;ge46c48a490_0_85:notes"/>
           <p:cNvSpPr txBox="1"/>
           <p:nvPr>
             <p:ph idx="1" type="body"/>
@@ -1305,7 +1305,7 @@
   <p:cSld>
     <p:spTree>
       <p:nvGrpSpPr>
-        <p:cNvPr id="211" name="Shape 211"/>
+        <p:cNvPr id="213" name="Shape 213"/>
         <p:cNvGrpSpPr/>
         <p:nvPr/>
       </p:nvGrpSpPr>
@@ -1319,7 +1319,7 @@
       </p:grpSpPr>
       <p:sp>
         <p:nvSpPr>
-          <p:cNvPr id="212" name="Google Shape;212;ge46c48a490_0_77:notes"/>
+          <p:cNvPr id="214" name="Google Shape;214;ge46c48a490_0_96:notes"/>
           <p:cNvSpPr/>
           <p:nvPr>
             <p:ph idx="2" type="sldImg"/>
@@ -1354,7 +1354,7 @@
       </p:sp>
       <p:sp>
         <p:nvSpPr>
-          <p:cNvPr id="213" name="Google Shape;213;ge46c48a490_0_77:notes"/>
+          <p:cNvPr id="215" name="Google Shape;215;ge46c48a490_0_96:notes"/>
           <p:cNvSpPr txBox="1"/>
           <p:nvPr>
             <p:ph idx="1" type="body"/>
@@ -1404,7 +1404,7 @@
   <p:cSld>
     <p:spTree>
       <p:nvGrpSpPr>
-        <p:cNvPr id="219" name="Shape 219"/>
+        <p:cNvPr id="223" name="Shape 223"/>
         <p:cNvGrpSpPr/>
         <p:nvPr/>
       </p:nvGrpSpPr>
@@ -1418,7 +1418,7 @@
       </p:grpSpPr>
       <p:sp>
         <p:nvSpPr>
-          <p:cNvPr id="220" name="Google Shape;220;ge46c48a490_0_85:notes"/>
+          <p:cNvPr id="224" name="Google Shape;224;ge5240b6ee5_0_523:notes"/>
           <p:cNvSpPr/>
           <p:nvPr>
             <p:ph idx="2" type="sldImg"/>
@@ -1453,7 +1453,7 @@
       </p:sp>
       <p:sp>
         <p:nvSpPr>
-          <p:cNvPr id="221" name="Google Shape;221;ge46c48a490_0_85:notes"/>
+          <p:cNvPr id="225" name="Google Shape;225;ge5240b6ee5_0_523:notes"/>
           <p:cNvSpPr txBox="1"/>
           <p:nvPr>
             <p:ph idx="1" type="body"/>
@@ -1503,7 +1503,7 @@
   <p:cSld>
     <p:spTree>
       <p:nvGrpSpPr>
-        <p:cNvPr id="229" name="Shape 229"/>
+        <p:cNvPr id="231" name="Shape 231"/>
         <p:cNvGrpSpPr/>
         <p:nvPr/>
       </p:nvGrpSpPr>
@@ -1517,7 +1517,7 @@
       </p:grpSpPr>
       <p:sp>
         <p:nvSpPr>
-          <p:cNvPr id="230" name="Google Shape;230;ge46c48a490_0_96:notes"/>
+          <p:cNvPr id="232" name="Google Shape;232;ge46c48a490_0_77:notes"/>
           <p:cNvSpPr/>
           <p:nvPr>
             <p:ph idx="2" type="sldImg"/>
@@ -1552,7 +1552,7 @@
       </p:sp>
       <p:sp>
         <p:nvSpPr>
-          <p:cNvPr id="231" name="Google Shape;231;ge46c48a490_0_96:notes"/>
+          <p:cNvPr id="233" name="Google Shape;233;ge46c48a490_0_77:notes"/>
           <p:cNvSpPr txBox="1"/>
           <p:nvPr>
             <p:ph idx="1" type="body"/>
@@ -10465,59 +10465,9 @@
           </a:p>
         </p:txBody>
       </p:sp>
-      <p:sp>
-        <p:nvSpPr>
-          <p:cNvPr id="209" name="Google Shape;209;p26"/>
-          <p:cNvSpPr txBox="1"/>
-          <p:nvPr>
-            <p:ph idx="1" type="subTitle"/>
-          </p:nvPr>
-        </p:nvSpPr>
-        <p:spPr>
-          <a:xfrm>
-            <a:off x="6643400" y="4563350"/>
-            <a:ext cx="2129700" cy="325500"/>
-          </a:xfrm>
-          <a:prstGeom prst="rect">
-            <a:avLst/>
-          </a:prstGeom>
-        </p:spPr>
-        <p:txBody>
-          <a:bodyPr anchorCtr="0" anchor="t" bIns="91425" lIns="91425" spcFirstLastPara="1" rIns="91425" wrap="square" tIns="91425">
-            <a:normAutofit fontScale="32500"/>
-          </a:bodyPr>
-          <a:lstStyle/>
-          <a:p>
-            <a:pPr indent="0" lvl="0" marL="0" rtl="0" algn="r">
-              <a:spcBef>
-                <a:spcPts val="0"/>
-              </a:spcBef>
-              <a:spcAft>
-                <a:spcPts val="0"/>
-              </a:spcAft>
-              <a:buNone/>
-            </a:pPr>
-            <a:r>
-              <a:rPr lang="es">
-                <a:latin typeface="Roboto"/>
-                <a:ea typeface="Roboto"/>
-                <a:cs typeface="Roboto"/>
-                <a:sym typeface="Roboto"/>
-              </a:rPr>
-              <a:t>Ana Blanco Delgado | Julio 2021</a:t>
-            </a:r>
-            <a:endParaRPr>
-              <a:latin typeface="Roboto"/>
-              <a:ea typeface="Roboto"/>
-              <a:cs typeface="Roboto"/>
-              <a:sym typeface="Roboto"/>
-            </a:endParaRPr>
-          </a:p>
-        </p:txBody>
-      </p:sp>
       <p:pic>
         <p:nvPicPr>
-          <p:cNvPr id="210" name="Google Shape;210;p26"/>
+          <p:cNvPr id="209" name="Google Shape;209;p26"/>
           <p:cNvPicPr preferRelativeResize="0"/>
           <p:nvPr/>
         </p:nvPicPr>
@@ -10531,8 +10481,8 @@
         </p:blipFill>
         <p:spPr>
           <a:xfrm>
-            <a:off x="1450363" y="921950"/>
-            <a:ext cx="6243280" cy="3902050"/>
+            <a:off x="317300" y="1843285"/>
+            <a:ext cx="4247296" cy="2482425"/>
           </a:xfrm>
           <a:prstGeom prst="rect">
             <a:avLst/>
@@ -10543,6 +10493,137 @@
           </a:ln>
         </p:spPr>
       </p:pic>
+      <p:pic>
+        <p:nvPicPr>
+          <p:cNvPr id="210" name="Google Shape;210;p26"/>
+          <p:cNvPicPr preferRelativeResize="0"/>
+          <p:nvPr/>
+        </p:nvPicPr>
+        <p:blipFill>
+          <a:blip r:embed="rId4">
+            <a:alphaModFix/>
+          </a:blip>
+          <a:stretch>
+            <a:fillRect/>
+          </a:stretch>
+        </p:blipFill>
+        <p:spPr>
+          <a:xfrm>
+            <a:off x="4666427" y="1843285"/>
+            <a:ext cx="4150226" cy="2482426"/>
+          </a:xfrm>
+          <a:prstGeom prst="rect">
+            <a:avLst/>
+          </a:prstGeom>
+          <a:noFill/>
+          <a:ln>
+            <a:noFill/>
+          </a:ln>
+        </p:spPr>
+      </p:pic>
+      <p:sp>
+        <p:nvSpPr>
+          <p:cNvPr id="211" name="Google Shape;211;p26"/>
+          <p:cNvSpPr txBox="1"/>
+          <p:nvPr/>
+        </p:nvSpPr>
+        <p:spPr>
+          <a:xfrm>
+            <a:off x="628725" y="936650"/>
+            <a:ext cx="3023700" cy="492600"/>
+          </a:xfrm>
+          <a:prstGeom prst="rect">
+            <a:avLst/>
+          </a:prstGeom>
+          <a:noFill/>
+          <a:ln>
+            <a:noFill/>
+          </a:ln>
+        </p:spPr>
+        <p:txBody>
+          <a:bodyPr anchorCtr="0" anchor="t" bIns="91425" lIns="91425" spcFirstLastPara="1" rIns="91425" wrap="square" tIns="91425">
+            <a:spAutoFit/>
+          </a:bodyPr>
+          <a:lstStyle/>
+          <a:p>
+            <a:pPr indent="0" lvl="0" marL="0" rtl="0" algn="l">
+              <a:lnSpc>
+                <a:spcPct val="115000"/>
+              </a:lnSpc>
+              <a:spcBef>
+                <a:spcPts val="0"/>
+              </a:spcBef>
+              <a:spcAft>
+                <a:spcPts val="0"/>
+              </a:spcAft>
+              <a:buNone/>
+            </a:pPr>
+            <a:r>
+              <a:rPr lang="es" sz="2000">
+                <a:solidFill>
+                  <a:schemeClr val="dk1"/>
+                </a:solidFill>
+                <a:latin typeface="Roboto"/>
+                <a:ea typeface="Roboto"/>
+                <a:cs typeface="Roboto"/>
+                <a:sym typeface="Roboto"/>
+              </a:rPr>
+              <a:t>Variables valoraciones</a:t>
+            </a:r>
+            <a:endParaRPr/>
+          </a:p>
+        </p:txBody>
+      </p:sp>
+      <p:sp>
+        <p:nvSpPr>
+          <p:cNvPr id="212" name="Google Shape;212;p26"/>
+          <p:cNvSpPr txBox="1"/>
+          <p:nvPr>
+            <p:ph idx="1" type="subTitle"/>
+          </p:nvPr>
+        </p:nvSpPr>
+        <p:spPr>
+          <a:xfrm>
+            <a:off x="6643400" y="4563350"/>
+            <a:ext cx="2129700" cy="325500"/>
+          </a:xfrm>
+          <a:prstGeom prst="rect">
+            <a:avLst/>
+          </a:prstGeom>
+        </p:spPr>
+        <p:txBody>
+          <a:bodyPr anchorCtr="0" anchor="t" bIns="91425" lIns="91425" spcFirstLastPara="1" rIns="91425" wrap="square" tIns="91425">
+            <a:normAutofit fontScale="32500"/>
+          </a:bodyPr>
+          <a:lstStyle/>
+          <a:p>
+            <a:pPr indent="0" lvl="0" marL="0" rtl="0" algn="r">
+              <a:spcBef>
+                <a:spcPts val="0"/>
+              </a:spcBef>
+              <a:spcAft>
+                <a:spcPts val="0"/>
+              </a:spcAft>
+              <a:buNone/>
+            </a:pPr>
+            <a:r>
+              <a:rPr lang="es">
+                <a:latin typeface="Roboto"/>
+                <a:ea typeface="Roboto"/>
+                <a:cs typeface="Roboto"/>
+                <a:sym typeface="Roboto"/>
+              </a:rPr>
+              <a:t>Ana Blanco Delgado | Julio 2021</a:t>
+            </a:r>
+            <a:endParaRPr>
+              <a:latin typeface="Roboto"/>
+              <a:ea typeface="Roboto"/>
+              <a:cs typeface="Roboto"/>
+              <a:sym typeface="Roboto"/>
+            </a:endParaRPr>
+          </a:p>
+        </p:txBody>
+      </p:sp>
     </p:spTree>
   </p:cSld>
   <p:clrMapOvr>
@@ -10556,7 +10637,7 @@
   <p:cSld>
     <p:spTree>
       <p:nvGrpSpPr>
-        <p:cNvPr id="214" name="Shape 214"/>
+        <p:cNvPr id="216" name="Shape 216"/>
         <p:cNvGrpSpPr/>
         <p:nvPr/>
       </p:nvGrpSpPr>
@@ -10570,28 +10651,38 @@
       </p:grpSpPr>
       <p:sp>
         <p:nvSpPr>
-          <p:cNvPr id="215" name="Google Shape;215;p27"/>
-          <p:cNvSpPr txBox="1"/>
-          <p:nvPr>
-            <p:ph idx="1" type="subTitle"/>
-          </p:nvPr>
-        </p:nvSpPr>
-        <p:spPr>
-          <a:xfrm>
-            <a:off x="6643400" y="4563350"/>
-            <a:ext cx="2129700" cy="325500"/>
-          </a:xfrm>
-          <a:prstGeom prst="rect">
-            <a:avLst/>
-          </a:prstGeom>
+          <p:cNvPr id="217" name="Google Shape;217;p27"/>
+          <p:cNvSpPr/>
+          <p:nvPr/>
+        </p:nvSpPr>
+        <p:spPr>
+          <a:xfrm>
+            <a:off x="557925" y="540350"/>
+            <a:ext cx="70800" cy="381600"/>
+          </a:xfrm>
+          <a:prstGeom prst="rect">
+            <a:avLst/>
+          </a:prstGeom>
+          <a:solidFill>
+            <a:srgbClr val="F5C518"/>
+          </a:solidFill>
+          <a:ln cap="flat" cmpd="sng" w="9525">
+            <a:solidFill>
+              <a:schemeClr val="dk2"/>
+            </a:solidFill>
+            <a:prstDash val="solid"/>
+            <a:round/>
+            <a:headEnd len="sm" w="sm" type="none"/>
+            <a:tailEnd len="sm" w="sm" type="none"/>
+          </a:ln>
         </p:spPr>
         <p:txBody>
-          <a:bodyPr anchorCtr="0" anchor="t" bIns="91425" lIns="91425" spcFirstLastPara="1" rIns="91425" wrap="square" tIns="91425">
-            <a:normAutofit fontScale="32500"/>
+          <a:bodyPr anchorCtr="0" anchor="ctr" bIns="91425" lIns="91425" spcFirstLastPara="1" rIns="91425" wrap="square" tIns="91425">
+            <a:noAutofit/>
           </a:bodyPr>
           <a:lstStyle/>
           <a:p>
-            <a:pPr indent="0" lvl="0" marL="0" rtl="0" algn="r">
+            <a:pPr indent="0" lvl="0" marL="0" rtl="0" algn="l">
               <a:spcBef>
                 <a:spcPts val="0"/>
               </a:spcBef>
@@ -10601,26 +10692,15 @@
               <a:buNone/>
             </a:pPr>
             <a:r>
-              <a:rPr lang="es">
-                <a:latin typeface="Roboto"/>
-                <a:ea typeface="Roboto"/>
-                <a:cs typeface="Roboto"/>
-                <a:sym typeface="Roboto"/>
-              </a:rPr>
-              <a:t>Ana Blanco Delgado | Julio 2021</a:t>
-            </a:r>
-            <a:endParaRPr>
-              <a:latin typeface="Roboto"/>
-              <a:ea typeface="Roboto"/>
-              <a:cs typeface="Roboto"/>
-              <a:sym typeface="Roboto"/>
-            </a:endParaRPr>
+              <a:t/>
+            </a:r>
+            <a:endParaRPr/>
           </a:p>
         </p:txBody>
       </p:sp>
       <p:pic>
         <p:nvPicPr>
-          <p:cNvPr id="216" name="Google Shape;216;p27"/>
+          <p:cNvPr id="218" name="Google Shape;218;p27"/>
           <p:cNvPicPr preferRelativeResize="0"/>
           <p:nvPr/>
         </p:nvPicPr>
@@ -10634,8 +10714,8 @@
         </p:blipFill>
         <p:spPr>
           <a:xfrm>
-            <a:off x="927650" y="1165250"/>
-            <a:ext cx="7175304" cy="3321900"/>
+            <a:off x="4671100" y="1836000"/>
+            <a:ext cx="4113172" cy="2460269"/>
           </a:xfrm>
           <a:prstGeom prst="rect">
             <a:avLst/>
@@ -10646,9 +10726,95 @@
           </a:ln>
         </p:spPr>
       </p:pic>
-      <p:sp>
-        <p:nvSpPr>
-          <p:cNvPr id="217" name="Google Shape;217;p27"/>
+      <p:pic>
+        <p:nvPicPr>
+          <p:cNvPr id="219" name="Google Shape;219;p27"/>
+          <p:cNvPicPr preferRelativeResize="0"/>
+          <p:nvPr/>
+        </p:nvPicPr>
+        <p:blipFill>
+          <a:blip r:embed="rId4">
+            <a:alphaModFix/>
+          </a:blip>
+          <a:stretch>
+            <a:fillRect/>
+          </a:stretch>
+        </p:blipFill>
+        <p:spPr>
+          <a:xfrm>
+            <a:off x="445175" y="1802275"/>
+            <a:ext cx="4225925" cy="2672174"/>
+          </a:xfrm>
+          <a:prstGeom prst="rect">
+            <a:avLst/>
+          </a:prstGeom>
+          <a:noFill/>
+          <a:ln>
+            <a:noFill/>
+          </a:ln>
+        </p:spPr>
+      </p:pic>
+      <p:sp>
+        <p:nvSpPr>
+          <p:cNvPr id="220" name="Google Shape;220;p27"/>
+          <p:cNvSpPr txBox="1"/>
+          <p:nvPr/>
+        </p:nvSpPr>
+        <p:spPr>
+          <a:xfrm>
+            <a:off x="628725" y="936650"/>
+            <a:ext cx="3023700" cy="492600"/>
+          </a:xfrm>
+          <a:prstGeom prst="rect">
+            <a:avLst/>
+          </a:prstGeom>
+          <a:noFill/>
+          <a:ln>
+            <a:noFill/>
+          </a:ln>
+        </p:spPr>
+        <p:txBody>
+          <a:bodyPr anchorCtr="0" anchor="t" bIns="91425" lIns="91425" spcFirstLastPara="1" rIns="91425" wrap="square" tIns="91425">
+            <a:spAutoFit/>
+          </a:bodyPr>
+          <a:lstStyle/>
+          <a:p>
+            <a:pPr indent="0" lvl="0" marL="0" rtl="0" algn="l">
+              <a:lnSpc>
+                <a:spcPct val="115000"/>
+              </a:lnSpc>
+              <a:spcBef>
+                <a:spcPts val="0"/>
+              </a:spcBef>
+              <a:spcAft>
+                <a:spcPts val="0"/>
+              </a:spcAft>
+              <a:buClr>
+                <a:srgbClr val="000000"/>
+              </a:buClr>
+              <a:buSzPts val="891"/>
+              <a:buFont typeface="Arial"/>
+              <a:buNone/>
+            </a:pPr>
+            <a:r>
+              <a:rPr lang="es" sz="2000">
+                <a:solidFill>
+                  <a:schemeClr val="dk1"/>
+                </a:solidFill>
+                <a:latin typeface="Roboto"/>
+                <a:ea typeface="Roboto"/>
+                <a:cs typeface="Roboto"/>
+                <a:sym typeface="Roboto"/>
+              </a:rPr>
+              <a:t>Variables económicas</a:t>
+            </a:r>
+            <a:endParaRPr/>
+          </a:p>
+        </p:txBody>
+      </p:sp>
+      <p:sp>
+        <p:nvSpPr>
+          <p:cNvPr id="221" name="Google Shape;221;p27"/>
           <p:cNvSpPr txBox="1"/>
           <p:nvPr>
             <p:ph type="ctrTitle"/>
@@ -10720,38 +10886,28 @@
       </p:sp>
       <p:sp>
         <p:nvSpPr>
-          <p:cNvPr id="218" name="Google Shape;218;p27"/>
-          <p:cNvSpPr/>
-          <p:nvPr/>
-        </p:nvSpPr>
-        <p:spPr>
-          <a:xfrm>
-            <a:off x="557925" y="540350"/>
-            <a:ext cx="70800" cy="381600"/>
-          </a:xfrm>
-          <a:prstGeom prst="rect">
-            <a:avLst/>
-          </a:prstGeom>
-          <a:solidFill>
-            <a:srgbClr val="F5C518"/>
-          </a:solidFill>
-          <a:ln cap="flat" cmpd="sng" w="9525">
-            <a:solidFill>
-              <a:schemeClr val="dk2"/>
-            </a:solidFill>
-            <a:prstDash val="solid"/>
-            <a:round/>
-            <a:headEnd len="sm" w="sm" type="none"/>
-            <a:tailEnd len="sm" w="sm" type="none"/>
-          </a:ln>
+          <p:cNvPr id="222" name="Google Shape;222;p27"/>
+          <p:cNvSpPr txBox="1"/>
+          <p:nvPr>
+            <p:ph idx="1" type="subTitle"/>
+          </p:nvPr>
+        </p:nvSpPr>
+        <p:spPr>
+          <a:xfrm>
+            <a:off x="6643400" y="4563350"/>
+            <a:ext cx="2129700" cy="325500"/>
+          </a:xfrm>
+          <a:prstGeom prst="rect">
+            <a:avLst/>
+          </a:prstGeom>
         </p:spPr>
         <p:txBody>
-          <a:bodyPr anchorCtr="0" anchor="ctr" bIns="91425" lIns="91425" spcFirstLastPara="1" rIns="91425" wrap="square" tIns="91425">
-            <a:noAutofit/>
+          <a:bodyPr anchorCtr="0" anchor="t" bIns="91425" lIns="91425" spcFirstLastPara="1" rIns="91425" wrap="square" tIns="91425">
+            <a:normAutofit fontScale="32500"/>
           </a:bodyPr>
           <a:lstStyle/>
           <a:p>
-            <a:pPr indent="0" lvl="0" marL="0" rtl="0" algn="l">
+            <a:pPr indent="0" lvl="0" marL="0" rtl="0" algn="r">
               <a:spcBef>
                 <a:spcPts val="0"/>
               </a:spcBef>
@@ -10761,9 +10917,20 @@
               <a:buNone/>
             </a:pPr>
             <a:r>
-              <a:t/>
-            </a:r>
-            <a:endParaRPr/>
+              <a:rPr lang="es">
+                <a:latin typeface="Roboto"/>
+                <a:ea typeface="Roboto"/>
+                <a:cs typeface="Roboto"/>
+                <a:sym typeface="Roboto"/>
+              </a:rPr>
+              <a:t>Ana Blanco Delgado | Julio 2021</a:t>
+            </a:r>
+            <a:endParaRPr>
+              <a:latin typeface="Roboto"/>
+              <a:ea typeface="Roboto"/>
+              <a:cs typeface="Roboto"/>
+              <a:sym typeface="Roboto"/>
+            </a:endParaRPr>
           </a:p>
         </p:txBody>
       </p:sp>
@@ -10780,7 +10947,7 @@
   <p:cSld>
     <p:spTree>
       <p:nvGrpSpPr>
-        <p:cNvPr id="222" name="Shape 222"/>
+        <p:cNvPr id="226" name="Shape 226"/>
         <p:cNvGrpSpPr/>
         <p:nvPr/>
       </p:nvGrpSpPr>
@@ -10794,7 +10961,7 @@
       </p:grpSpPr>
       <p:sp>
         <p:nvSpPr>
-          <p:cNvPr id="223" name="Google Shape;223;p28"/>
+          <p:cNvPr id="227" name="Google Shape;227;p28"/>
           <p:cNvSpPr txBox="1"/>
           <p:nvPr>
             <p:ph type="ctrTitle"/>
@@ -10866,7 +11033,7 @@
       </p:sp>
       <p:sp>
         <p:nvSpPr>
-          <p:cNvPr id="224" name="Google Shape;224;p28"/>
+          <p:cNvPr id="228" name="Google Shape;228;p28"/>
           <p:cNvSpPr/>
           <p:nvPr/>
         </p:nvSpPr>
@@ -10913,9 +11080,59 @@
           </a:p>
         </p:txBody>
       </p:sp>
+      <p:sp>
+        <p:nvSpPr>
+          <p:cNvPr id="229" name="Google Shape;229;p28"/>
+          <p:cNvSpPr txBox="1"/>
+          <p:nvPr>
+            <p:ph idx="1" type="subTitle"/>
+          </p:nvPr>
+        </p:nvSpPr>
+        <p:spPr>
+          <a:xfrm>
+            <a:off x="6643400" y="4563350"/>
+            <a:ext cx="2129700" cy="325500"/>
+          </a:xfrm>
+          <a:prstGeom prst="rect">
+            <a:avLst/>
+          </a:prstGeom>
+        </p:spPr>
+        <p:txBody>
+          <a:bodyPr anchorCtr="0" anchor="t" bIns="91425" lIns="91425" spcFirstLastPara="1" rIns="91425" wrap="square" tIns="91425">
+            <a:normAutofit fontScale="32500"/>
+          </a:bodyPr>
+          <a:lstStyle/>
+          <a:p>
+            <a:pPr indent="0" lvl="0" marL="0" rtl="0" algn="r">
+              <a:spcBef>
+                <a:spcPts val="0"/>
+              </a:spcBef>
+              <a:spcAft>
+                <a:spcPts val="0"/>
+              </a:spcAft>
+              <a:buNone/>
+            </a:pPr>
+            <a:r>
+              <a:rPr lang="es">
+                <a:latin typeface="Roboto"/>
+                <a:ea typeface="Roboto"/>
+                <a:cs typeface="Roboto"/>
+                <a:sym typeface="Roboto"/>
+              </a:rPr>
+              <a:t>Ana Blanco Delgado | Julio 2021</a:t>
+            </a:r>
+            <a:endParaRPr>
+              <a:latin typeface="Roboto"/>
+              <a:ea typeface="Roboto"/>
+              <a:cs typeface="Roboto"/>
+              <a:sym typeface="Roboto"/>
+            </a:endParaRPr>
+          </a:p>
+        </p:txBody>
+      </p:sp>
       <p:pic>
         <p:nvPicPr>
-          <p:cNvPr id="225" name="Google Shape;225;p28"/>
+          <p:cNvPr id="230" name="Google Shape;230;p28"/>
           <p:cNvPicPr preferRelativeResize="0"/>
           <p:nvPr/>
         </p:nvPicPr>
@@ -10929,8 +11146,8 @@
         </p:blipFill>
         <p:spPr>
           <a:xfrm>
-            <a:off x="317300" y="1843285"/>
-            <a:ext cx="4247296" cy="2482425"/>
+            <a:off x="1450363" y="921950"/>
+            <a:ext cx="6243280" cy="3902050"/>
           </a:xfrm>
           <a:prstGeom prst="rect">
             <a:avLst/>
@@ -10941,137 +11158,6 @@
           </a:ln>
         </p:spPr>
       </p:pic>
-      <p:pic>
-        <p:nvPicPr>
-          <p:cNvPr id="226" name="Google Shape;226;p28"/>
-          <p:cNvPicPr preferRelativeResize="0"/>
-          <p:nvPr/>
-        </p:nvPicPr>
-        <p:blipFill>
-          <a:blip r:embed="rId4">
-            <a:alphaModFix/>
-          </a:blip>
-          <a:stretch>
-            <a:fillRect/>
-          </a:stretch>
-        </p:blipFill>
-        <p:spPr>
-          <a:xfrm>
-            <a:off x="4666427" y="1843285"/>
-            <a:ext cx="4150226" cy="2482426"/>
-          </a:xfrm>
-          <a:prstGeom prst="rect">
-            <a:avLst/>
-          </a:prstGeom>
-          <a:noFill/>
-          <a:ln>
-            <a:noFill/>
-          </a:ln>
-        </p:spPr>
-      </p:pic>
-      <p:sp>
-        <p:nvSpPr>
-          <p:cNvPr id="227" name="Google Shape;227;p28"/>
-          <p:cNvSpPr txBox="1"/>
-          <p:nvPr/>
-        </p:nvSpPr>
-        <p:spPr>
-          <a:xfrm>
-            <a:off x="628725" y="936650"/>
-            <a:ext cx="3023700" cy="492600"/>
-          </a:xfrm>
-          <a:prstGeom prst="rect">
-            <a:avLst/>
-          </a:prstGeom>
-          <a:noFill/>
-          <a:ln>
-            <a:noFill/>
-          </a:ln>
-        </p:spPr>
-        <p:txBody>
-          <a:bodyPr anchorCtr="0" anchor="t" bIns="91425" lIns="91425" spcFirstLastPara="1" rIns="91425" wrap="square" tIns="91425">
-            <a:spAutoFit/>
-          </a:bodyPr>
-          <a:lstStyle/>
-          <a:p>
-            <a:pPr indent="0" lvl="0" marL="0" rtl="0" algn="l">
-              <a:lnSpc>
-                <a:spcPct val="115000"/>
-              </a:lnSpc>
-              <a:spcBef>
-                <a:spcPts val="0"/>
-              </a:spcBef>
-              <a:spcAft>
-                <a:spcPts val="0"/>
-              </a:spcAft>
-              <a:buNone/>
-            </a:pPr>
-            <a:r>
-              <a:rPr lang="es" sz="2000">
-                <a:solidFill>
-                  <a:schemeClr val="dk1"/>
-                </a:solidFill>
-                <a:latin typeface="Roboto"/>
-                <a:ea typeface="Roboto"/>
-                <a:cs typeface="Roboto"/>
-                <a:sym typeface="Roboto"/>
-              </a:rPr>
-              <a:t>Variables valoraciones</a:t>
-            </a:r>
-            <a:endParaRPr/>
-          </a:p>
-        </p:txBody>
-      </p:sp>
-      <p:sp>
-        <p:nvSpPr>
-          <p:cNvPr id="228" name="Google Shape;228;p28"/>
-          <p:cNvSpPr txBox="1"/>
-          <p:nvPr>
-            <p:ph idx="1" type="subTitle"/>
-          </p:nvPr>
-        </p:nvSpPr>
-        <p:spPr>
-          <a:xfrm>
-            <a:off x="6643400" y="4563350"/>
-            <a:ext cx="2129700" cy="325500"/>
-          </a:xfrm>
-          <a:prstGeom prst="rect">
-            <a:avLst/>
-          </a:prstGeom>
-        </p:spPr>
-        <p:txBody>
-          <a:bodyPr anchorCtr="0" anchor="t" bIns="91425" lIns="91425" spcFirstLastPara="1" rIns="91425" wrap="square" tIns="91425">
-            <a:normAutofit fontScale="32500"/>
-          </a:bodyPr>
-          <a:lstStyle/>
-          <a:p>
-            <a:pPr indent="0" lvl="0" marL="0" rtl="0" algn="r">
-              <a:spcBef>
-                <a:spcPts val="0"/>
-              </a:spcBef>
-              <a:spcAft>
-                <a:spcPts val="0"/>
-              </a:spcAft>
-              <a:buNone/>
-            </a:pPr>
-            <a:r>
-              <a:rPr lang="es">
-                <a:latin typeface="Roboto"/>
-                <a:ea typeface="Roboto"/>
-                <a:cs typeface="Roboto"/>
-                <a:sym typeface="Roboto"/>
-              </a:rPr>
-              <a:t>Ana Blanco Delgado | Julio 2021</a:t>
-            </a:r>
-            <a:endParaRPr>
-              <a:latin typeface="Roboto"/>
-              <a:ea typeface="Roboto"/>
-              <a:cs typeface="Roboto"/>
-              <a:sym typeface="Roboto"/>
-            </a:endParaRPr>
-          </a:p>
-        </p:txBody>
-      </p:sp>
     </p:spTree>
   </p:cSld>
   <p:clrMapOvr>
@@ -11085,7 +11171,7 @@
   <p:cSld>
     <p:spTree>
       <p:nvGrpSpPr>
-        <p:cNvPr id="232" name="Shape 232"/>
+        <p:cNvPr id="234" name="Shape 234"/>
         <p:cNvGrpSpPr/>
         <p:nvPr/>
       </p:nvGrpSpPr>
@@ -11099,38 +11185,28 @@
       </p:grpSpPr>
       <p:sp>
         <p:nvSpPr>
-          <p:cNvPr id="233" name="Google Shape;233;p29"/>
-          <p:cNvSpPr/>
-          <p:nvPr/>
-        </p:nvSpPr>
-        <p:spPr>
-          <a:xfrm>
-            <a:off x="557925" y="540350"/>
-            <a:ext cx="70800" cy="381600"/>
-          </a:xfrm>
-          <a:prstGeom prst="rect">
-            <a:avLst/>
-          </a:prstGeom>
-          <a:solidFill>
-            <a:srgbClr val="F5C518"/>
-          </a:solidFill>
-          <a:ln cap="flat" cmpd="sng" w="9525">
-            <a:solidFill>
-              <a:schemeClr val="dk2"/>
-            </a:solidFill>
-            <a:prstDash val="solid"/>
-            <a:round/>
-            <a:headEnd len="sm" w="sm" type="none"/>
-            <a:tailEnd len="sm" w="sm" type="none"/>
-          </a:ln>
+          <p:cNvPr id="235" name="Google Shape;235;p29"/>
+          <p:cNvSpPr txBox="1"/>
+          <p:nvPr>
+            <p:ph idx="1" type="subTitle"/>
+          </p:nvPr>
+        </p:nvSpPr>
+        <p:spPr>
+          <a:xfrm>
+            <a:off x="6643400" y="4563350"/>
+            <a:ext cx="2129700" cy="325500"/>
+          </a:xfrm>
+          <a:prstGeom prst="rect">
+            <a:avLst/>
+          </a:prstGeom>
         </p:spPr>
         <p:txBody>
-          <a:bodyPr anchorCtr="0" anchor="ctr" bIns="91425" lIns="91425" spcFirstLastPara="1" rIns="91425" wrap="square" tIns="91425">
-            <a:noAutofit/>
+          <a:bodyPr anchorCtr="0" anchor="t" bIns="91425" lIns="91425" spcFirstLastPara="1" rIns="91425" wrap="square" tIns="91425">
+            <a:normAutofit fontScale="32500"/>
           </a:bodyPr>
           <a:lstStyle/>
           <a:p>
-            <a:pPr indent="0" lvl="0" marL="0" rtl="0" algn="l">
+            <a:pPr indent="0" lvl="0" marL="0" rtl="0" algn="r">
               <a:spcBef>
                 <a:spcPts val="0"/>
               </a:spcBef>
@@ -11140,15 +11216,26 @@
               <a:buNone/>
             </a:pPr>
             <a:r>
-              <a:t/>
-            </a:r>
-            <a:endParaRPr/>
+              <a:rPr lang="es">
+                <a:latin typeface="Roboto"/>
+                <a:ea typeface="Roboto"/>
+                <a:cs typeface="Roboto"/>
+                <a:sym typeface="Roboto"/>
+              </a:rPr>
+              <a:t>Ana Blanco Delgado | Julio 2021</a:t>
+            </a:r>
+            <a:endParaRPr>
+              <a:latin typeface="Roboto"/>
+              <a:ea typeface="Roboto"/>
+              <a:cs typeface="Roboto"/>
+              <a:sym typeface="Roboto"/>
+            </a:endParaRPr>
           </a:p>
         </p:txBody>
       </p:sp>
       <p:pic>
         <p:nvPicPr>
-          <p:cNvPr id="234" name="Google Shape;234;p29"/>
+          <p:cNvPr id="236" name="Google Shape;236;p29"/>
           <p:cNvPicPr preferRelativeResize="0"/>
           <p:nvPr/>
         </p:nvPicPr>
@@ -11162,8 +11249,8 @@
         </p:blipFill>
         <p:spPr>
           <a:xfrm>
-            <a:off x="4671100" y="1836000"/>
-            <a:ext cx="4113172" cy="2460269"/>
+            <a:off x="927650" y="1165250"/>
+            <a:ext cx="7175304" cy="3321900"/>
           </a:xfrm>
           <a:prstGeom prst="rect">
             <a:avLst/>
@@ -11174,92 +11261,6 @@
           </a:ln>
         </p:spPr>
       </p:pic>
-      <p:pic>
-        <p:nvPicPr>
-          <p:cNvPr id="235" name="Google Shape;235;p29"/>
-          <p:cNvPicPr preferRelativeResize="0"/>
-          <p:nvPr/>
-        </p:nvPicPr>
-        <p:blipFill>
-          <a:blip r:embed="rId4">
-            <a:alphaModFix/>
-          </a:blip>
-          <a:stretch>
-            <a:fillRect/>
-          </a:stretch>
-        </p:blipFill>
-        <p:spPr>
-          <a:xfrm>
-            <a:off x="445175" y="1802275"/>
-            <a:ext cx="4225925" cy="2672174"/>
-          </a:xfrm>
-          <a:prstGeom prst="rect">
-            <a:avLst/>
-          </a:prstGeom>
-          <a:noFill/>
-          <a:ln>
-            <a:noFill/>
-          </a:ln>
-        </p:spPr>
-      </p:pic>
-      <p:sp>
-        <p:nvSpPr>
-          <p:cNvPr id="236" name="Google Shape;236;p29"/>
-          <p:cNvSpPr txBox="1"/>
-          <p:nvPr/>
-        </p:nvSpPr>
-        <p:spPr>
-          <a:xfrm>
-            <a:off x="628725" y="936650"/>
-            <a:ext cx="3023700" cy="492600"/>
-          </a:xfrm>
-          <a:prstGeom prst="rect">
-            <a:avLst/>
-          </a:prstGeom>
-          <a:noFill/>
-          <a:ln>
-            <a:noFill/>
-          </a:ln>
-        </p:spPr>
-        <p:txBody>
-          <a:bodyPr anchorCtr="0" anchor="t" bIns="91425" lIns="91425" spcFirstLastPara="1" rIns="91425" wrap="square" tIns="91425">
-            <a:spAutoFit/>
-          </a:bodyPr>
-          <a:lstStyle/>
-          <a:p>
-            <a:pPr indent="0" lvl="0" marL="0" rtl="0" algn="l">
-              <a:lnSpc>
-                <a:spcPct val="115000"/>
-              </a:lnSpc>
-              <a:spcBef>
-                <a:spcPts val="0"/>
-              </a:spcBef>
-              <a:spcAft>
-                <a:spcPts val="0"/>
-              </a:spcAft>
-              <a:buClr>
-                <a:srgbClr val="000000"/>
-              </a:buClr>
-              <a:buSzPts val="891"/>
-              <a:buFont typeface="Arial"/>
-              <a:buNone/>
-            </a:pPr>
-            <a:r>
-              <a:rPr lang="es" sz="2000">
-                <a:solidFill>
-                  <a:schemeClr val="dk1"/>
-                </a:solidFill>
-                <a:latin typeface="Roboto"/>
-                <a:ea typeface="Roboto"/>
-                <a:cs typeface="Roboto"/>
-                <a:sym typeface="Roboto"/>
-              </a:rPr>
-              <a:t>Variables económicas</a:t>
-            </a:r>
-            <a:endParaRPr/>
-          </a:p>
-        </p:txBody>
-      </p:sp>
       <p:sp>
         <p:nvSpPr>
           <p:cNvPr id="237" name="Google Shape;237;p29"/>
@@ -11335,27 +11336,37 @@
       <p:sp>
         <p:nvSpPr>
           <p:cNvPr id="238" name="Google Shape;238;p29"/>
-          <p:cNvSpPr txBox="1"/>
-          <p:nvPr>
-            <p:ph idx="1" type="subTitle"/>
-          </p:nvPr>
-        </p:nvSpPr>
-        <p:spPr>
-          <a:xfrm>
-            <a:off x="6643400" y="4563350"/>
-            <a:ext cx="2129700" cy="325500"/>
-          </a:xfrm>
-          <a:prstGeom prst="rect">
-            <a:avLst/>
-          </a:prstGeom>
+          <p:cNvSpPr/>
+          <p:nvPr/>
+        </p:nvSpPr>
+        <p:spPr>
+          <a:xfrm>
+            <a:off x="557925" y="540350"/>
+            <a:ext cx="70800" cy="381600"/>
+          </a:xfrm>
+          <a:prstGeom prst="rect">
+            <a:avLst/>
+          </a:prstGeom>
+          <a:solidFill>
+            <a:srgbClr val="F5C518"/>
+          </a:solidFill>
+          <a:ln cap="flat" cmpd="sng" w="9525">
+            <a:solidFill>
+              <a:schemeClr val="dk2"/>
+            </a:solidFill>
+            <a:prstDash val="solid"/>
+            <a:round/>
+            <a:headEnd len="sm" w="sm" type="none"/>
+            <a:tailEnd len="sm" w="sm" type="none"/>
+          </a:ln>
         </p:spPr>
         <p:txBody>
-          <a:bodyPr anchorCtr="0" anchor="t" bIns="91425" lIns="91425" spcFirstLastPara="1" rIns="91425" wrap="square" tIns="91425">
-            <a:normAutofit fontScale="32500"/>
+          <a:bodyPr anchorCtr="0" anchor="ctr" bIns="91425" lIns="91425" spcFirstLastPara="1" rIns="91425" wrap="square" tIns="91425">
+            <a:noAutofit/>
           </a:bodyPr>
           <a:lstStyle/>
           <a:p>
-            <a:pPr indent="0" lvl="0" marL="0" rtl="0" algn="r">
+            <a:pPr indent="0" lvl="0" marL="0" rtl="0" algn="l">
               <a:spcBef>
                 <a:spcPts val="0"/>
               </a:spcBef>
@@ -11365,20 +11376,9 @@
               <a:buNone/>
             </a:pPr>
             <a:r>
-              <a:rPr lang="es">
-                <a:latin typeface="Roboto"/>
-                <a:ea typeface="Roboto"/>
-                <a:cs typeface="Roboto"/>
-                <a:sym typeface="Roboto"/>
-              </a:rPr>
-              <a:t>Ana Blanco Delgado | Julio 2021</a:t>
-            </a:r>
-            <a:endParaRPr>
-              <a:latin typeface="Roboto"/>
-              <a:ea typeface="Roboto"/>
-              <a:cs typeface="Roboto"/>
-              <a:sym typeface="Roboto"/>
-            </a:endParaRPr>
+              <a:t/>
+            </a:r>
+            <a:endParaRPr/>
           </a:p>
         </p:txBody>
       </p:sp>
@@ -12220,8 +12220,8 @@
         </p:nvSpPr>
         <p:spPr>
           <a:xfrm>
-            <a:off x="1884950" y="1874925"/>
-            <a:ext cx="5494500" cy="1108200"/>
+            <a:off x="1824750" y="2117700"/>
+            <a:ext cx="5494500" cy="908100"/>
           </a:xfrm>
           <a:prstGeom prst="rect">
             <a:avLst/>
@@ -12247,7 +12247,7 @@
               <a:buNone/>
             </a:pPr>
             <a:r>
-              <a:rPr lang="es" sz="6000">
+              <a:rPr lang="es" sz="4700">
                 <a:solidFill>
                   <a:srgbClr val="F5C518"/>
                 </a:solidFill>
@@ -12258,7 +12258,7 @@
               </a:rPr>
               <a:t>Gracias</a:t>
             </a:r>
-            <a:endParaRPr sz="6000">
+            <a:endParaRPr sz="4700">
               <a:solidFill>
                 <a:srgbClr val="F5C518"/>
               </a:solidFill>
@@ -12312,6 +12312,92 @@
               <a:t>Ana Blanco Delgado | Julio 2021</a:t>
             </a:r>
             <a:endParaRPr>
+              <a:latin typeface="Roboto"/>
+              <a:ea typeface="Roboto"/>
+              <a:cs typeface="Roboto"/>
+              <a:sym typeface="Roboto"/>
+            </a:endParaRPr>
+          </a:p>
+        </p:txBody>
+      </p:sp>
+      <p:pic>
+        <p:nvPicPr>
+          <p:cNvPr id="269" name="Google Shape;269;p33"/>
+          <p:cNvPicPr preferRelativeResize="0"/>
+          <p:nvPr/>
+        </p:nvPicPr>
+        <p:blipFill>
+          <a:blip r:embed="rId3">
+            <a:alphaModFix/>
+          </a:blip>
+          <a:stretch>
+            <a:fillRect/>
+          </a:stretch>
+        </p:blipFill>
+        <p:spPr>
+          <a:xfrm>
+            <a:off x="3086675" y="3968950"/>
+            <a:ext cx="304800" cy="304800"/>
+          </a:xfrm>
+          <a:prstGeom prst="rect">
+            <a:avLst/>
+          </a:prstGeom>
+          <a:noFill/>
+          <a:ln>
+            <a:noFill/>
+          </a:ln>
+        </p:spPr>
+      </p:pic>
+      <p:sp>
+        <p:nvSpPr>
+          <p:cNvPr id="270" name="Google Shape;270;p33"/>
+          <p:cNvSpPr txBox="1"/>
+          <p:nvPr/>
+        </p:nvSpPr>
+        <p:spPr>
+          <a:xfrm>
+            <a:off x="3444100" y="3780000"/>
+            <a:ext cx="2832300" cy="569400"/>
+          </a:xfrm>
+          <a:prstGeom prst="rect">
+            <a:avLst/>
+          </a:prstGeom>
+          <a:noFill/>
+          <a:ln>
+            <a:noFill/>
+          </a:ln>
+        </p:spPr>
+        <p:txBody>
+          <a:bodyPr anchorCtr="0" anchor="t" bIns="91425" lIns="91425" spcFirstLastPara="1" rIns="91425" wrap="square" tIns="91425">
+            <a:spAutoFit/>
+          </a:bodyPr>
+          <a:lstStyle/>
+          <a:p>
+            <a:pPr indent="0" lvl="0" marL="0" rtl="0" algn="l">
+              <a:spcBef>
+                <a:spcPts val="0"/>
+              </a:spcBef>
+              <a:spcAft>
+                <a:spcPts val="0"/>
+              </a:spcAft>
+              <a:buNone/>
+            </a:pPr>
+            <a:r>
+              <a:rPr lang="es" sz="2500">
+                <a:solidFill>
+                  <a:schemeClr val="dk1"/>
+                </a:solidFill>
+                <a:latin typeface="Roboto"/>
+                <a:ea typeface="Roboto"/>
+                <a:cs typeface="Roboto"/>
+                <a:sym typeface="Roboto"/>
+              </a:rPr>
+              <a:t>casiopa/EDA-IMDb</a:t>
+            </a:r>
+            <a:endParaRPr sz="2500">
+              <a:solidFill>
+                <a:schemeClr val="dk1"/>
+              </a:solidFill>
               <a:latin typeface="Roboto"/>
               <a:ea typeface="Roboto"/>
               <a:cs typeface="Roboto"/>
@@ -15254,6 +15340,285 @@
 </file>
 
 <file path=ppt/theme/theme1.xml><?xml version="1.0" encoding="utf-8"?>
+<a:theme xmlns:a="http://schemas.openxmlformats.org/drawingml/2006/main" xmlns:r="http://schemas.openxmlformats.org/officeDocument/2006/relationships">
+  <a:themeElements>
+    <a:clrScheme name="Default">
+      <a:dk1>
+        <a:srgbClr val="000000"/>
+      </a:dk1>
+      <a:lt1>
+        <a:srgbClr val="FFFFFF"/>
+      </a:lt1>
+      <a:dk2>
+        <a:srgbClr val="158158"/>
+      </a:dk2>
+      <a:lt2>
+        <a:srgbClr val="F3F3F3"/>
+      </a:lt2>
+      <a:accent1>
+        <a:srgbClr val="058DC7"/>
+      </a:accent1>
+      <a:accent2>
+        <a:srgbClr val="50B432"/>
+      </a:accent2>
+      <a:accent3>
+        <a:srgbClr val="ED561B"/>
+      </a:accent3>
+      <a:accent4>
+        <a:srgbClr val="EDEF00"/>
+      </a:accent4>
+      <a:accent5>
+        <a:srgbClr val="24CBE5"/>
+      </a:accent5>
+      <a:accent6>
+        <a:srgbClr val="64E572"/>
+      </a:accent6>
+      <a:hlink>
+        <a:srgbClr val="2200CC"/>
+      </a:hlink>
+      <a:folHlink>
+        <a:srgbClr val="551A8B"/>
+      </a:folHlink>
+    </a:clrScheme>
+    <a:fontScheme name="Office">
+      <a:majorFont>
+        <a:latin typeface="Arial"/>
+        <a:ea typeface=""/>
+        <a:cs typeface=""/>
+        <a:font script="Jpan" typeface="ＭＳ Ｐゴシック"/>
+        <a:font script="Hang" typeface="맑은 고딕"/>
+        <a:font script="Hans" typeface="宋体"/>
+        <a:font script="Hant" typeface="新細明體"/>
+        <a:font script="Arab" typeface="Times New Roman"/>
+        <a:font script="Hebr" typeface="Times New Roman"/>
+        <a:font script="Thai" typeface="Angsana New"/>
+        <a:font script="Ethi" typeface="Nyala"/>
+        <a:font script="Beng" typeface="Vrinda"/>
+        <a:font script="Gujr" typeface="Shruti"/>
+        <a:font script="Khmr" typeface="MoolBoran"/>
+        <a:font script="Knda" typeface="Tunga"/>
+        <a:font script="Guru" typeface="Raavi"/>
+        <a:font script="Cans" typeface="Euphemia"/>
+        <a:font script="Cher" typeface="Plantagenet Cherokee"/>
+        <a:font script="Yiii" typeface="Microsoft Yi Baiti"/>
+        <a:font script="Tibt" typeface="Microsoft Himalaya"/>
+        <a:font script="Thaa" typeface="MV Boli"/>
+        <a:font script="Deva" typeface="Mangal"/>
+        <a:font script="Telu" typeface="Gautami"/>
+        <a:font script="Taml" typeface="Latha"/>
+        <a:font script="Syrc" typeface="Estrangelo Edessa"/>
+        <a:font script="Orya" typeface="Kalinga"/>
+        <a:font script="Mlym" typeface="Kartika"/>
+        <a:font script="Laoo" typeface="DokChampa"/>
+        <a:font script="Sinh" typeface="Iskoola Pota"/>
+        <a:font script="Mong" typeface="Mongolian Baiti"/>
+        <a:font script="Viet" typeface="Times New Roman"/>
+        <a:font script="Uigh" typeface="Microsoft Uighur"/>
+        <a:font script="Geor" typeface="Sylfaen"/>
+      </a:majorFont>
+      <a:minorFont>
+        <a:latin typeface="Arial"/>
+        <a:ea typeface=""/>
+        <a:cs typeface=""/>
+        <a:font script="Jpan" typeface="ＭＳ Ｐゴシック"/>
+        <a:font script="Hang" typeface="맑은 고딕"/>
+        <a:font script="Hans" typeface="宋体"/>
+        <a:font script="Hant" typeface="新細明體"/>
+        <a:font script="Arab" typeface="Arial"/>
+        <a:font script="Hebr" typeface="Arial"/>
+        <a:font script="Thai" typeface="Cordia New"/>
+        <a:font script="Ethi" typeface="Nyala"/>
+        <a:font script="Beng" typeface="Vrinda"/>
+        <a:font script="Gujr" typeface="Shruti"/>
+        <a:font script="Khmr" typeface="DaunPenh"/>
+        <a:font script="Knda" typeface="Tunga"/>
+        <a:font script="Guru" typeface="Raavi"/>
+        <a:font script="Cans" typeface="Euphemia"/>
+        <a:font script="Cher" typeface="Plantagenet Cherokee"/>
+        <a:font script="Yiii" typeface="Microsoft Yi Baiti"/>
+        <a:font script="Tibt" typeface="Microsoft Himalaya"/>
+        <a:font script="Thaa" typeface="MV Boli"/>
+        <a:font script="Deva" typeface="Mangal"/>
+        <a:font script="Telu" typeface="Gautami"/>
+        <a:font script="Taml" typeface="Latha"/>
+        <a:font script="Syrc" typeface="Estrangelo Edessa"/>
+        <a:font script="Orya" typeface="Kalinga"/>
+        <a:font script="Mlym" typeface="Kartika"/>
+        <a:font script="Laoo" typeface="DokChampa"/>
+        <a:font script="Sinh" typeface="Iskoola Pota"/>
+        <a:font script="Mong" typeface="Mongolian Baiti"/>
+        <a:font script="Viet" typeface="Arial"/>
+        <a:font script="Uigh" typeface="Microsoft Uighur"/>
+        <a:font script="Geor" typeface="Sylfaen"/>
+      </a:minorFont>
+    </a:fontScheme>
+    <a:fmtScheme name="Office">
+      <a:fillStyleLst>
+        <a:solidFill>
+          <a:schemeClr val="phClr"/>
+        </a:solidFill>
+        <a:gradFill rotWithShape="1">
+          <a:gsLst>
+            <a:gs pos="0">
+              <a:schemeClr val="phClr">
+                <a:tint val="50000"/>
+                <a:satMod val="300000"/>
+              </a:schemeClr>
+            </a:gs>
+            <a:gs pos="35000">
+              <a:schemeClr val="phClr">
+                <a:tint val="37000"/>
+                <a:satMod val="300000"/>
+              </a:schemeClr>
+            </a:gs>
+            <a:gs pos="100000">
+              <a:schemeClr val="phClr">
+                <a:tint val="15000"/>
+                <a:satMod val="350000"/>
+              </a:schemeClr>
+            </a:gs>
+          </a:gsLst>
+          <a:lin ang="16200000" scaled="1"/>
+        </a:gradFill>
+        <a:gradFill rotWithShape="1">
+          <a:gsLst>
+            <a:gs pos="0">
+              <a:schemeClr val="phClr">
+                <a:tint val="100000"/>
+                <a:shade val="100000"/>
+                <a:satMod val="130000"/>
+              </a:schemeClr>
+            </a:gs>
+            <a:gs pos="100000">
+              <a:schemeClr val="phClr">
+                <a:tint val="50000"/>
+                <a:shade val="100000"/>
+                <a:satMod val="350000"/>
+              </a:schemeClr>
+            </a:gs>
+          </a:gsLst>
+          <a:lin ang="16200000" scaled="0"/>
+        </a:gradFill>
+      </a:fillStyleLst>
+      <a:lnStyleLst>
+        <a:ln w="9525" cap="flat" cmpd="sng" algn="ctr">
+          <a:solidFill>
+            <a:schemeClr val="phClr">
+              <a:shade val="95000"/>
+              <a:satMod val="105000"/>
+            </a:schemeClr>
+          </a:solidFill>
+          <a:prstDash val="solid"/>
+        </a:ln>
+        <a:ln w="25400" cap="flat" cmpd="sng" algn="ctr">
+          <a:solidFill>
+            <a:schemeClr val="phClr"/>
+          </a:solidFill>
+          <a:prstDash val="solid"/>
+        </a:ln>
+        <a:ln w="38100" cap="flat" cmpd="sng" algn="ctr">
+          <a:solidFill>
+            <a:schemeClr val="phClr"/>
+          </a:solidFill>
+          <a:prstDash val="solid"/>
+        </a:ln>
+      </a:lnStyleLst>
+      <a:effectStyleLst>
+        <a:effectStyle>
+          <a:effectLst>
+            <a:outerShdw blurRad="40000" dist="20000" dir="5400000" rotWithShape="0">
+              <a:srgbClr val="000000">
+                <a:alpha val="38000"/>
+              </a:srgbClr>
+            </a:outerShdw>
+          </a:effectLst>
+        </a:effectStyle>
+        <a:effectStyle>
+          <a:effectLst>
+            <a:outerShdw blurRad="40000" dist="23000" dir="5400000" rotWithShape="0">
+              <a:srgbClr val="000000">
+                <a:alpha val="35000"/>
+              </a:srgbClr>
+            </a:outerShdw>
+          </a:effectLst>
+        </a:effectStyle>
+        <a:effectStyle>
+          <a:effectLst>
+            <a:outerShdw blurRad="40000" dist="23000" dir="5400000" rotWithShape="0">
+              <a:srgbClr val="000000">
+                <a:alpha val="35000"/>
+              </a:srgbClr>
+            </a:outerShdw>
+          </a:effectLst>
+          <a:scene3d>
+            <a:camera prst="orthographicFront">
+              <a:rot lat="0" lon="0" rev="0"/>
+            </a:camera>
+            <a:lightRig rig="threePt" dir="t">
+              <a:rot lat="0" lon="0" rev="1200000"/>
+            </a:lightRig>
+          </a:scene3d>
+          <a:sp3d>
+            <a:bevelT w="63500" h="25400"/>
+          </a:sp3d>
+        </a:effectStyle>
+      </a:effectStyleLst>
+      <a:bgFillStyleLst>
+        <a:solidFill>
+          <a:schemeClr val="phClr"/>
+        </a:solidFill>
+        <a:gradFill rotWithShape="1">
+          <a:gsLst>
+            <a:gs pos="0">
+              <a:schemeClr val="phClr">
+                <a:tint val="40000"/>
+                <a:satMod val="350000"/>
+              </a:schemeClr>
+            </a:gs>
+            <a:gs pos="40000">
+              <a:schemeClr val="phClr">
+                <a:tint val="45000"/>
+                <a:shade val="99000"/>
+                <a:satMod val="350000"/>
+              </a:schemeClr>
+            </a:gs>
+            <a:gs pos="100000">
+              <a:schemeClr val="phClr">
+                <a:shade val="20000"/>
+                <a:satMod val="255000"/>
+              </a:schemeClr>
+            </a:gs>
+          </a:gsLst>
+          <a:path path="circle">
+            <a:fillToRect l="50000" t="-80000" r="50000" b="180000"/>
+          </a:path>
+        </a:gradFill>
+        <a:gradFill rotWithShape="1">
+          <a:gsLst>
+            <a:gs pos="0">
+              <a:schemeClr val="phClr">
+                <a:tint val="80000"/>
+                <a:satMod val="300000"/>
+              </a:schemeClr>
+            </a:gs>
+            <a:gs pos="100000">
+              <a:schemeClr val="phClr">
+                <a:shade val="30000"/>
+                <a:satMod val="200000"/>
+              </a:schemeClr>
+            </a:gs>
+          </a:gsLst>
+          <a:path path="circle">
+            <a:fillToRect l="50000" t="50000" r="50000" b="50000"/>
+          </a:path>
+        </a:gradFill>
+      </a:bgFillStyleLst>
+    </a:fmtScheme>
+  </a:themeElements>
+</a:theme>
+</file>
+
+<file path=ppt/theme/theme2.xml><?xml version="1.0" encoding="utf-8"?>
 <a:theme xmlns:a="http://schemas.openxmlformats.org/drawingml/2006/main" xmlns:r="http://schemas.openxmlformats.org/officeDocument/2006/relationships" name="Simple Dark">
   <a:themeElements>
     <a:clrScheme name="Simple Dark">
@@ -15530,283 +15895,4 @@
     </a:fmtScheme>
   </a:themeElements>
 </a:theme>
-</file>
-
-<file path=ppt/theme/theme2.xml><?xml version="1.0" encoding="utf-8"?>
-<a:theme xmlns:a="http://schemas.openxmlformats.org/drawingml/2006/main" xmlns:r="http://schemas.openxmlformats.org/officeDocument/2006/relationships">
-  <a:themeElements>
-    <a:clrScheme name="Default">
-      <a:dk1>
-        <a:srgbClr val="000000"/>
-      </a:dk1>
-      <a:lt1>
-        <a:srgbClr val="FFFFFF"/>
-      </a:lt1>
-      <a:dk2>
-        <a:srgbClr val="158158"/>
-      </a:dk2>
-      <a:lt2>
-        <a:srgbClr val="F3F3F3"/>
-      </a:lt2>
-      <a:accent1>
-        <a:srgbClr val="058DC7"/>
-      </a:accent1>
-      <a:accent2>
-        <a:srgbClr val="50B432"/>
-      </a:accent2>
-      <a:accent3>
-        <a:srgbClr val="ED561B"/>
-      </a:accent3>
-      <a:accent4>
-        <a:srgbClr val="EDEF00"/>
-      </a:accent4>
-      <a:accent5>
-        <a:srgbClr val="24CBE5"/>
-      </a:accent5>
-      <a:accent6>
-        <a:srgbClr val="64E572"/>
-      </a:accent6>
-      <a:hlink>
-        <a:srgbClr val="2200CC"/>
-      </a:hlink>
-      <a:folHlink>
-        <a:srgbClr val="551A8B"/>
-      </a:folHlink>
-    </a:clrScheme>
-    <a:fontScheme name="Office">
-      <a:majorFont>
-        <a:latin typeface="Arial"/>
-        <a:ea typeface=""/>
-        <a:cs typeface=""/>
-        <a:font script="Jpan" typeface="ＭＳ Ｐゴシック"/>
-        <a:font script="Hang" typeface="맑은 고딕"/>
-        <a:font script="Hans" typeface="宋体"/>
-        <a:font script="Hant" typeface="新細明體"/>
-        <a:font script="Arab" typeface="Times New Roman"/>
-        <a:font script="Hebr" typeface="Times New Roman"/>
-        <a:font script="Thai" typeface="Angsana New"/>
-        <a:font script="Ethi" typeface="Nyala"/>
-        <a:font script="Beng" typeface="Vrinda"/>
-        <a:font script="Gujr" typeface="Shruti"/>
-        <a:font script="Khmr" typeface="MoolBoran"/>
-        <a:font script="Knda" typeface="Tunga"/>
-        <a:font script="Guru" typeface="Raavi"/>
-        <a:font script="Cans" typeface="Euphemia"/>
-        <a:font script="Cher" typeface="Plantagenet Cherokee"/>
-        <a:font script="Yiii" typeface="Microsoft Yi Baiti"/>
-        <a:font script="Tibt" typeface="Microsoft Himalaya"/>
-        <a:font script="Thaa" typeface="MV Boli"/>
-        <a:font script="Deva" typeface="Mangal"/>
-        <a:font script="Telu" typeface="Gautami"/>
-        <a:font script="Taml" typeface="Latha"/>
-        <a:font script="Syrc" typeface="Estrangelo Edessa"/>
-        <a:font script="Orya" typeface="Kalinga"/>
-        <a:font script="Mlym" typeface="Kartika"/>
-        <a:font script="Laoo" typeface="DokChampa"/>
-        <a:font script="Sinh" typeface="Iskoola Pota"/>
-        <a:font script="Mong" typeface="Mongolian Baiti"/>
-        <a:font script="Viet" typeface="Times New Roman"/>
-        <a:font script="Uigh" typeface="Microsoft Uighur"/>
-        <a:font script="Geor" typeface="Sylfaen"/>
-      </a:majorFont>
-      <a:minorFont>
-        <a:latin typeface="Arial"/>
-        <a:ea typeface=""/>
-        <a:cs typeface=""/>
-        <a:font script="Jpan" typeface="ＭＳ Ｐゴシック"/>
-        <a:font script="Hang" typeface="맑은 고딕"/>
-        <a:font script="Hans" typeface="宋体"/>
-        <a:font script="Hant" typeface="新細明體"/>
-        <a:font script="Arab" typeface="Arial"/>
-        <a:font script="Hebr" typeface="Arial"/>
-        <a:font script="Thai" typeface="Cordia New"/>
-        <a:font script="Ethi" typeface="Nyala"/>
-        <a:font script="Beng" typeface="Vrinda"/>
-        <a:font script="Gujr" typeface="Shruti"/>
-        <a:font script="Khmr" typeface="DaunPenh"/>
-        <a:font script="Knda" typeface="Tunga"/>
-        <a:font script="Guru" typeface="Raavi"/>
-        <a:font script="Cans" typeface="Euphemia"/>
-        <a:font script="Cher" typeface="Plantagenet Cherokee"/>
-        <a:font script="Yiii" typeface="Microsoft Yi Baiti"/>
-        <a:font script="Tibt" typeface="Microsoft Himalaya"/>
-        <a:font script="Thaa" typeface="MV Boli"/>
-        <a:font script="Deva" typeface="Mangal"/>
-        <a:font script="Telu" typeface="Gautami"/>
-        <a:font script="Taml" typeface="Latha"/>
-        <a:font script="Syrc" typeface="Estrangelo Edessa"/>
-        <a:font script="Orya" typeface="Kalinga"/>
-        <a:font script="Mlym" typeface="Kartika"/>
-        <a:font script="Laoo" typeface="DokChampa"/>
-        <a:font script="Sinh" typeface="Iskoola Pota"/>
-        <a:font script="Mong" typeface="Mongolian Baiti"/>
-        <a:font script="Viet" typeface="Arial"/>
-        <a:font script="Uigh" typeface="Microsoft Uighur"/>
-        <a:font script="Geor" typeface="Sylfaen"/>
-      </a:minorFont>
-    </a:fontScheme>
-    <a:fmtScheme name="Office">
-      <a:fillStyleLst>
-        <a:solidFill>
-          <a:schemeClr val="phClr"/>
-        </a:solidFill>
-        <a:gradFill rotWithShape="1">
-          <a:gsLst>
-            <a:gs pos="0">
-              <a:schemeClr val="phClr">
-                <a:tint val="50000"/>
-                <a:satMod val="300000"/>
-              </a:schemeClr>
-            </a:gs>
-            <a:gs pos="35000">
-              <a:schemeClr val="phClr">
-                <a:tint val="37000"/>
-                <a:satMod val="300000"/>
-              </a:schemeClr>
-            </a:gs>
-            <a:gs pos="100000">
-              <a:schemeClr val="phClr">
-                <a:tint val="15000"/>
-                <a:satMod val="350000"/>
-              </a:schemeClr>
-            </a:gs>
-          </a:gsLst>
-          <a:lin ang="16200000" scaled="1"/>
-        </a:gradFill>
-        <a:gradFill rotWithShape="1">
-          <a:gsLst>
-            <a:gs pos="0">
-              <a:schemeClr val="phClr">
-                <a:tint val="100000"/>
-                <a:shade val="100000"/>
-                <a:satMod val="130000"/>
-              </a:schemeClr>
-            </a:gs>
-            <a:gs pos="100000">
-              <a:schemeClr val="phClr">
-                <a:tint val="50000"/>
-                <a:shade val="100000"/>
-                <a:satMod val="350000"/>
-              </a:schemeClr>
-            </a:gs>
-          </a:gsLst>
-          <a:lin ang="16200000" scaled="0"/>
-        </a:gradFill>
-      </a:fillStyleLst>
-      <a:lnStyleLst>
-        <a:ln w="9525" cap="flat" cmpd="sng" algn="ctr">
-          <a:solidFill>
-            <a:schemeClr val="phClr">
-              <a:shade val="95000"/>
-              <a:satMod val="105000"/>
-            </a:schemeClr>
-          </a:solidFill>
-          <a:prstDash val="solid"/>
-        </a:ln>
-        <a:ln w="25400" cap="flat" cmpd="sng" algn="ctr">
-          <a:solidFill>
-            <a:schemeClr val="phClr"/>
-          </a:solidFill>
-          <a:prstDash val="solid"/>
-        </a:ln>
-        <a:ln w="38100" cap="flat" cmpd="sng" algn="ctr">
-          <a:solidFill>
-            <a:schemeClr val="phClr"/>
-          </a:solidFill>
-          <a:prstDash val="solid"/>
-        </a:ln>
-      </a:lnStyleLst>
-      <a:effectStyleLst>
-        <a:effectStyle>
-          <a:effectLst>
-            <a:outerShdw blurRad="40000" dist="20000" dir="5400000" rotWithShape="0">
-              <a:srgbClr val="000000">
-                <a:alpha val="38000"/>
-              </a:srgbClr>
-            </a:outerShdw>
-          </a:effectLst>
-        </a:effectStyle>
-        <a:effectStyle>
-          <a:effectLst>
-            <a:outerShdw blurRad="40000" dist="23000" dir="5400000" rotWithShape="0">
-              <a:srgbClr val="000000">
-                <a:alpha val="35000"/>
-              </a:srgbClr>
-            </a:outerShdw>
-          </a:effectLst>
-        </a:effectStyle>
-        <a:effectStyle>
-          <a:effectLst>
-            <a:outerShdw blurRad="40000" dist="23000" dir="5400000" rotWithShape="0">
-              <a:srgbClr val="000000">
-                <a:alpha val="35000"/>
-              </a:srgbClr>
-            </a:outerShdw>
-          </a:effectLst>
-          <a:scene3d>
-            <a:camera prst="orthographicFront">
-              <a:rot lat="0" lon="0" rev="0"/>
-            </a:camera>
-            <a:lightRig rig="threePt" dir="t">
-              <a:rot lat="0" lon="0" rev="1200000"/>
-            </a:lightRig>
-          </a:scene3d>
-          <a:sp3d>
-            <a:bevelT w="63500" h="25400"/>
-          </a:sp3d>
-        </a:effectStyle>
-      </a:effectStyleLst>
-      <a:bgFillStyleLst>
-        <a:solidFill>
-          <a:schemeClr val="phClr"/>
-        </a:solidFill>
-        <a:gradFill rotWithShape="1">
-          <a:gsLst>
-            <a:gs pos="0">
-              <a:schemeClr val="phClr">
-                <a:tint val="40000"/>
-                <a:satMod val="350000"/>
-              </a:schemeClr>
-            </a:gs>
-            <a:gs pos="40000">
-              <a:schemeClr val="phClr">
-                <a:tint val="45000"/>
-                <a:shade val="99000"/>
-                <a:satMod val="350000"/>
-              </a:schemeClr>
-            </a:gs>
-            <a:gs pos="100000">
-              <a:schemeClr val="phClr">
-                <a:shade val="20000"/>
-                <a:satMod val="255000"/>
-              </a:schemeClr>
-            </a:gs>
-          </a:gsLst>
-          <a:path path="circle">
-            <a:fillToRect l="50000" t="-80000" r="50000" b="180000"/>
-          </a:path>
-        </a:gradFill>
-        <a:gradFill rotWithShape="1">
-          <a:gsLst>
-            <a:gs pos="0">
-              <a:schemeClr val="phClr">
-                <a:tint val="80000"/>
-                <a:satMod val="300000"/>
-              </a:schemeClr>
-            </a:gs>
-            <a:gs pos="100000">
-              <a:schemeClr val="phClr">
-                <a:shade val="30000"/>
-                <a:satMod val="200000"/>
-              </a:schemeClr>
-            </a:gs>
-          </a:gsLst>
-          <a:path path="circle">
-            <a:fillToRect l="50000" t="50000" r="50000" b="50000"/>
-          </a:path>
-        </a:gradFill>
-      </a:bgFillStyleLst>
-    </a:fmtScheme>
-  </a:themeElements>
-</a:theme>
 </file>
--- a/Presentación Público, crítica y taquilla en IMDb.pptx
+++ b/Presentación Público, crítica y taquilla en IMDb.pptx
@@ -1,6 +1,6 @@
 
 <file path=ppt/presentation.xml><?xml version="1.0" encoding="utf-8"?>
-<p:presentation xmlns:a="http://schemas.openxmlformats.org/drawingml/2006/main" xmlns:r="http://schemas.openxmlformats.org/officeDocument/2006/relationships" xmlns:mc="http://schemas.openxmlformats.org/markup-compatibility/2006" xmlns:mv="urn:schemas-microsoft-com:mac:vml" xmlns:p="http://schemas.openxmlformats.org/presentationml/2006/main" xmlns:c="http://schemas.openxmlformats.org/drawingml/2006/chart" xmlns:dgm="http://schemas.openxmlformats.org/drawingml/2006/diagram" xmlns:o="urn:schemas-microsoft-com:office:office" xmlns:v="urn:schemas-microsoft-com:vml" xmlns:pvml="urn:schemas-microsoft-com:office:powerpoint" xmlns:com="http://schemas.openxmlformats.org/drawingml/2006/compatibility" xmlns:p14="http://schemas.microsoft.com/office/powerpoint/2010/main" xmlns:p15="http://schemas.microsoft.com/office/powerpoint/2012/main" xmlns:ahyp="http://schemas.microsoft.com/office/drawing/2018/hyperlinkcolor" autoCompressPictures="0" strictFirstAndLastChars="0" saveSubsetFonts="1">
+<p:presentation xmlns:a="http://schemas.openxmlformats.org/drawingml/2006/main" xmlns:r="http://schemas.openxmlformats.org/officeDocument/2006/relationships" xmlns:mc="http://schemas.openxmlformats.org/markup-compatibility/2006" xmlns:mv="urn:schemas-microsoft-com:mac:vml" xmlns:p="http://schemas.openxmlformats.org/presentationml/2006/main" xmlns:c="http://schemas.openxmlformats.org/drawingml/2006/chart" xmlns:dgm="http://schemas.openxmlformats.org/drawingml/2006/diagram" xmlns:o="urn:schemas-microsoft-com:office:office" xmlns:v="urn:schemas-microsoft-com:vml" xmlns:pvml="urn:schemas-microsoft-com:office:powerpoint" xmlns:com="http://schemas.openxmlformats.org/drawingml/2006/compatibility" xmlns:p14="http://schemas.microsoft.com/office/powerpoint/2010/main" xmlns:p15="http://schemas.microsoft.com/office/powerpoint/2012/main" xmlns:ahyp="http://schemas.microsoft.com/office/drawing/2018/hyperlinkcolor" autoCompressPictures="0" embedTrueTypeFonts="1" strictFirstAndLastChars="0" saveSubsetFonts="1">
   <p:sldMasterIdLst>
     <p:sldMasterId id="2147483659" r:id="rId4"/>
   </p:sldMasterIdLst>
@@ -25,13 +25,39 @@
     <p:sldId id="270" r:id="rId20"/>
     <p:sldId id="271" r:id="rId21"/>
     <p:sldId id="272" r:id="rId22"/>
-    <p:sldId id="273" r:id="rId23"/>
-    <p:sldId id="274" r:id="rId24"/>
-    <p:sldId id="275" r:id="rId25"/>
-    <p:sldId id="276" r:id="rId26"/>
   </p:sldIdLst>
   <p:sldSz cy="5143500" cx="9144000"/>
   <p:notesSz cx="6858000" cy="9144000"/>
+  <p:embeddedFontLst>
+    <p:embeddedFont>
+      <p:font typeface="Roboto Thin"/>
+      <p:regular r:id="rId23"/>
+      <p:bold r:id="rId24"/>
+      <p:italic r:id="rId25"/>
+      <p:boldItalic r:id="rId26"/>
+    </p:embeddedFont>
+    <p:embeddedFont>
+      <p:font typeface="Roboto Medium"/>
+      <p:regular r:id="rId27"/>
+      <p:bold r:id="rId28"/>
+      <p:italic r:id="rId29"/>
+      <p:boldItalic r:id="rId30"/>
+    </p:embeddedFont>
+    <p:embeddedFont>
+      <p:font typeface="Roboto"/>
+      <p:regular r:id="rId31"/>
+      <p:bold r:id="rId32"/>
+      <p:italic r:id="rId33"/>
+      <p:boldItalic r:id="rId34"/>
+    </p:embeddedFont>
+    <p:embeddedFont>
+      <p:font typeface="Roboto Light"/>
+      <p:regular r:id="rId35"/>
+      <p:bold r:id="rId36"/>
+      <p:italic r:id="rId37"/>
+      <p:boldItalic r:id="rId38"/>
+    </p:embeddedFont>
+  </p:embeddedFontLst>
   <p:defaultTextStyle>
     <a:defPPr lvl="0" marR="0" rtl="0" algn="l">
       <a:lnSpc>
@@ -810,7 +836,7 @@
   <p:cSld>
     <p:spTree>
       <p:nvGrpSpPr>
-        <p:cNvPr id="144" name="Shape 144"/>
+        <p:cNvPr id="135" name="Shape 135"/>
         <p:cNvGrpSpPr/>
         <p:nvPr/>
       </p:nvGrpSpPr>
@@ -824,7 +850,7 @@
       </p:grpSpPr>
       <p:sp>
         <p:nvSpPr>
-          <p:cNvPr id="145" name="Google Shape;145;ge5240b6ee5_0_541:notes"/>
+          <p:cNvPr id="136" name="Google Shape;136;ge5240b6ee5_0_502:notes"/>
           <p:cNvSpPr/>
           <p:nvPr>
             <p:ph idx="2" type="sldImg"/>
@@ -859,7 +885,7 @@
       </p:sp>
       <p:sp>
         <p:nvSpPr>
-          <p:cNvPr id="146" name="Google Shape;146;ge5240b6ee5_0_541:notes"/>
+          <p:cNvPr id="137" name="Google Shape;137;ge5240b6ee5_0_502:notes"/>
           <p:cNvSpPr txBox="1"/>
           <p:nvPr>
             <p:ph idx="1" type="body"/>
@@ -909,7 +935,7 @@
   <p:cSld>
     <p:spTree>
       <p:nvGrpSpPr>
-        <p:cNvPr id="159" name="Shape 159"/>
+        <p:cNvPr id="152" name="Shape 152"/>
         <p:cNvGrpSpPr/>
         <p:nvPr/>
       </p:nvGrpSpPr>
@@ -923,7 +949,7 @@
       </p:grpSpPr>
       <p:sp>
         <p:nvSpPr>
-          <p:cNvPr id="160" name="Google Shape;160;ge46c48a490_0_48:notes"/>
+          <p:cNvPr id="153" name="Google Shape;153;ge5240b6ee5_0_541:notes"/>
           <p:cNvSpPr/>
           <p:nvPr>
             <p:ph idx="2" type="sldImg"/>
@@ -958,7 +984,7 @@
       </p:sp>
       <p:sp>
         <p:nvSpPr>
-          <p:cNvPr id="161" name="Google Shape;161;ge46c48a490_0_48:notes"/>
+          <p:cNvPr id="154" name="Google Shape;154;ge5240b6ee5_0_541:notes"/>
           <p:cNvSpPr txBox="1"/>
           <p:nvPr>
             <p:ph idx="1" type="body"/>
@@ -1517,7 +1543,7 @@
       </p:grpSpPr>
       <p:sp>
         <p:nvSpPr>
-          <p:cNvPr id="232" name="Google Shape;232;ge46c48a490_0_77:notes"/>
+          <p:cNvPr id="232" name="Google Shape;232;ge46c48a490_0_132:notes"/>
           <p:cNvSpPr/>
           <p:nvPr>
             <p:ph idx="2" type="sldImg"/>
@@ -1552,205 +1578,7 @@
       </p:sp>
       <p:sp>
         <p:nvSpPr>
-          <p:cNvPr id="233" name="Google Shape;233;ge46c48a490_0_77:notes"/>
-          <p:cNvSpPr txBox="1"/>
-          <p:nvPr>
-            <p:ph idx="1" type="body"/>
-          </p:nvPr>
-        </p:nvSpPr>
-        <p:spPr>
-          <a:xfrm>
-            <a:off x="685800" y="4343400"/>
-            <a:ext cx="5486400" cy="4114800"/>
-          </a:xfrm>
-          <a:prstGeom prst="rect">
-            <a:avLst/>
-          </a:prstGeom>
-        </p:spPr>
-        <p:txBody>
-          <a:bodyPr anchorCtr="0" anchor="t" bIns="91425" lIns="91425" spcFirstLastPara="1" rIns="91425" wrap="square" tIns="91425">
-            <a:noAutofit/>
-          </a:bodyPr>
-          <a:lstStyle/>
-          <a:p>
-            <a:pPr indent="0" lvl="0" marL="0" rtl="0" algn="l">
-              <a:spcBef>
-                <a:spcPts val="0"/>
-              </a:spcBef>
-              <a:spcAft>
-                <a:spcPts val="0"/>
-              </a:spcAft>
-              <a:buNone/>
-            </a:pPr>
-            <a:r>
-              <a:t/>
-            </a:r>
-            <a:endParaRPr/>
-          </a:p>
-        </p:txBody>
-      </p:sp>
-    </p:spTree>
-  </p:cSld>
-  <p:clrMapOvr>
-    <a:masterClrMapping/>
-  </p:clrMapOvr>
-</p:notes>
-</file>
-
-<file path=ppt/notesSlides/notesSlide18.xml><?xml version="1.0" encoding="utf-8"?>
-<p:notes xmlns:a="http://schemas.openxmlformats.org/drawingml/2006/main" xmlns:r="http://schemas.openxmlformats.org/officeDocument/2006/relationships" xmlns:mc="http://schemas.openxmlformats.org/markup-compatibility/2006" xmlns:mv="urn:schemas-microsoft-com:mac:vml" xmlns:p="http://schemas.openxmlformats.org/presentationml/2006/main" xmlns:c="http://schemas.openxmlformats.org/drawingml/2006/chart" xmlns:dgm="http://schemas.openxmlformats.org/drawingml/2006/diagram" xmlns:o="urn:schemas-microsoft-com:office:office" xmlns:v="urn:schemas-microsoft-com:vml" xmlns:pvml="urn:schemas-microsoft-com:office:powerpoint" xmlns:com="http://schemas.openxmlformats.org/drawingml/2006/compatibility" xmlns:p14="http://schemas.microsoft.com/office/powerpoint/2010/main" xmlns:p15="http://schemas.microsoft.com/office/powerpoint/2012/main" xmlns:ahyp="http://schemas.microsoft.com/office/drawing/2018/hyperlinkcolor" showMasterPhAnim="0" showMasterSp="0">
-  <p:cSld>
-    <p:spTree>
-      <p:nvGrpSpPr>
-        <p:cNvPr id="239" name="Shape 239"/>
-        <p:cNvGrpSpPr/>
-        <p:nvPr/>
-      </p:nvGrpSpPr>
-      <p:grpSpPr>
-        <a:xfrm>
-          <a:off x="0" y="0"/>
-          <a:ext cx="0" cy="0"/>
-          <a:chOff x="0" y="0"/>
-          <a:chExt cx="0" cy="0"/>
-        </a:xfrm>
-      </p:grpSpPr>
-      <p:sp>
-        <p:nvSpPr>
-          <p:cNvPr id="240" name="Google Shape;240;ge46c48a490_0_109:notes"/>
-          <p:cNvSpPr/>
-          <p:nvPr>
-            <p:ph idx="2" type="sldImg"/>
-          </p:nvPr>
-        </p:nvSpPr>
-        <p:spPr>
-          <a:xfrm>
-            <a:off x="381300" y="685800"/>
-            <a:ext cx="6096000" cy="3429000"/>
-          </a:xfrm>
-          <a:custGeom>
-            <a:rect b="b" l="l" r="r" t="t"/>
-            <a:pathLst>
-              <a:path extrusionOk="0" h="120000" w="120000">
-                <a:moveTo>
-                  <a:pt x="0" y="0"/>
-                </a:moveTo>
-                <a:lnTo>
-                  <a:pt x="120000" y="0"/>
-                </a:lnTo>
-                <a:lnTo>
-                  <a:pt x="120000" y="120000"/>
-                </a:lnTo>
-                <a:lnTo>
-                  <a:pt x="0" y="120000"/>
-                </a:lnTo>
-                <a:close/>
-              </a:path>
-            </a:pathLst>
-          </a:custGeom>
-        </p:spPr>
-      </p:sp>
-      <p:sp>
-        <p:nvSpPr>
-          <p:cNvPr id="241" name="Google Shape;241;ge46c48a490_0_109:notes"/>
-          <p:cNvSpPr txBox="1"/>
-          <p:nvPr>
-            <p:ph idx="1" type="body"/>
-          </p:nvPr>
-        </p:nvSpPr>
-        <p:spPr>
-          <a:xfrm>
-            <a:off x="685800" y="4343400"/>
-            <a:ext cx="5486400" cy="4114800"/>
-          </a:xfrm>
-          <a:prstGeom prst="rect">
-            <a:avLst/>
-          </a:prstGeom>
-        </p:spPr>
-        <p:txBody>
-          <a:bodyPr anchorCtr="0" anchor="t" bIns="91425" lIns="91425" spcFirstLastPara="1" rIns="91425" wrap="square" tIns="91425">
-            <a:noAutofit/>
-          </a:bodyPr>
-          <a:lstStyle/>
-          <a:p>
-            <a:pPr indent="0" lvl="0" marL="0" rtl="0" algn="l">
-              <a:spcBef>
-                <a:spcPts val="0"/>
-              </a:spcBef>
-              <a:spcAft>
-                <a:spcPts val="0"/>
-              </a:spcAft>
-              <a:buNone/>
-            </a:pPr>
-            <a:r>
-              <a:t/>
-            </a:r>
-            <a:endParaRPr/>
-          </a:p>
-        </p:txBody>
-      </p:sp>
-    </p:spTree>
-  </p:cSld>
-  <p:clrMapOvr>
-    <a:masterClrMapping/>
-  </p:clrMapOvr>
-</p:notes>
-</file>
-
-<file path=ppt/notesSlides/notesSlide19.xml><?xml version="1.0" encoding="utf-8"?>
-<p:notes xmlns:a="http://schemas.openxmlformats.org/drawingml/2006/main" xmlns:r="http://schemas.openxmlformats.org/officeDocument/2006/relationships" xmlns:mc="http://schemas.openxmlformats.org/markup-compatibility/2006" xmlns:mv="urn:schemas-microsoft-com:mac:vml" xmlns:p="http://schemas.openxmlformats.org/presentationml/2006/main" xmlns:c="http://schemas.openxmlformats.org/drawingml/2006/chart" xmlns:dgm="http://schemas.openxmlformats.org/drawingml/2006/diagram" xmlns:o="urn:schemas-microsoft-com:office:office" xmlns:v="urn:schemas-microsoft-com:vml" xmlns:pvml="urn:schemas-microsoft-com:office:powerpoint" xmlns:com="http://schemas.openxmlformats.org/drawingml/2006/compatibility" xmlns:p14="http://schemas.microsoft.com/office/powerpoint/2010/main" xmlns:p15="http://schemas.microsoft.com/office/powerpoint/2012/main" xmlns:ahyp="http://schemas.microsoft.com/office/drawing/2018/hyperlinkcolor" showMasterPhAnim="0" showMasterSp="0">
-  <p:cSld>
-    <p:spTree>
-      <p:nvGrpSpPr>
-        <p:cNvPr id="247" name="Shape 247"/>
-        <p:cNvGrpSpPr/>
-        <p:nvPr/>
-      </p:nvGrpSpPr>
-      <p:grpSpPr>
-        <a:xfrm>
-          <a:off x="0" y="0"/>
-          <a:ext cx="0" cy="0"/>
-          <a:chOff x="0" y="0"/>
-          <a:chExt cx="0" cy="0"/>
-        </a:xfrm>
-      </p:grpSpPr>
-      <p:sp>
-        <p:nvSpPr>
-          <p:cNvPr id="248" name="Google Shape;248;ge46c48a490_0_118:notes"/>
-          <p:cNvSpPr/>
-          <p:nvPr>
-            <p:ph idx="2" type="sldImg"/>
-          </p:nvPr>
-        </p:nvSpPr>
-        <p:spPr>
-          <a:xfrm>
-            <a:off x="381300" y="685800"/>
-            <a:ext cx="6096000" cy="3429000"/>
-          </a:xfrm>
-          <a:custGeom>
-            <a:rect b="b" l="l" r="r" t="t"/>
-            <a:pathLst>
-              <a:path extrusionOk="0" h="120000" w="120000">
-                <a:moveTo>
-                  <a:pt x="0" y="0"/>
-                </a:moveTo>
-                <a:lnTo>
-                  <a:pt x="120000" y="0"/>
-                </a:lnTo>
-                <a:lnTo>
-                  <a:pt x="120000" y="120000"/>
-                </a:lnTo>
-                <a:lnTo>
-                  <a:pt x="0" y="120000"/>
-                </a:lnTo>
-                <a:close/>
-              </a:path>
-            </a:pathLst>
-          </a:custGeom>
-        </p:spPr>
-      </p:sp>
-      <p:sp>
-        <p:nvSpPr>
-          <p:cNvPr id="249" name="Google Shape;249;ge46c48a490_0_118:notes"/>
+          <p:cNvPr id="233" name="Google Shape;233;ge46c48a490_0_132:notes"/>
           <p:cNvSpPr txBox="1"/>
           <p:nvPr>
             <p:ph idx="1" type="body"/>
@@ -1894,204 +1722,6 @@
 </p:notes>
 </file>
 
-<file path=ppt/notesSlides/notesSlide20.xml><?xml version="1.0" encoding="utf-8"?>
-<p:notes xmlns:a="http://schemas.openxmlformats.org/drawingml/2006/main" xmlns:r="http://schemas.openxmlformats.org/officeDocument/2006/relationships" xmlns:mc="http://schemas.openxmlformats.org/markup-compatibility/2006" xmlns:mv="urn:schemas-microsoft-com:mac:vml" xmlns:p="http://schemas.openxmlformats.org/presentationml/2006/main" xmlns:c="http://schemas.openxmlformats.org/drawingml/2006/chart" xmlns:dgm="http://schemas.openxmlformats.org/drawingml/2006/diagram" xmlns:o="urn:schemas-microsoft-com:office:office" xmlns:v="urn:schemas-microsoft-com:vml" xmlns:pvml="urn:schemas-microsoft-com:office:powerpoint" xmlns:com="http://schemas.openxmlformats.org/drawingml/2006/compatibility" xmlns:p14="http://schemas.microsoft.com/office/powerpoint/2010/main" xmlns:p15="http://schemas.microsoft.com/office/powerpoint/2012/main" xmlns:ahyp="http://schemas.microsoft.com/office/drawing/2018/hyperlinkcolor" showMasterPhAnim="0" showMasterSp="0">
-  <p:cSld>
-    <p:spTree>
-      <p:nvGrpSpPr>
-        <p:cNvPr id="255" name="Shape 255"/>
-        <p:cNvGrpSpPr/>
-        <p:nvPr/>
-      </p:nvGrpSpPr>
-      <p:grpSpPr>
-        <a:xfrm>
-          <a:off x="0" y="0"/>
-          <a:ext cx="0" cy="0"/>
-          <a:chOff x="0" y="0"/>
-          <a:chExt cx="0" cy="0"/>
-        </a:xfrm>
-      </p:grpSpPr>
-      <p:sp>
-        <p:nvSpPr>
-          <p:cNvPr id="256" name="Google Shape;256;ge46c48a490_0_125:notes"/>
-          <p:cNvSpPr/>
-          <p:nvPr>
-            <p:ph idx="2" type="sldImg"/>
-          </p:nvPr>
-        </p:nvSpPr>
-        <p:spPr>
-          <a:xfrm>
-            <a:off x="381300" y="685800"/>
-            <a:ext cx="6096000" cy="3429000"/>
-          </a:xfrm>
-          <a:custGeom>
-            <a:rect b="b" l="l" r="r" t="t"/>
-            <a:pathLst>
-              <a:path extrusionOk="0" h="120000" w="120000">
-                <a:moveTo>
-                  <a:pt x="0" y="0"/>
-                </a:moveTo>
-                <a:lnTo>
-                  <a:pt x="120000" y="0"/>
-                </a:lnTo>
-                <a:lnTo>
-                  <a:pt x="120000" y="120000"/>
-                </a:lnTo>
-                <a:lnTo>
-                  <a:pt x="0" y="120000"/>
-                </a:lnTo>
-                <a:close/>
-              </a:path>
-            </a:pathLst>
-          </a:custGeom>
-        </p:spPr>
-      </p:sp>
-      <p:sp>
-        <p:nvSpPr>
-          <p:cNvPr id="257" name="Google Shape;257;ge46c48a490_0_125:notes"/>
-          <p:cNvSpPr txBox="1"/>
-          <p:nvPr>
-            <p:ph idx="1" type="body"/>
-          </p:nvPr>
-        </p:nvSpPr>
-        <p:spPr>
-          <a:xfrm>
-            <a:off x="685800" y="4343400"/>
-            <a:ext cx="5486400" cy="4114800"/>
-          </a:xfrm>
-          <a:prstGeom prst="rect">
-            <a:avLst/>
-          </a:prstGeom>
-        </p:spPr>
-        <p:txBody>
-          <a:bodyPr anchorCtr="0" anchor="t" bIns="91425" lIns="91425" spcFirstLastPara="1" rIns="91425" wrap="square" tIns="91425">
-            <a:noAutofit/>
-          </a:bodyPr>
-          <a:lstStyle/>
-          <a:p>
-            <a:pPr indent="0" lvl="0" marL="0" rtl="0" algn="l">
-              <a:spcBef>
-                <a:spcPts val="0"/>
-              </a:spcBef>
-              <a:spcAft>
-                <a:spcPts val="0"/>
-              </a:spcAft>
-              <a:buNone/>
-            </a:pPr>
-            <a:r>
-              <a:t/>
-            </a:r>
-            <a:endParaRPr/>
-          </a:p>
-        </p:txBody>
-      </p:sp>
-    </p:spTree>
-  </p:cSld>
-  <p:clrMapOvr>
-    <a:masterClrMapping/>
-  </p:clrMapOvr>
-</p:notes>
-</file>
-
-<file path=ppt/notesSlides/notesSlide21.xml><?xml version="1.0" encoding="utf-8"?>
-<p:notes xmlns:a="http://schemas.openxmlformats.org/drawingml/2006/main" xmlns:r="http://schemas.openxmlformats.org/officeDocument/2006/relationships" xmlns:mc="http://schemas.openxmlformats.org/markup-compatibility/2006" xmlns:mv="urn:schemas-microsoft-com:mac:vml" xmlns:p="http://schemas.openxmlformats.org/presentationml/2006/main" xmlns:c="http://schemas.openxmlformats.org/drawingml/2006/chart" xmlns:dgm="http://schemas.openxmlformats.org/drawingml/2006/diagram" xmlns:o="urn:schemas-microsoft-com:office:office" xmlns:v="urn:schemas-microsoft-com:vml" xmlns:pvml="urn:schemas-microsoft-com:office:powerpoint" xmlns:com="http://schemas.openxmlformats.org/drawingml/2006/compatibility" xmlns:p14="http://schemas.microsoft.com/office/powerpoint/2010/main" xmlns:p15="http://schemas.microsoft.com/office/powerpoint/2012/main" xmlns:ahyp="http://schemas.microsoft.com/office/drawing/2018/hyperlinkcolor" showMasterPhAnim="0" showMasterSp="0">
-  <p:cSld>
-    <p:spTree>
-      <p:nvGrpSpPr>
-        <p:cNvPr id="263" name="Shape 263"/>
-        <p:cNvGrpSpPr/>
-        <p:nvPr/>
-      </p:nvGrpSpPr>
-      <p:grpSpPr>
-        <a:xfrm>
-          <a:off x="0" y="0"/>
-          <a:ext cx="0" cy="0"/>
-          <a:chOff x="0" y="0"/>
-          <a:chExt cx="0" cy="0"/>
-        </a:xfrm>
-      </p:grpSpPr>
-      <p:sp>
-        <p:nvSpPr>
-          <p:cNvPr id="264" name="Google Shape;264;ge46c48a490_0_132:notes"/>
-          <p:cNvSpPr/>
-          <p:nvPr>
-            <p:ph idx="2" type="sldImg"/>
-          </p:nvPr>
-        </p:nvSpPr>
-        <p:spPr>
-          <a:xfrm>
-            <a:off x="381300" y="685800"/>
-            <a:ext cx="6096000" cy="3429000"/>
-          </a:xfrm>
-          <a:custGeom>
-            <a:rect b="b" l="l" r="r" t="t"/>
-            <a:pathLst>
-              <a:path extrusionOk="0" h="120000" w="120000">
-                <a:moveTo>
-                  <a:pt x="0" y="0"/>
-                </a:moveTo>
-                <a:lnTo>
-                  <a:pt x="120000" y="0"/>
-                </a:lnTo>
-                <a:lnTo>
-                  <a:pt x="120000" y="120000"/>
-                </a:lnTo>
-                <a:lnTo>
-                  <a:pt x="0" y="120000"/>
-                </a:lnTo>
-                <a:close/>
-              </a:path>
-            </a:pathLst>
-          </a:custGeom>
-        </p:spPr>
-      </p:sp>
-      <p:sp>
-        <p:nvSpPr>
-          <p:cNvPr id="265" name="Google Shape;265;ge46c48a490_0_132:notes"/>
-          <p:cNvSpPr txBox="1"/>
-          <p:nvPr>
-            <p:ph idx="1" type="body"/>
-          </p:nvPr>
-        </p:nvSpPr>
-        <p:spPr>
-          <a:xfrm>
-            <a:off x="685800" y="4343400"/>
-            <a:ext cx="5486400" cy="4114800"/>
-          </a:xfrm>
-          <a:prstGeom prst="rect">
-            <a:avLst/>
-          </a:prstGeom>
-        </p:spPr>
-        <p:txBody>
-          <a:bodyPr anchorCtr="0" anchor="t" bIns="91425" lIns="91425" spcFirstLastPara="1" rIns="91425" wrap="square" tIns="91425">
-            <a:noAutofit/>
-          </a:bodyPr>
-          <a:lstStyle/>
-          <a:p>
-            <a:pPr indent="0" lvl="0" marL="0" rtl="0" algn="l">
-              <a:spcBef>
-                <a:spcPts val="0"/>
-              </a:spcBef>
-              <a:spcAft>
-                <a:spcPts val="0"/>
-              </a:spcAft>
-              <a:buNone/>
-            </a:pPr>
-            <a:r>
-              <a:t/>
-            </a:r>
-            <a:endParaRPr/>
-          </a:p>
-        </p:txBody>
-      </p:sp>
-    </p:spTree>
-  </p:cSld>
-  <p:clrMapOvr>
-    <a:masterClrMapping/>
-  </p:clrMapOvr>
-</p:notes>
-</file>
-
 <file path=ppt/notesSlides/notesSlide3.xml><?xml version="1.0" encoding="utf-8"?>
 <p:notes xmlns:a="http://schemas.openxmlformats.org/drawingml/2006/main" xmlns:r="http://schemas.openxmlformats.org/officeDocument/2006/relationships" xmlns:mc="http://schemas.openxmlformats.org/markup-compatibility/2006" xmlns:mv="urn:schemas-microsoft-com:mac:vml" xmlns:p="http://schemas.openxmlformats.org/presentationml/2006/main" xmlns:c="http://schemas.openxmlformats.org/drawingml/2006/chart" xmlns:dgm="http://schemas.openxmlformats.org/drawingml/2006/diagram" xmlns:o="urn:schemas-microsoft-com:office:office" xmlns:v="urn:schemas-microsoft-com:vml" xmlns:pvml="urn:schemas-microsoft-com:office:powerpoint" xmlns:com="http://schemas.openxmlformats.org/drawingml/2006/compatibility" xmlns:p14="http://schemas.microsoft.com/office/powerpoint/2010/main" xmlns:p15="http://schemas.microsoft.com/office/powerpoint/2012/main" xmlns:ahyp="http://schemas.microsoft.com/office/drawing/2018/hyperlinkcolor" showMasterPhAnim="0" showMasterSp="0">
   <p:cSld>
@@ -2705,7 +2335,7 @@
       </p:grpSpPr>
       <p:sp>
         <p:nvSpPr>
-          <p:cNvPr id="128" name="Google Shape;128;ge5240b6ee5_0_502:notes"/>
+          <p:cNvPr id="128" name="Google Shape;128;ge46c48a490_0_48:notes"/>
           <p:cNvSpPr/>
           <p:nvPr>
             <p:ph idx="2" type="sldImg"/>
@@ -2740,7 +2370,7 @@
       </p:sp>
       <p:sp>
         <p:nvSpPr>
-          <p:cNvPr id="129" name="Google Shape;129;ge5240b6ee5_0_502:notes"/>
+          <p:cNvPr id="129" name="Google Shape;129;ge46c48a490_0_48:notes"/>
           <p:cNvSpPr txBox="1"/>
           <p:nvPr>
             <p:ph idx="1" type="body"/>
@@ -7549,18 +7179,18 @@
             </a:pPr>
             <a:r>
               <a:rPr lang="es" sz="3380">
-                <a:latin typeface="Roboto"/>
-                <a:ea typeface="Roboto"/>
-                <a:cs typeface="Roboto"/>
-                <a:sym typeface="Roboto"/>
+                <a:latin typeface="Roboto Medium"/>
+                <a:ea typeface="Roboto Medium"/>
+                <a:cs typeface="Roboto Medium"/>
+                <a:sym typeface="Roboto Medium"/>
               </a:rPr>
               <a:t>Público, crítica y taquilla</a:t>
             </a:r>
             <a:endParaRPr sz="3380">
-              <a:latin typeface="Roboto"/>
-              <a:ea typeface="Roboto"/>
-              <a:cs typeface="Roboto"/>
-              <a:sym typeface="Roboto"/>
+              <a:latin typeface="Roboto Medium"/>
+              <a:ea typeface="Roboto Medium"/>
+              <a:cs typeface="Roboto Medium"/>
+              <a:sym typeface="Roboto Medium"/>
             </a:endParaRPr>
           </a:p>
         </p:txBody>
@@ -7599,18 +7229,18 @@
             </a:pPr>
             <a:r>
               <a:rPr lang="es">
-                <a:latin typeface="Roboto"/>
-                <a:ea typeface="Roboto"/>
-                <a:cs typeface="Roboto"/>
-                <a:sym typeface="Roboto"/>
+                <a:latin typeface="Roboto Thin"/>
+                <a:ea typeface="Roboto Thin"/>
+                <a:cs typeface="Roboto Thin"/>
+                <a:sym typeface="Roboto Thin"/>
               </a:rPr>
               <a:t>Ana Blanco Delgado</a:t>
             </a:r>
             <a:endParaRPr>
-              <a:latin typeface="Roboto"/>
-              <a:ea typeface="Roboto"/>
-              <a:cs typeface="Roboto"/>
-              <a:sym typeface="Roboto"/>
+              <a:latin typeface="Roboto Thin"/>
+              <a:ea typeface="Roboto Thin"/>
+              <a:cs typeface="Roboto Thin"/>
+              <a:sym typeface="Roboto Thin"/>
             </a:endParaRPr>
           </a:p>
           <a:p>
@@ -7625,18 +7255,18 @@
             </a:pPr>
             <a:r>
               <a:rPr lang="es">
-                <a:latin typeface="Roboto"/>
-                <a:ea typeface="Roboto"/>
-                <a:cs typeface="Roboto"/>
-                <a:sym typeface="Roboto"/>
+                <a:latin typeface="Roboto Thin"/>
+                <a:ea typeface="Roboto Thin"/>
+                <a:cs typeface="Roboto Thin"/>
+                <a:sym typeface="Roboto Thin"/>
               </a:rPr>
               <a:t>Julio 2021</a:t>
             </a:r>
             <a:endParaRPr>
-              <a:latin typeface="Roboto"/>
-              <a:ea typeface="Roboto"/>
-              <a:cs typeface="Roboto"/>
-              <a:sym typeface="Roboto"/>
+              <a:latin typeface="Roboto Thin"/>
+              <a:ea typeface="Roboto Thin"/>
+              <a:cs typeface="Roboto Thin"/>
+              <a:sym typeface="Roboto Thin"/>
             </a:endParaRPr>
           </a:p>
         </p:txBody>
@@ -7721,10 +7351,10 @@
                 <a:solidFill>
                   <a:schemeClr val="dk1"/>
                 </a:solidFill>
-                <a:latin typeface="Roboto"/>
-                <a:ea typeface="Roboto"/>
-                <a:cs typeface="Roboto"/>
-                <a:sym typeface="Roboto"/>
+                <a:latin typeface="Roboto Thin"/>
+                <a:ea typeface="Roboto Thin"/>
+                <a:cs typeface="Roboto Thin"/>
+                <a:sym typeface="Roboto Thin"/>
               </a:rPr>
               <a:t>Análisis exploratorio de datos de</a:t>
             </a:r>
@@ -7732,10 +7362,10 @@
               <a:solidFill>
                 <a:schemeClr val="dk1"/>
               </a:solidFill>
-              <a:latin typeface="Roboto"/>
-              <a:ea typeface="Roboto"/>
-              <a:cs typeface="Roboto"/>
-              <a:sym typeface="Roboto"/>
+              <a:latin typeface="Roboto Thin"/>
+              <a:ea typeface="Roboto Thin"/>
+              <a:cs typeface="Roboto Thin"/>
+              <a:sym typeface="Roboto Thin"/>
             </a:endParaRPr>
           </a:p>
         </p:txBody>
@@ -7805,10 +7435,10 @@
                 <a:solidFill>
                   <a:schemeClr val="dk1"/>
                 </a:solidFill>
-                <a:latin typeface="Roboto"/>
-                <a:ea typeface="Roboto"/>
-                <a:cs typeface="Roboto"/>
-                <a:sym typeface="Roboto"/>
+                <a:latin typeface="Roboto Thin"/>
+                <a:ea typeface="Roboto Thin"/>
+                <a:cs typeface="Roboto Thin"/>
+                <a:sym typeface="Roboto Thin"/>
               </a:rPr>
               <a:t>2014 - 2019</a:t>
             </a:r>
@@ -7816,10 +7446,10 @@
               <a:solidFill>
                 <a:schemeClr val="dk1"/>
               </a:solidFill>
-              <a:latin typeface="Roboto"/>
-              <a:ea typeface="Roboto"/>
-              <a:cs typeface="Roboto"/>
-              <a:sym typeface="Roboto"/>
+              <a:latin typeface="Roboto Thin"/>
+              <a:ea typeface="Roboto Thin"/>
+              <a:cs typeface="Roboto Thin"/>
+              <a:sym typeface="Roboto Thin"/>
             </a:endParaRPr>
           </a:p>
         </p:txBody>
@@ -7837,7 +7467,7 @@
   <p:cSld>
     <p:spTree>
       <p:nvGrpSpPr>
-        <p:cNvPr id="147" name="Shape 147"/>
+        <p:cNvPr id="138" name="Shape 138"/>
         <p:cNvGrpSpPr/>
         <p:nvPr/>
       </p:nvGrpSpPr>
@@ -7851,7 +7481,7 @@
       </p:grpSpPr>
       <p:sp>
         <p:nvSpPr>
-          <p:cNvPr id="148" name="Google Shape;148;p22"/>
+          <p:cNvPr id="139" name="Google Shape;139;p22"/>
           <p:cNvSpPr/>
           <p:nvPr/>
         </p:nvSpPr>
@@ -7894,7 +7524,7 @@
       </p:sp>
       <p:sp>
         <p:nvSpPr>
-          <p:cNvPr id="149" name="Google Shape;149;p22"/>
+          <p:cNvPr id="140" name="Google Shape;140;p22"/>
           <p:cNvSpPr txBox="1"/>
           <p:nvPr>
             <p:ph type="ctrTitle"/>
@@ -7902,7 +7532,7 @@
         </p:nvSpPr>
         <p:spPr>
           <a:xfrm>
-            <a:off x="1054175" y="600225"/>
+            <a:off x="1054175" y="524025"/>
             <a:ext cx="2058900" cy="411000"/>
           </a:xfrm>
           <a:prstGeom prst="rect">
@@ -7927,31 +7557,31 @@
             </a:pPr>
             <a:r>
               <a:rPr lang="es" sz="2400">
-                <a:latin typeface="Roboto"/>
-                <a:ea typeface="Roboto"/>
-                <a:cs typeface="Roboto"/>
-                <a:sym typeface="Roboto"/>
+                <a:latin typeface="Roboto Medium"/>
+                <a:ea typeface="Roboto Medium"/>
+                <a:cs typeface="Roboto Medium"/>
+                <a:sym typeface="Roboto Medium"/>
               </a:rPr>
               <a:t>Valoraciones</a:t>
             </a:r>
             <a:endParaRPr sz="2400">
-              <a:latin typeface="Roboto"/>
-              <a:ea typeface="Roboto"/>
-              <a:cs typeface="Roboto"/>
-              <a:sym typeface="Roboto"/>
+              <a:latin typeface="Roboto Medium"/>
+              <a:ea typeface="Roboto Medium"/>
+              <a:cs typeface="Roboto Medium"/>
+              <a:sym typeface="Roboto Medium"/>
             </a:endParaRPr>
           </a:p>
         </p:txBody>
       </p:sp>
       <p:sp>
         <p:nvSpPr>
-          <p:cNvPr id="150" name="Google Shape;150;p22"/>
+          <p:cNvPr id="141" name="Google Shape;141;p22"/>
           <p:cNvSpPr/>
           <p:nvPr/>
         </p:nvSpPr>
         <p:spPr>
           <a:xfrm>
-            <a:off x="833850" y="614925"/>
+            <a:off x="833850" y="538725"/>
             <a:ext cx="70800" cy="381600"/>
           </a:xfrm>
           <a:prstGeom prst="rect">
@@ -7988,7 +7618,57 @@
       </p:sp>
       <p:sp>
         <p:nvSpPr>
-          <p:cNvPr id="151" name="Google Shape;151;p22"/>
+          <p:cNvPr id="142" name="Google Shape;142;p22"/>
+          <p:cNvSpPr txBox="1"/>
+          <p:nvPr>
+            <p:ph idx="1" type="subTitle"/>
+          </p:nvPr>
+        </p:nvSpPr>
+        <p:spPr>
+          <a:xfrm>
+            <a:off x="6643400" y="4563350"/>
+            <a:ext cx="2129700" cy="325500"/>
+          </a:xfrm>
+          <a:prstGeom prst="rect">
+            <a:avLst/>
+          </a:prstGeom>
+        </p:spPr>
+        <p:txBody>
+          <a:bodyPr anchorCtr="0" anchor="t" bIns="91425" lIns="91425" spcFirstLastPara="1" rIns="91425" wrap="square" tIns="91425">
+            <a:normAutofit fontScale="32500"/>
+          </a:bodyPr>
+          <a:lstStyle/>
+          <a:p>
+            <a:pPr indent="0" lvl="0" marL="0" rtl="0" algn="r">
+              <a:spcBef>
+                <a:spcPts val="0"/>
+              </a:spcBef>
+              <a:spcAft>
+                <a:spcPts val="0"/>
+              </a:spcAft>
+              <a:buNone/>
+            </a:pPr>
+            <a:r>
+              <a:rPr lang="es">
+                <a:latin typeface="Roboto Thin"/>
+                <a:ea typeface="Roboto Thin"/>
+                <a:cs typeface="Roboto Thin"/>
+                <a:sym typeface="Roboto Thin"/>
+              </a:rPr>
+              <a:t>Ana Blanco Delgado | Julio 2021</a:t>
+            </a:r>
+            <a:endParaRPr>
+              <a:latin typeface="Roboto Thin"/>
+              <a:ea typeface="Roboto Thin"/>
+              <a:cs typeface="Roboto Thin"/>
+              <a:sym typeface="Roboto Thin"/>
+            </a:endParaRPr>
+          </a:p>
+        </p:txBody>
+      </p:sp>
+      <p:sp>
+        <p:nvSpPr>
+          <p:cNvPr id="143" name="Google Shape;143;p22"/>
           <p:cNvSpPr txBox="1"/>
           <p:nvPr>
             <p:ph type="ctrTitle"/>
@@ -7996,8 +7676,8 @@
         </p:nvSpPr>
         <p:spPr>
           <a:xfrm>
-            <a:off x="5340950" y="600225"/>
-            <a:ext cx="3199800" cy="411000"/>
+            <a:off x="5036150" y="524025"/>
+            <a:ext cx="3736800" cy="411000"/>
           </a:xfrm>
           <a:prstGeom prst="rect">
             <a:avLst/>
@@ -8024,10 +7704,10 @@
                 <a:solidFill>
                   <a:srgbClr val="434343"/>
                 </a:solidFill>
-                <a:latin typeface="Roboto"/>
-                <a:ea typeface="Roboto"/>
-                <a:cs typeface="Roboto"/>
-                <a:sym typeface="Roboto"/>
+                <a:latin typeface="Roboto Medium"/>
+                <a:ea typeface="Roboto Medium"/>
+                <a:cs typeface="Roboto Medium"/>
+                <a:sym typeface="Roboto Medium"/>
               </a:rPr>
               <a:t>Variables económicas</a:t>
             </a:r>
@@ -8035,23 +7715,23 @@
               <a:solidFill>
                 <a:srgbClr val="434343"/>
               </a:solidFill>
-              <a:latin typeface="Roboto"/>
-              <a:ea typeface="Roboto"/>
-              <a:cs typeface="Roboto"/>
-              <a:sym typeface="Roboto"/>
+              <a:latin typeface="Roboto Medium"/>
+              <a:ea typeface="Roboto Medium"/>
+              <a:cs typeface="Roboto Medium"/>
+              <a:sym typeface="Roboto Medium"/>
             </a:endParaRPr>
           </a:p>
         </p:txBody>
       </p:sp>
       <p:sp>
         <p:nvSpPr>
-          <p:cNvPr id="152" name="Google Shape;152;p22"/>
+          <p:cNvPr id="144" name="Google Shape;144;p22"/>
           <p:cNvSpPr/>
           <p:nvPr/>
         </p:nvSpPr>
         <p:spPr>
           <a:xfrm>
-            <a:off x="5120625" y="614925"/>
+            <a:off x="4815825" y="538725"/>
             <a:ext cx="70800" cy="381600"/>
           </a:xfrm>
           <a:prstGeom prst="rect">
@@ -8088,7 +7768,7 @@
       </p:sp>
       <p:sp>
         <p:nvSpPr>
-          <p:cNvPr id="153" name="Google Shape;153;p22"/>
+          <p:cNvPr id="145" name="Google Shape;145;p22"/>
           <p:cNvSpPr txBox="1"/>
           <p:nvPr>
             <p:ph type="ctrTitle"/>
@@ -8096,8 +7776,8 @@
         </p:nvSpPr>
         <p:spPr>
           <a:xfrm>
-            <a:off x="904650" y="1257725"/>
-            <a:ext cx="2491200" cy="708900"/>
+            <a:off x="904650" y="1181525"/>
+            <a:ext cx="2491200" cy="1088100"/>
           </a:xfrm>
           <a:prstGeom prst="rect">
             <a:avLst/>
@@ -8123,23 +7803,23 @@
                 <a:srgbClr val="F5C518"/>
               </a:buClr>
               <a:buSzPts val="2142"/>
-              <a:buFont typeface="Roboto"/>
+              <a:buFont typeface="Roboto Light"/>
               <a:buChar char="●"/>
             </a:pPr>
             <a:r>
               <a:rPr lang="es" sz="2142">
-                <a:latin typeface="Roboto"/>
-                <a:ea typeface="Roboto"/>
-                <a:cs typeface="Roboto"/>
-                <a:sym typeface="Roboto"/>
+                <a:latin typeface="Roboto Light"/>
+                <a:ea typeface="Roboto Light"/>
+                <a:cs typeface="Roboto Light"/>
+                <a:sym typeface="Roboto Light"/>
               </a:rPr>
               <a:t>IMDb Rating</a:t>
             </a:r>
             <a:endParaRPr sz="2142">
-              <a:latin typeface="Roboto"/>
-              <a:ea typeface="Roboto"/>
-              <a:cs typeface="Roboto"/>
-              <a:sym typeface="Roboto"/>
+              <a:latin typeface="Roboto Light"/>
+              <a:ea typeface="Roboto Light"/>
+              <a:cs typeface="Roboto Light"/>
+              <a:sym typeface="Roboto Light"/>
             </a:endParaRPr>
           </a:p>
           <a:p>
@@ -8157,73 +7837,64 @@
                 <a:srgbClr val="F5C518"/>
               </a:buClr>
               <a:buSzPts val="2142"/>
-              <a:buFont typeface="Roboto"/>
+              <a:buFont typeface="Roboto Light"/>
               <a:buChar char="●"/>
             </a:pPr>
             <a:r>
               <a:rPr lang="es" sz="2142">
-                <a:latin typeface="Roboto"/>
-                <a:ea typeface="Roboto"/>
-                <a:cs typeface="Roboto"/>
-                <a:sym typeface="Roboto"/>
+                <a:latin typeface="Roboto Light"/>
+                <a:ea typeface="Roboto Light"/>
+                <a:cs typeface="Roboto Light"/>
+                <a:sym typeface="Roboto Light"/>
               </a:rPr>
               <a:t>Metascore</a:t>
             </a:r>
             <a:endParaRPr sz="2142">
-              <a:latin typeface="Roboto"/>
-              <a:ea typeface="Roboto"/>
-              <a:cs typeface="Roboto"/>
-              <a:sym typeface="Roboto"/>
+              <a:latin typeface="Roboto Light"/>
+              <a:ea typeface="Roboto Light"/>
+              <a:cs typeface="Roboto Light"/>
+              <a:sym typeface="Roboto Light"/>
+            </a:endParaRPr>
+          </a:p>
+          <a:p>
+            <a:pPr indent="-364617" lvl="0" marL="457200" rtl="0" algn="l">
+              <a:lnSpc>
+                <a:spcPct val="115000"/>
+              </a:lnSpc>
+              <a:spcBef>
+                <a:spcPts val="0"/>
+              </a:spcBef>
+              <a:spcAft>
+                <a:spcPts val="0"/>
+              </a:spcAft>
+              <a:buClr>
+                <a:srgbClr val="F5C518"/>
+              </a:buClr>
+              <a:buSzPts val="2142"/>
+              <a:buFont typeface="Roboto Light"/>
+              <a:buChar char="●"/>
+            </a:pPr>
+            <a:r>
+              <a:rPr lang="es" sz="2142">
+                <a:latin typeface="Roboto Light"/>
+                <a:ea typeface="Roboto Light"/>
+                <a:cs typeface="Roboto Light"/>
+                <a:sym typeface="Roboto Light"/>
+              </a:rPr>
+              <a:t>Popularidad</a:t>
+            </a:r>
+            <a:endParaRPr sz="2142">
+              <a:latin typeface="Roboto Light"/>
+              <a:ea typeface="Roboto Light"/>
+              <a:cs typeface="Roboto Light"/>
+              <a:sym typeface="Roboto Light"/>
             </a:endParaRPr>
           </a:p>
         </p:txBody>
       </p:sp>
       <p:sp>
         <p:nvSpPr>
-          <p:cNvPr id="154" name="Google Shape;154;p22"/>
-          <p:cNvSpPr/>
-          <p:nvPr/>
-        </p:nvSpPr>
-        <p:spPr>
-          <a:xfrm>
-            <a:off x="0" y="2524800"/>
-            <a:ext cx="9144000" cy="2618700"/>
-          </a:xfrm>
-          <a:prstGeom prst="rect">
-            <a:avLst/>
-          </a:prstGeom>
-          <a:solidFill>
-            <a:srgbClr val="F5C518"/>
-          </a:solidFill>
-          <a:ln>
-            <a:noFill/>
-          </a:ln>
-        </p:spPr>
-        <p:txBody>
-          <a:bodyPr anchorCtr="0" anchor="ctr" bIns="91425" lIns="91425" spcFirstLastPara="1" rIns="91425" wrap="square" tIns="91425">
-            <a:noAutofit/>
-          </a:bodyPr>
-          <a:lstStyle/>
-          <a:p>
-            <a:pPr indent="0" lvl="0" marL="0" rtl="0" algn="l">
-              <a:spcBef>
-                <a:spcPts val="0"/>
-              </a:spcBef>
-              <a:spcAft>
-                <a:spcPts val="0"/>
-              </a:spcAft>
-              <a:buNone/>
-            </a:pPr>
-            <a:r>
-              <a:t/>
-            </a:r>
-            <a:endParaRPr/>
-          </a:p>
-        </p:txBody>
-      </p:sp>
-      <p:sp>
-        <p:nvSpPr>
-          <p:cNvPr id="155" name="Google Shape;155;p22"/>
+          <p:cNvPr id="146" name="Google Shape;146;p22"/>
           <p:cNvSpPr txBox="1"/>
           <p:nvPr>
             <p:ph type="ctrTitle"/>
@@ -8231,8 +7902,8 @@
         </p:nvSpPr>
         <p:spPr>
           <a:xfrm>
-            <a:off x="5191425" y="1257725"/>
-            <a:ext cx="3270600" cy="708900"/>
+            <a:off x="4886625" y="1181525"/>
+            <a:ext cx="4079400" cy="1088100"/>
           </a:xfrm>
           <a:prstGeom prst="rect">
             <a:avLst/>
@@ -8258,7 +7929,7 @@
                 <a:srgbClr val="F5C518"/>
               </a:buClr>
               <a:buSzPts val="2142"/>
-              <a:buFont typeface="Roboto"/>
+              <a:buFont typeface="Roboto Light"/>
               <a:buChar char="●"/>
             </a:pPr>
             <a:r>
@@ -8266,10 +7937,10 @@
                 <a:solidFill>
                   <a:schemeClr val="lt1"/>
                 </a:solidFill>
-                <a:latin typeface="Roboto"/>
-                <a:ea typeface="Roboto"/>
-                <a:cs typeface="Roboto"/>
-                <a:sym typeface="Roboto"/>
+                <a:latin typeface="Roboto Light"/>
+                <a:ea typeface="Roboto Light"/>
+                <a:cs typeface="Roboto Light"/>
+                <a:sym typeface="Roboto Light"/>
               </a:rPr>
               <a:t>Presupuesto</a:t>
             </a:r>
@@ -8277,10 +7948,10 @@
               <a:solidFill>
                 <a:schemeClr val="lt1"/>
               </a:solidFill>
-              <a:latin typeface="Roboto"/>
-              <a:ea typeface="Roboto"/>
-              <a:cs typeface="Roboto"/>
-              <a:sym typeface="Roboto"/>
+              <a:latin typeface="Roboto Light"/>
+              <a:ea typeface="Roboto Light"/>
+              <a:cs typeface="Roboto Light"/>
+              <a:sym typeface="Roboto Light"/>
             </a:endParaRPr>
           </a:p>
           <a:p>
@@ -8298,7 +7969,7 @@
                 <a:srgbClr val="F5C518"/>
               </a:buClr>
               <a:buSzPts val="2142"/>
-              <a:buFont typeface="Roboto"/>
+              <a:buFont typeface="Roboto Light"/>
               <a:buChar char="●"/>
             </a:pPr>
             <a:r>
@@ -8306,28 +7977,709 @@
                 <a:solidFill>
                   <a:schemeClr val="lt1"/>
                 </a:solidFill>
-                <a:latin typeface="Roboto"/>
-                <a:ea typeface="Roboto"/>
-                <a:cs typeface="Roboto"/>
-                <a:sym typeface="Roboto"/>
+                <a:latin typeface="Roboto Light"/>
+                <a:ea typeface="Roboto Light"/>
+                <a:cs typeface="Roboto Light"/>
+                <a:sym typeface="Roboto Light"/>
               </a:rPr>
-              <a:t>Recaudación Mundial</a:t>
+              <a:t>Recaudación EEUU - Canadá</a:t>
             </a:r>
             <a:endParaRPr sz="2142">
               <a:solidFill>
                 <a:schemeClr val="lt1"/>
               </a:solidFill>
-              <a:latin typeface="Roboto"/>
-              <a:ea typeface="Roboto"/>
-              <a:cs typeface="Roboto"/>
-              <a:sym typeface="Roboto"/>
+              <a:latin typeface="Roboto Light"/>
+              <a:ea typeface="Roboto Light"/>
+              <a:cs typeface="Roboto Light"/>
+              <a:sym typeface="Roboto Light"/>
+            </a:endParaRPr>
+          </a:p>
+          <a:p>
+            <a:pPr indent="-364617" lvl="0" marL="457200" rtl="0" algn="l">
+              <a:lnSpc>
+                <a:spcPct val="115000"/>
+              </a:lnSpc>
+              <a:spcBef>
+                <a:spcPts val="0"/>
+              </a:spcBef>
+              <a:spcAft>
+                <a:spcPts val="0"/>
+              </a:spcAft>
+              <a:buClr>
+                <a:srgbClr val="F5C518"/>
+              </a:buClr>
+              <a:buSzPts val="2142"/>
+              <a:buFont typeface="Roboto Light"/>
+              <a:buChar char="●"/>
+            </a:pPr>
+            <a:r>
+              <a:rPr lang="es" sz="2142">
+                <a:solidFill>
+                  <a:schemeClr val="lt1"/>
+                </a:solidFill>
+                <a:latin typeface="Roboto Light"/>
+                <a:ea typeface="Roboto Light"/>
+                <a:cs typeface="Roboto Light"/>
+                <a:sym typeface="Roboto Light"/>
+              </a:rPr>
+              <a:t>Recaudación Mundial</a:t>
+            </a:r>
+            <a:endParaRPr sz="2142">
+              <a:solidFill>
+                <a:schemeClr val="lt1"/>
+              </a:solidFill>
+              <a:latin typeface="Roboto Light"/>
+              <a:ea typeface="Roboto Light"/>
+              <a:cs typeface="Roboto Light"/>
+              <a:sym typeface="Roboto Light"/>
             </a:endParaRPr>
           </a:p>
         </p:txBody>
       </p:sp>
-      <p:sp>
-        <p:nvSpPr>
-          <p:cNvPr id="156" name="Google Shape;156;p22"/>
+      <p:pic>
+        <p:nvPicPr>
+          <p:cNvPr id="147" name="Google Shape;147;p22"/>
+          <p:cNvPicPr preferRelativeResize="0"/>
+          <p:nvPr/>
+        </p:nvPicPr>
+        <p:blipFill>
+          <a:blip r:embed="rId3">
+            <a:alphaModFix/>
+          </a:blip>
+          <a:stretch>
+            <a:fillRect/>
+          </a:stretch>
+        </p:blipFill>
+        <p:spPr>
+          <a:xfrm>
+            <a:off x="5171200" y="3027800"/>
+            <a:ext cx="3287051" cy="1088100"/>
+          </a:xfrm>
+          <a:prstGeom prst="rect">
+            <a:avLst/>
+          </a:prstGeom>
+          <a:noFill/>
+          <a:ln>
+            <a:noFill/>
+          </a:ln>
+        </p:spPr>
+      </p:pic>
+      <p:pic>
+        <p:nvPicPr>
+          <p:cNvPr id="148" name="Google Shape;148;p22"/>
+          <p:cNvPicPr preferRelativeResize="0"/>
+          <p:nvPr/>
+        </p:nvPicPr>
+        <p:blipFill>
+          <a:blip r:embed="rId4">
+            <a:alphaModFix/>
+          </a:blip>
+          <a:stretch>
+            <a:fillRect/>
+          </a:stretch>
+        </p:blipFill>
+        <p:spPr>
+          <a:xfrm>
+            <a:off x="2660373" y="3580486"/>
+            <a:ext cx="1082079" cy="351316"/>
+          </a:xfrm>
+          <a:prstGeom prst="rect">
+            <a:avLst/>
+          </a:prstGeom>
+          <a:noFill/>
+          <a:ln>
+            <a:noFill/>
+          </a:ln>
+        </p:spPr>
+      </p:pic>
+      <p:pic>
+        <p:nvPicPr>
+          <p:cNvPr id="149" name="Google Shape;149;p22"/>
+          <p:cNvPicPr preferRelativeResize="0"/>
+          <p:nvPr/>
+        </p:nvPicPr>
+        <p:blipFill>
+          <a:blip r:embed="rId5">
+            <a:alphaModFix/>
+          </a:blip>
+          <a:stretch>
+            <a:fillRect/>
+          </a:stretch>
+        </p:blipFill>
+        <p:spPr>
+          <a:xfrm>
+            <a:off x="2686674" y="2758300"/>
+            <a:ext cx="1029478" cy="638105"/>
+          </a:xfrm>
+          <a:prstGeom prst="rect">
+            <a:avLst/>
+          </a:prstGeom>
+          <a:noFill/>
+          <a:ln>
+            <a:noFill/>
+          </a:ln>
+        </p:spPr>
+      </p:pic>
+      <p:pic>
+        <p:nvPicPr>
+          <p:cNvPr id="150" name="Google Shape;150;p22"/>
+          <p:cNvPicPr preferRelativeResize="0"/>
+          <p:nvPr/>
+        </p:nvPicPr>
+        <p:blipFill>
+          <a:blip r:embed="rId6">
+            <a:alphaModFix/>
+          </a:blip>
+          <a:stretch>
+            <a:fillRect/>
+          </a:stretch>
+        </p:blipFill>
+        <p:spPr>
+          <a:xfrm>
+            <a:off x="2596501" y="4115891"/>
+            <a:ext cx="1209825" cy="666784"/>
+          </a:xfrm>
+          <a:prstGeom prst="rect">
+            <a:avLst/>
+          </a:prstGeom>
+          <a:noFill/>
+          <a:ln>
+            <a:noFill/>
+          </a:ln>
+        </p:spPr>
+      </p:pic>
+      <p:pic>
+        <p:nvPicPr>
+          <p:cNvPr id="151" name="Google Shape;151;p22"/>
+          <p:cNvPicPr preferRelativeResize="0"/>
+          <p:nvPr/>
+        </p:nvPicPr>
+        <p:blipFill>
+          <a:blip r:embed="rId7">
+            <a:alphaModFix/>
+          </a:blip>
+          <a:stretch>
+            <a:fillRect/>
+          </a:stretch>
+        </p:blipFill>
+        <p:spPr>
+          <a:xfrm>
+            <a:off x="586368" y="2715849"/>
+            <a:ext cx="1365724" cy="2023450"/>
+          </a:xfrm>
+          <a:prstGeom prst="rect">
+            <a:avLst/>
+          </a:prstGeom>
+          <a:noFill/>
+          <a:ln>
+            <a:noFill/>
+          </a:ln>
+        </p:spPr>
+      </p:pic>
+    </p:spTree>
+  </p:cSld>
+  <p:clrMapOvr>
+    <a:masterClrMapping/>
+  </p:clrMapOvr>
+</p:sld>
+</file>
+
+<file path=ppt/slides/slide11.xml><?xml version="1.0" encoding="utf-8"?>
+<p:sld xmlns:a="http://schemas.openxmlformats.org/drawingml/2006/main" xmlns:r="http://schemas.openxmlformats.org/officeDocument/2006/relationships" xmlns:mc="http://schemas.openxmlformats.org/markup-compatibility/2006" xmlns:mv="urn:schemas-microsoft-com:mac:vml" xmlns:p="http://schemas.openxmlformats.org/presentationml/2006/main" xmlns:c="http://schemas.openxmlformats.org/drawingml/2006/chart" xmlns:dgm="http://schemas.openxmlformats.org/drawingml/2006/diagram" xmlns:o="urn:schemas-microsoft-com:office:office" xmlns:v="urn:schemas-microsoft-com:vml" xmlns:pvml="urn:schemas-microsoft-com:office:powerpoint" xmlns:com="http://schemas.openxmlformats.org/drawingml/2006/compatibility" xmlns:p14="http://schemas.microsoft.com/office/powerpoint/2010/main" xmlns:p15="http://schemas.microsoft.com/office/powerpoint/2012/main" xmlns:ahyp="http://schemas.microsoft.com/office/drawing/2018/hyperlinkcolor">
+  <p:cSld>
+    <p:spTree>
+      <p:nvGrpSpPr>
+        <p:cNvPr id="155" name="Shape 155"/>
+        <p:cNvGrpSpPr/>
+        <p:nvPr/>
+      </p:nvGrpSpPr>
+      <p:grpSpPr>
+        <a:xfrm>
+          <a:off x="0" y="0"/>
+          <a:ext cx="0" cy="0"/>
+          <a:chOff x="0" y="0"/>
+          <a:chExt cx="0" cy="0"/>
+        </a:xfrm>
+      </p:grpSpPr>
+      <p:sp>
+        <p:nvSpPr>
+          <p:cNvPr id="156" name="Google Shape;156;p23"/>
+          <p:cNvSpPr/>
+          <p:nvPr/>
+        </p:nvSpPr>
+        <p:spPr>
+          <a:xfrm>
+            <a:off x="4339825" y="0"/>
+            <a:ext cx="4804200" cy="5143500"/>
+          </a:xfrm>
+          <a:prstGeom prst="rect">
+            <a:avLst/>
+          </a:prstGeom>
+          <a:solidFill>
+            <a:schemeClr val="dk1"/>
+          </a:solidFill>
+          <a:ln>
+            <a:noFill/>
+          </a:ln>
+        </p:spPr>
+        <p:txBody>
+          <a:bodyPr anchorCtr="0" anchor="ctr" bIns="91425" lIns="91425" spcFirstLastPara="1" rIns="91425" wrap="square" tIns="91425">
+            <a:noAutofit/>
+          </a:bodyPr>
+          <a:lstStyle/>
+          <a:p>
+            <a:pPr indent="0" lvl="0" marL="0" rtl="0" algn="l">
+              <a:spcBef>
+                <a:spcPts val="0"/>
+              </a:spcBef>
+              <a:spcAft>
+                <a:spcPts val="0"/>
+              </a:spcAft>
+              <a:buNone/>
+            </a:pPr>
+            <a:r>
+              <a:t/>
+            </a:r>
+            <a:endParaRPr/>
+          </a:p>
+        </p:txBody>
+      </p:sp>
+      <p:sp>
+        <p:nvSpPr>
+          <p:cNvPr id="157" name="Google Shape;157;p23"/>
+          <p:cNvSpPr txBox="1"/>
+          <p:nvPr>
+            <p:ph type="ctrTitle"/>
+          </p:nvPr>
+        </p:nvSpPr>
+        <p:spPr>
+          <a:xfrm>
+            <a:off x="1054175" y="600225"/>
+            <a:ext cx="2058900" cy="411000"/>
+          </a:xfrm>
+          <a:prstGeom prst="rect">
+            <a:avLst/>
+          </a:prstGeom>
+        </p:spPr>
+        <p:txBody>
+          <a:bodyPr anchorCtr="0" anchor="b" bIns="0" lIns="0" spcFirstLastPara="1" rIns="0" wrap="square" tIns="0">
+            <a:noAutofit/>
+          </a:bodyPr>
+          <a:lstStyle/>
+          <a:p>
+            <a:pPr indent="0" lvl="0" marL="0" rtl="0" algn="l">
+              <a:spcBef>
+                <a:spcPts val="0"/>
+              </a:spcBef>
+              <a:spcAft>
+                <a:spcPts val="0"/>
+              </a:spcAft>
+              <a:buSzPts val="891"/>
+              <a:buNone/>
+            </a:pPr>
+            <a:r>
+              <a:rPr lang="es" sz="2400">
+                <a:latin typeface="Roboto Medium"/>
+                <a:ea typeface="Roboto Medium"/>
+                <a:cs typeface="Roboto Medium"/>
+                <a:sym typeface="Roboto Medium"/>
+              </a:rPr>
+              <a:t>Valoraciones</a:t>
+            </a:r>
+            <a:endParaRPr sz="2400">
+              <a:latin typeface="Roboto Medium"/>
+              <a:ea typeface="Roboto Medium"/>
+              <a:cs typeface="Roboto Medium"/>
+              <a:sym typeface="Roboto Medium"/>
+            </a:endParaRPr>
+          </a:p>
+        </p:txBody>
+      </p:sp>
+      <p:sp>
+        <p:nvSpPr>
+          <p:cNvPr id="158" name="Google Shape;158;p23"/>
+          <p:cNvSpPr/>
+          <p:nvPr/>
+        </p:nvSpPr>
+        <p:spPr>
+          <a:xfrm>
+            <a:off x="833850" y="614925"/>
+            <a:ext cx="70800" cy="381600"/>
+          </a:xfrm>
+          <a:prstGeom prst="rect">
+            <a:avLst/>
+          </a:prstGeom>
+          <a:solidFill>
+            <a:srgbClr val="F5C518"/>
+          </a:solidFill>
+          <a:ln>
+            <a:noFill/>
+          </a:ln>
+        </p:spPr>
+        <p:txBody>
+          <a:bodyPr anchorCtr="0" anchor="ctr" bIns="91425" lIns="91425" spcFirstLastPara="1" rIns="91425" wrap="square" tIns="91425">
+            <a:noAutofit/>
+          </a:bodyPr>
+          <a:lstStyle/>
+          <a:p>
+            <a:pPr indent="0" lvl="0" marL="0" rtl="0" algn="l">
+              <a:spcBef>
+                <a:spcPts val="0"/>
+              </a:spcBef>
+              <a:spcAft>
+                <a:spcPts val="0"/>
+              </a:spcAft>
+              <a:buNone/>
+            </a:pPr>
+            <a:r>
+              <a:t/>
+            </a:r>
+            <a:endParaRPr/>
+          </a:p>
+        </p:txBody>
+      </p:sp>
+      <p:sp>
+        <p:nvSpPr>
+          <p:cNvPr id="159" name="Google Shape;159;p23"/>
+          <p:cNvSpPr txBox="1"/>
+          <p:nvPr>
+            <p:ph type="ctrTitle"/>
+          </p:nvPr>
+        </p:nvSpPr>
+        <p:spPr>
+          <a:xfrm>
+            <a:off x="5340950" y="600225"/>
+            <a:ext cx="3199800" cy="411000"/>
+          </a:xfrm>
+          <a:prstGeom prst="rect">
+            <a:avLst/>
+          </a:prstGeom>
+        </p:spPr>
+        <p:txBody>
+          <a:bodyPr anchorCtr="0" anchor="b" bIns="0" lIns="0" spcFirstLastPara="1" rIns="0" wrap="square" tIns="0">
+            <a:noAutofit/>
+          </a:bodyPr>
+          <a:lstStyle/>
+          <a:p>
+            <a:pPr indent="0" lvl="0" marL="0" rtl="0" algn="l">
+              <a:spcBef>
+                <a:spcPts val="0"/>
+              </a:spcBef>
+              <a:spcAft>
+                <a:spcPts val="0"/>
+              </a:spcAft>
+              <a:buSzPts val="891"/>
+              <a:buNone/>
+            </a:pPr>
+            <a:r>
+              <a:rPr lang="es" sz="2400">
+                <a:solidFill>
+                  <a:srgbClr val="434343"/>
+                </a:solidFill>
+                <a:latin typeface="Roboto Medium"/>
+                <a:ea typeface="Roboto Medium"/>
+                <a:cs typeface="Roboto Medium"/>
+                <a:sym typeface="Roboto Medium"/>
+              </a:rPr>
+              <a:t>Variables económicas</a:t>
+            </a:r>
+            <a:endParaRPr sz="2400">
+              <a:solidFill>
+                <a:srgbClr val="434343"/>
+              </a:solidFill>
+              <a:latin typeface="Roboto Medium"/>
+              <a:ea typeface="Roboto Medium"/>
+              <a:cs typeface="Roboto Medium"/>
+              <a:sym typeface="Roboto Medium"/>
+            </a:endParaRPr>
+          </a:p>
+        </p:txBody>
+      </p:sp>
+      <p:sp>
+        <p:nvSpPr>
+          <p:cNvPr id="160" name="Google Shape;160;p23"/>
+          <p:cNvSpPr/>
+          <p:nvPr/>
+        </p:nvSpPr>
+        <p:spPr>
+          <a:xfrm>
+            <a:off x="5120625" y="614925"/>
+            <a:ext cx="70800" cy="381600"/>
+          </a:xfrm>
+          <a:prstGeom prst="rect">
+            <a:avLst/>
+          </a:prstGeom>
+          <a:solidFill>
+            <a:srgbClr val="F5C518"/>
+          </a:solidFill>
+          <a:ln>
+            <a:noFill/>
+          </a:ln>
+        </p:spPr>
+        <p:txBody>
+          <a:bodyPr anchorCtr="0" anchor="ctr" bIns="91425" lIns="91425" spcFirstLastPara="1" rIns="91425" wrap="square" tIns="91425">
+            <a:noAutofit/>
+          </a:bodyPr>
+          <a:lstStyle/>
+          <a:p>
+            <a:pPr indent="0" lvl="0" marL="0" rtl="0" algn="l">
+              <a:spcBef>
+                <a:spcPts val="0"/>
+              </a:spcBef>
+              <a:spcAft>
+                <a:spcPts val="0"/>
+              </a:spcAft>
+              <a:buNone/>
+            </a:pPr>
+            <a:r>
+              <a:t/>
+            </a:r>
+            <a:endParaRPr/>
+          </a:p>
+        </p:txBody>
+      </p:sp>
+      <p:sp>
+        <p:nvSpPr>
+          <p:cNvPr id="161" name="Google Shape;161;p23"/>
+          <p:cNvSpPr txBox="1"/>
+          <p:nvPr>
+            <p:ph type="ctrTitle"/>
+          </p:nvPr>
+        </p:nvSpPr>
+        <p:spPr>
+          <a:xfrm>
+            <a:off x="904650" y="1257725"/>
+            <a:ext cx="2491200" cy="708900"/>
+          </a:xfrm>
+          <a:prstGeom prst="rect">
+            <a:avLst/>
+          </a:prstGeom>
+        </p:spPr>
+        <p:txBody>
+          <a:bodyPr anchorCtr="0" anchor="b" bIns="0" lIns="0" spcFirstLastPara="1" rIns="0" wrap="square" tIns="0">
+            <a:spAutoFit/>
+          </a:bodyPr>
+          <a:lstStyle/>
+          <a:p>
+            <a:pPr indent="-364617" lvl="0" marL="457200" rtl="0" algn="l">
+              <a:lnSpc>
+                <a:spcPct val="115000"/>
+              </a:lnSpc>
+              <a:spcBef>
+                <a:spcPts val="0"/>
+              </a:spcBef>
+              <a:spcAft>
+                <a:spcPts val="0"/>
+              </a:spcAft>
+              <a:buClr>
+                <a:srgbClr val="F5C518"/>
+              </a:buClr>
+              <a:buSzPts val="2142"/>
+              <a:buFont typeface="Roboto Light"/>
+              <a:buChar char="●"/>
+            </a:pPr>
+            <a:r>
+              <a:rPr lang="es" sz="2142">
+                <a:latin typeface="Roboto Light"/>
+                <a:ea typeface="Roboto Light"/>
+                <a:cs typeface="Roboto Light"/>
+                <a:sym typeface="Roboto Light"/>
+              </a:rPr>
+              <a:t>IMDb Rating</a:t>
+            </a:r>
+            <a:endParaRPr sz="2142">
+              <a:latin typeface="Roboto Light"/>
+              <a:ea typeface="Roboto Light"/>
+              <a:cs typeface="Roboto Light"/>
+              <a:sym typeface="Roboto Light"/>
+            </a:endParaRPr>
+          </a:p>
+          <a:p>
+            <a:pPr indent="-364617" lvl="0" marL="457200" rtl="0" algn="l">
+              <a:lnSpc>
+                <a:spcPct val="115000"/>
+              </a:lnSpc>
+              <a:spcBef>
+                <a:spcPts val="0"/>
+              </a:spcBef>
+              <a:spcAft>
+                <a:spcPts val="0"/>
+              </a:spcAft>
+              <a:buClr>
+                <a:srgbClr val="F5C518"/>
+              </a:buClr>
+              <a:buSzPts val="2142"/>
+              <a:buFont typeface="Roboto Light"/>
+              <a:buChar char="●"/>
+            </a:pPr>
+            <a:r>
+              <a:rPr lang="es" sz="2142">
+                <a:latin typeface="Roboto Light"/>
+                <a:ea typeface="Roboto Light"/>
+                <a:cs typeface="Roboto Light"/>
+                <a:sym typeface="Roboto Light"/>
+              </a:rPr>
+              <a:t>Metascore</a:t>
+            </a:r>
+            <a:endParaRPr sz="2142">
+              <a:latin typeface="Roboto Light"/>
+              <a:ea typeface="Roboto Light"/>
+              <a:cs typeface="Roboto Light"/>
+              <a:sym typeface="Roboto Light"/>
+            </a:endParaRPr>
+          </a:p>
+        </p:txBody>
+      </p:sp>
+      <p:sp>
+        <p:nvSpPr>
+          <p:cNvPr id="162" name="Google Shape;162;p23"/>
+          <p:cNvSpPr/>
+          <p:nvPr/>
+        </p:nvSpPr>
+        <p:spPr>
+          <a:xfrm>
+            <a:off x="0" y="2524800"/>
+            <a:ext cx="9144000" cy="2618700"/>
+          </a:xfrm>
+          <a:prstGeom prst="rect">
+            <a:avLst/>
+          </a:prstGeom>
+          <a:solidFill>
+            <a:srgbClr val="F5C518"/>
+          </a:solidFill>
+          <a:ln>
+            <a:noFill/>
+          </a:ln>
+        </p:spPr>
+        <p:txBody>
+          <a:bodyPr anchorCtr="0" anchor="ctr" bIns="91425" lIns="91425" spcFirstLastPara="1" rIns="91425" wrap="square" tIns="91425">
+            <a:noAutofit/>
+          </a:bodyPr>
+          <a:lstStyle/>
+          <a:p>
+            <a:pPr indent="0" lvl="0" marL="0" rtl="0" algn="l">
+              <a:spcBef>
+                <a:spcPts val="0"/>
+              </a:spcBef>
+              <a:spcAft>
+                <a:spcPts val="0"/>
+              </a:spcAft>
+              <a:buNone/>
+            </a:pPr>
+            <a:r>
+              <a:t/>
+            </a:r>
+            <a:endParaRPr/>
+          </a:p>
+        </p:txBody>
+      </p:sp>
+      <p:sp>
+        <p:nvSpPr>
+          <p:cNvPr id="163" name="Google Shape;163;p23"/>
+          <p:cNvSpPr txBox="1"/>
+          <p:nvPr>
+            <p:ph type="ctrTitle"/>
+          </p:nvPr>
+        </p:nvSpPr>
+        <p:spPr>
+          <a:xfrm>
+            <a:off x="5191425" y="1257725"/>
+            <a:ext cx="3270600" cy="708900"/>
+          </a:xfrm>
+          <a:prstGeom prst="rect">
+            <a:avLst/>
+          </a:prstGeom>
+        </p:spPr>
+        <p:txBody>
+          <a:bodyPr anchorCtr="0" anchor="b" bIns="0" lIns="0" spcFirstLastPara="1" rIns="0" wrap="square" tIns="0">
+            <a:spAutoFit/>
+          </a:bodyPr>
+          <a:lstStyle/>
+          <a:p>
+            <a:pPr indent="-364617" lvl="0" marL="457200" rtl="0" algn="l">
+              <a:lnSpc>
+                <a:spcPct val="115000"/>
+              </a:lnSpc>
+              <a:spcBef>
+                <a:spcPts val="0"/>
+              </a:spcBef>
+              <a:spcAft>
+                <a:spcPts val="0"/>
+              </a:spcAft>
+              <a:buClr>
+                <a:srgbClr val="F5C518"/>
+              </a:buClr>
+              <a:buSzPts val="2142"/>
+              <a:buFont typeface="Roboto Light"/>
+              <a:buChar char="●"/>
+            </a:pPr>
+            <a:r>
+              <a:rPr lang="es" sz="2142">
+                <a:solidFill>
+                  <a:schemeClr val="lt1"/>
+                </a:solidFill>
+                <a:latin typeface="Roboto Light"/>
+                <a:ea typeface="Roboto Light"/>
+                <a:cs typeface="Roboto Light"/>
+                <a:sym typeface="Roboto Light"/>
+              </a:rPr>
+              <a:t>Presupuesto</a:t>
+            </a:r>
+            <a:endParaRPr sz="2142">
+              <a:solidFill>
+                <a:schemeClr val="lt1"/>
+              </a:solidFill>
+              <a:latin typeface="Roboto Light"/>
+              <a:ea typeface="Roboto Light"/>
+              <a:cs typeface="Roboto Light"/>
+              <a:sym typeface="Roboto Light"/>
+            </a:endParaRPr>
+          </a:p>
+          <a:p>
+            <a:pPr indent="-364617" lvl="0" marL="457200" rtl="0" algn="l">
+              <a:lnSpc>
+                <a:spcPct val="115000"/>
+              </a:lnSpc>
+              <a:spcBef>
+                <a:spcPts val="0"/>
+              </a:spcBef>
+              <a:spcAft>
+                <a:spcPts val="0"/>
+              </a:spcAft>
+              <a:buClr>
+                <a:srgbClr val="F5C518"/>
+              </a:buClr>
+              <a:buSzPts val="2142"/>
+              <a:buFont typeface="Roboto Light"/>
+              <a:buChar char="●"/>
+            </a:pPr>
+            <a:r>
+              <a:rPr lang="es" sz="2142">
+                <a:solidFill>
+                  <a:schemeClr val="lt1"/>
+                </a:solidFill>
+                <a:latin typeface="Roboto Light"/>
+                <a:ea typeface="Roboto Light"/>
+                <a:cs typeface="Roboto Light"/>
+                <a:sym typeface="Roboto Light"/>
+              </a:rPr>
+              <a:t>Recaudación Mundial</a:t>
+            </a:r>
+            <a:endParaRPr sz="2142">
+              <a:solidFill>
+                <a:schemeClr val="lt1"/>
+              </a:solidFill>
+              <a:latin typeface="Roboto Light"/>
+              <a:ea typeface="Roboto Light"/>
+              <a:cs typeface="Roboto Light"/>
+              <a:sym typeface="Roboto Light"/>
+            </a:endParaRPr>
+          </a:p>
+        </p:txBody>
+      </p:sp>
+      <p:sp>
+        <p:nvSpPr>
+          <p:cNvPr id="164" name="Google Shape;164;p23"/>
           <p:cNvSpPr txBox="1"/>
           <p:nvPr>
             <p:ph idx="1" type="subTitle"/>
@@ -8359,25 +8711,25 @@
             </a:pPr>
             <a:r>
               <a:rPr lang="es">
-                <a:latin typeface="Roboto"/>
-                <a:ea typeface="Roboto"/>
-                <a:cs typeface="Roboto"/>
-                <a:sym typeface="Roboto"/>
+                <a:latin typeface="Roboto Thin"/>
+                <a:ea typeface="Roboto Thin"/>
+                <a:cs typeface="Roboto Thin"/>
+                <a:sym typeface="Roboto Thin"/>
               </a:rPr>
               <a:t>Ana Blanco Delgado | Julio 2021</a:t>
             </a:r>
             <a:endParaRPr>
-              <a:latin typeface="Roboto"/>
-              <a:ea typeface="Roboto"/>
-              <a:cs typeface="Roboto"/>
-              <a:sym typeface="Roboto"/>
+              <a:latin typeface="Roboto Thin"/>
+              <a:ea typeface="Roboto Thin"/>
+              <a:cs typeface="Roboto Thin"/>
+              <a:sym typeface="Roboto Thin"/>
             </a:endParaRPr>
           </a:p>
         </p:txBody>
       </p:sp>
       <p:sp>
         <p:nvSpPr>
-          <p:cNvPr id="157" name="Google Shape;157;p22"/>
+          <p:cNvPr id="165" name="Google Shape;165;p23"/>
           <p:cNvSpPr txBox="1"/>
           <p:nvPr/>
         </p:nvSpPr>
@@ -8435,7 +8787,7 @@
       </p:sp>
       <p:sp>
         <p:nvSpPr>
-          <p:cNvPr id="158" name="Google Shape;158;p22"/>
+          <p:cNvPr id="166" name="Google Shape;166;p23"/>
           <p:cNvSpPr txBox="1"/>
           <p:nvPr/>
         </p:nvSpPr>
@@ -8475,10 +8827,10 @@
                 <a:solidFill>
                   <a:schemeClr val="lt1"/>
                 </a:solidFill>
-                <a:latin typeface="Roboto"/>
-                <a:ea typeface="Roboto"/>
-                <a:cs typeface="Roboto"/>
-                <a:sym typeface="Roboto"/>
+                <a:latin typeface="Roboto Thin"/>
+                <a:ea typeface="Roboto Thin"/>
+                <a:cs typeface="Roboto Thin"/>
+                <a:sym typeface="Roboto Thin"/>
               </a:rPr>
               <a:t>TOTAL</a:t>
             </a:r>
@@ -8486,10 +8838,10 @@
               <a:solidFill>
                 <a:schemeClr val="lt1"/>
               </a:solidFill>
-              <a:latin typeface="Roboto"/>
-              <a:ea typeface="Roboto"/>
-              <a:cs typeface="Roboto"/>
-              <a:sym typeface="Roboto"/>
+              <a:latin typeface="Roboto Thin"/>
+              <a:ea typeface="Roboto Thin"/>
+              <a:cs typeface="Roboto Thin"/>
+              <a:sym typeface="Roboto Thin"/>
             </a:endParaRPr>
           </a:p>
           <a:p>
@@ -8564,211 +8916,6 @@
           </a:p>
         </p:txBody>
       </p:sp>
-    </p:spTree>
-  </p:cSld>
-  <p:clrMapOvr>
-    <a:masterClrMapping/>
-  </p:clrMapOvr>
-</p:sld>
-</file>
-
-<file path=ppt/slides/slide11.xml><?xml version="1.0" encoding="utf-8"?>
-<p:sld xmlns:a="http://schemas.openxmlformats.org/drawingml/2006/main" xmlns:r="http://schemas.openxmlformats.org/officeDocument/2006/relationships" xmlns:mc="http://schemas.openxmlformats.org/markup-compatibility/2006" xmlns:mv="urn:schemas-microsoft-com:mac:vml" xmlns:p="http://schemas.openxmlformats.org/presentationml/2006/main" xmlns:c="http://schemas.openxmlformats.org/drawingml/2006/chart" xmlns:dgm="http://schemas.openxmlformats.org/drawingml/2006/diagram" xmlns:o="urn:schemas-microsoft-com:office:office" xmlns:v="urn:schemas-microsoft-com:vml" xmlns:pvml="urn:schemas-microsoft-com:office:powerpoint" xmlns:com="http://schemas.openxmlformats.org/drawingml/2006/compatibility" xmlns:p14="http://schemas.microsoft.com/office/powerpoint/2010/main" xmlns:p15="http://schemas.microsoft.com/office/powerpoint/2012/main" xmlns:ahyp="http://schemas.microsoft.com/office/drawing/2018/hyperlinkcolor">
-  <p:cSld>
-    <p:spTree>
-      <p:nvGrpSpPr>
-        <p:cNvPr id="162" name="Shape 162"/>
-        <p:cNvGrpSpPr/>
-        <p:nvPr/>
-      </p:nvGrpSpPr>
-      <p:grpSpPr>
-        <a:xfrm>
-          <a:off x="0" y="0"/>
-          <a:ext cx="0" cy="0"/>
-          <a:chOff x="0" y="0"/>
-          <a:chExt cx="0" cy="0"/>
-        </a:xfrm>
-      </p:grpSpPr>
-      <p:sp>
-        <p:nvSpPr>
-          <p:cNvPr id="163" name="Google Shape;163;p23"/>
-          <p:cNvSpPr txBox="1"/>
-          <p:nvPr>
-            <p:ph type="ctrTitle"/>
-          </p:nvPr>
-        </p:nvSpPr>
-        <p:spPr>
-          <a:xfrm>
-            <a:off x="702050" y="525650"/>
-            <a:ext cx="3599400" cy="411000"/>
-          </a:xfrm>
-          <a:prstGeom prst="rect">
-            <a:avLst/>
-          </a:prstGeom>
-        </p:spPr>
-        <p:txBody>
-          <a:bodyPr anchorCtr="0" anchor="b" bIns="0" lIns="0" spcFirstLastPara="1" rIns="0" wrap="square" tIns="0">
-            <a:noAutofit/>
-          </a:bodyPr>
-          <a:lstStyle/>
-          <a:p>
-            <a:pPr indent="0" lvl="0" marL="0" rtl="0" algn="l">
-              <a:spcBef>
-                <a:spcPts val="0"/>
-              </a:spcBef>
-              <a:spcAft>
-                <a:spcPts val="0"/>
-              </a:spcAft>
-              <a:buSzPts val="891"/>
-              <a:buNone/>
-            </a:pPr>
-            <a:r>
-              <a:rPr lang="es" sz="2400">
-                <a:latin typeface="Roboto"/>
-                <a:ea typeface="Roboto"/>
-                <a:cs typeface="Roboto"/>
-                <a:sym typeface="Roboto"/>
-              </a:rPr>
-              <a:t>IMDb </a:t>
-            </a:r>
-            <a:r>
-              <a:rPr i="1" lang="es" sz="2400">
-                <a:latin typeface="Roboto"/>
-                <a:ea typeface="Roboto"/>
-                <a:cs typeface="Roboto"/>
-                <a:sym typeface="Roboto"/>
-              </a:rPr>
-              <a:t>web scrapping</a:t>
-            </a:r>
-            <a:endParaRPr sz="2400">
-              <a:latin typeface="Roboto"/>
-              <a:ea typeface="Roboto"/>
-              <a:cs typeface="Roboto"/>
-              <a:sym typeface="Roboto"/>
-            </a:endParaRPr>
-          </a:p>
-        </p:txBody>
-      </p:sp>
-      <p:sp>
-        <p:nvSpPr>
-          <p:cNvPr id="164" name="Google Shape;164;p23"/>
-          <p:cNvSpPr/>
-          <p:nvPr/>
-        </p:nvSpPr>
-        <p:spPr>
-          <a:xfrm>
-            <a:off x="557925" y="540350"/>
-            <a:ext cx="70800" cy="381600"/>
-          </a:xfrm>
-          <a:prstGeom prst="rect">
-            <a:avLst/>
-          </a:prstGeom>
-          <a:solidFill>
-            <a:srgbClr val="F5C518"/>
-          </a:solidFill>
-          <a:ln>
-            <a:noFill/>
-          </a:ln>
-        </p:spPr>
-        <p:txBody>
-          <a:bodyPr anchorCtr="0" anchor="ctr" bIns="91425" lIns="91425" spcFirstLastPara="1" rIns="91425" wrap="square" tIns="91425">
-            <a:noAutofit/>
-          </a:bodyPr>
-          <a:lstStyle/>
-          <a:p>
-            <a:pPr indent="0" lvl="0" marL="0" rtl="0" algn="l">
-              <a:spcBef>
-                <a:spcPts val="0"/>
-              </a:spcBef>
-              <a:spcAft>
-                <a:spcPts val="0"/>
-              </a:spcAft>
-              <a:buNone/>
-            </a:pPr>
-            <a:r>
-              <a:t/>
-            </a:r>
-            <a:endParaRPr/>
-          </a:p>
-        </p:txBody>
-      </p:sp>
-      <p:sp>
-        <p:nvSpPr>
-          <p:cNvPr id="165" name="Google Shape;165;p23"/>
-          <p:cNvSpPr txBox="1"/>
-          <p:nvPr>
-            <p:ph idx="1" type="subTitle"/>
-          </p:nvPr>
-        </p:nvSpPr>
-        <p:spPr>
-          <a:xfrm>
-            <a:off x="6643400" y="4563350"/>
-            <a:ext cx="2129700" cy="325500"/>
-          </a:xfrm>
-          <a:prstGeom prst="rect">
-            <a:avLst/>
-          </a:prstGeom>
-        </p:spPr>
-        <p:txBody>
-          <a:bodyPr anchorCtr="0" anchor="t" bIns="91425" lIns="91425" spcFirstLastPara="1" rIns="91425" wrap="square" tIns="91425">
-            <a:normAutofit fontScale="32500"/>
-          </a:bodyPr>
-          <a:lstStyle/>
-          <a:p>
-            <a:pPr indent="0" lvl="0" marL="0" rtl="0" algn="r">
-              <a:spcBef>
-                <a:spcPts val="0"/>
-              </a:spcBef>
-              <a:spcAft>
-                <a:spcPts val="0"/>
-              </a:spcAft>
-              <a:buNone/>
-            </a:pPr>
-            <a:r>
-              <a:rPr lang="es">
-                <a:latin typeface="Roboto"/>
-                <a:ea typeface="Roboto"/>
-                <a:cs typeface="Roboto"/>
-                <a:sym typeface="Roboto"/>
-              </a:rPr>
-              <a:t>Ana Blanco Delgado | Julio 2021</a:t>
-            </a:r>
-            <a:endParaRPr>
-              <a:latin typeface="Roboto"/>
-              <a:ea typeface="Roboto"/>
-              <a:cs typeface="Roboto"/>
-              <a:sym typeface="Roboto"/>
-            </a:endParaRPr>
-          </a:p>
-        </p:txBody>
-      </p:sp>
-      <p:pic>
-        <p:nvPicPr>
-          <p:cNvPr id="166" name="Google Shape;166;p23"/>
-          <p:cNvPicPr preferRelativeResize="0"/>
-          <p:nvPr/>
-        </p:nvPicPr>
-        <p:blipFill rotWithShape="1">
-          <a:blip r:embed="rId3">
-            <a:alphaModFix/>
-          </a:blip>
-          <a:srcRect b="0" l="0" r="0" t="0"/>
-          <a:stretch/>
-        </p:blipFill>
-        <p:spPr>
-          <a:xfrm>
-            <a:off x="2265413" y="1410525"/>
-            <a:ext cx="4472532" cy="3022863"/>
-          </a:xfrm>
-          <a:prstGeom prst="rect">
-            <a:avLst/>
-          </a:prstGeom>
-          <a:noFill/>
-          <a:ln>
-            <a:noFill/>
-          </a:ln>
-        </p:spPr>
-      </p:pic>
     </p:spTree>
   </p:cSld>
   <p:clrMapOvr>
@@ -8875,10 +9022,10 @@
                 <a:solidFill>
                   <a:srgbClr val="434343"/>
                 </a:solidFill>
-                <a:latin typeface="Roboto"/>
-                <a:ea typeface="Roboto"/>
-                <a:cs typeface="Roboto"/>
-                <a:sym typeface="Roboto"/>
+                <a:latin typeface="Roboto Medium"/>
+                <a:ea typeface="Roboto Medium"/>
+                <a:cs typeface="Roboto Medium"/>
+                <a:sym typeface="Roboto Medium"/>
               </a:rPr>
               <a:t>Variables económicas</a:t>
             </a:r>
@@ -8886,10 +9033,10 @@
               <a:solidFill>
                 <a:srgbClr val="434343"/>
               </a:solidFill>
-              <a:latin typeface="Roboto"/>
-              <a:ea typeface="Roboto"/>
-              <a:cs typeface="Roboto"/>
-              <a:sym typeface="Roboto"/>
+              <a:latin typeface="Roboto Medium"/>
+              <a:ea typeface="Roboto Medium"/>
+              <a:cs typeface="Roboto Medium"/>
+              <a:sym typeface="Roboto Medium"/>
             </a:endParaRPr>
           </a:p>
         </p:txBody>
@@ -9017,7 +9164,7 @@
                 <a:srgbClr val="F5C518"/>
               </a:buClr>
               <a:buSzPts val="2142"/>
-              <a:buFont typeface="Roboto"/>
+              <a:buFont typeface="Roboto Light"/>
               <a:buChar char="●"/>
             </a:pPr>
             <a:r>
@@ -9025,10 +9172,10 @@
                 <a:solidFill>
                   <a:schemeClr val="lt1"/>
                 </a:solidFill>
-                <a:latin typeface="Roboto"/>
-                <a:ea typeface="Roboto"/>
-                <a:cs typeface="Roboto"/>
-                <a:sym typeface="Roboto"/>
+                <a:latin typeface="Roboto Light"/>
+                <a:ea typeface="Roboto Light"/>
+                <a:cs typeface="Roboto Light"/>
+                <a:sym typeface="Roboto Light"/>
               </a:rPr>
               <a:t>Presupuesto</a:t>
             </a:r>
@@ -9036,10 +9183,10 @@
               <a:solidFill>
                 <a:schemeClr val="lt1"/>
               </a:solidFill>
-              <a:latin typeface="Roboto"/>
-              <a:ea typeface="Roboto"/>
-              <a:cs typeface="Roboto"/>
-              <a:sym typeface="Roboto"/>
+              <a:latin typeface="Roboto Light"/>
+              <a:ea typeface="Roboto Light"/>
+              <a:cs typeface="Roboto Light"/>
+              <a:sym typeface="Roboto Light"/>
             </a:endParaRPr>
           </a:p>
           <a:p>
@@ -9057,7 +9204,7 @@
                 <a:srgbClr val="F5C518"/>
               </a:buClr>
               <a:buSzPts val="2142"/>
-              <a:buFont typeface="Roboto"/>
+              <a:buFont typeface="Roboto Light"/>
               <a:buChar char="●"/>
             </a:pPr>
             <a:r>
@@ -9065,10 +9212,10 @@
                 <a:solidFill>
                   <a:schemeClr val="lt1"/>
                 </a:solidFill>
-                <a:latin typeface="Roboto"/>
-                <a:ea typeface="Roboto"/>
-                <a:cs typeface="Roboto"/>
-                <a:sym typeface="Roboto"/>
+                <a:latin typeface="Roboto Light"/>
+                <a:ea typeface="Roboto Light"/>
+                <a:cs typeface="Roboto Light"/>
+                <a:sym typeface="Roboto Light"/>
               </a:rPr>
               <a:t>Recaudación Mundial</a:t>
             </a:r>
@@ -9076,10 +9223,10 @@
               <a:solidFill>
                 <a:schemeClr val="lt1"/>
               </a:solidFill>
-              <a:latin typeface="Roboto"/>
-              <a:ea typeface="Roboto"/>
-              <a:cs typeface="Roboto"/>
-              <a:sym typeface="Roboto"/>
+              <a:latin typeface="Roboto Light"/>
+              <a:ea typeface="Roboto Light"/>
+              <a:cs typeface="Roboto Light"/>
+              <a:sym typeface="Roboto Light"/>
             </a:endParaRPr>
           </a:p>
         </p:txBody>
@@ -9118,18 +9265,18 @@
             </a:pPr>
             <a:r>
               <a:rPr lang="es">
-                <a:latin typeface="Roboto"/>
-                <a:ea typeface="Roboto"/>
-                <a:cs typeface="Roboto"/>
-                <a:sym typeface="Roboto"/>
+                <a:latin typeface="Roboto Thin"/>
+                <a:ea typeface="Roboto Thin"/>
+                <a:cs typeface="Roboto Thin"/>
+                <a:sym typeface="Roboto Thin"/>
               </a:rPr>
               <a:t>Ana Blanco Delgado | Julio 2021</a:t>
             </a:r>
             <a:endParaRPr>
-              <a:latin typeface="Roboto"/>
-              <a:ea typeface="Roboto"/>
-              <a:cs typeface="Roboto"/>
-              <a:sym typeface="Roboto"/>
+              <a:latin typeface="Roboto Thin"/>
+              <a:ea typeface="Roboto Thin"/>
+              <a:cs typeface="Roboto Thin"/>
+              <a:sym typeface="Roboto Thin"/>
             </a:endParaRPr>
           </a:p>
         </p:txBody>
@@ -9197,7 +9344,7 @@
                 <a:srgbClr val="F5C518"/>
               </a:buClr>
               <a:buSzPts val="1742"/>
-              <a:buFont typeface="Roboto"/>
+              <a:buFont typeface="Roboto Light"/>
               <a:buChar char="●"/>
             </a:pPr>
             <a:r>
@@ -9205,10 +9352,10 @@
                 <a:solidFill>
                   <a:schemeClr val="lt1"/>
                 </a:solidFill>
-                <a:latin typeface="Roboto"/>
-                <a:ea typeface="Roboto"/>
-                <a:cs typeface="Roboto"/>
-                <a:sym typeface="Roboto"/>
+                <a:latin typeface="Roboto Light"/>
+                <a:ea typeface="Roboto Light"/>
+                <a:cs typeface="Roboto Light"/>
+                <a:sym typeface="Roboto Light"/>
               </a:rPr>
               <a:t>Extracción código y cantidad moneda, y normalización a $</a:t>
             </a:r>
@@ -9216,10 +9363,10 @@
               <a:solidFill>
                 <a:schemeClr val="lt1"/>
               </a:solidFill>
-              <a:latin typeface="Roboto"/>
-              <a:ea typeface="Roboto"/>
-              <a:cs typeface="Roboto"/>
-              <a:sym typeface="Roboto"/>
+              <a:latin typeface="Roboto Light"/>
+              <a:ea typeface="Roboto Light"/>
+              <a:cs typeface="Roboto Light"/>
+              <a:sym typeface="Roboto Light"/>
             </a:endParaRPr>
           </a:p>
           <a:p>
@@ -9242,10 +9389,10 @@
               <a:solidFill>
                 <a:schemeClr val="lt1"/>
               </a:solidFill>
-              <a:latin typeface="Roboto"/>
-              <a:ea typeface="Roboto"/>
-              <a:cs typeface="Roboto"/>
-              <a:sym typeface="Roboto"/>
+              <a:latin typeface="Roboto Light"/>
+              <a:ea typeface="Roboto Light"/>
+              <a:cs typeface="Roboto Light"/>
+              <a:sym typeface="Roboto Light"/>
             </a:endParaRPr>
           </a:p>
           <a:p>
@@ -9263,7 +9410,7 @@
                 <a:srgbClr val="F5C518"/>
               </a:buClr>
               <a:buSzPts val="1742"/>
-              <a:buFont typeface="Roboto"/>
+              <a:buFont typeface="Roboto Light"/>
               <a:buChar char="●"/>
             </a:pPr>
             <a:r>
@@ -9271,10 +9418,10 @@
                 <a:solidFill>
                   <a:schemeClr val="lt1"/>
                 </a:solidFill>
-                <a:latin typeface="Roboto"/>
-                <a:ea typeface="Roboto"/>
-                <a:cs typeface="Roboto"/>
-                <a:sym typeface="Roboto"/>
+                <a:latin typeface="Roboto Light"/>
+                <a:ea typeface="Roboto Light"/>
+                <a:cs typeface="Roboto Light"/>
+                <a:sym typeface="Roboto Light"/>
               </a:rPr>
               <a:t>Conversión a cantidad</a:t>
             </a:r>
@@ -9282,10 +9429,10 @@
               <a:solidFill>
                 <a:schemeClr val="lt1"/>
               </a:solidFill>
-              <a:latin typeface="Roboto"/>
-              <a:ea typeface="Roboto"/>
-              <a:cs typeface="Roboto"/>
-              <a:sym typeface="Roboto"/>
+              <a:latin typeface="Roboto Light"/>
+              <a:ea typeface="Roboto Light"/>
+              <a:cs typeface="Roboto Light"/>
+              <a:sym typeface="Roboto Light"/>
             </a:endParaRPr>
           </a:p>
         </p:txBody>
@@ -9350,7 +9497,7 @@
                 <a:spcPts val="0"/>
               </a:spcAft>
               <a:buSzPts val="2142"/>
-              <a:buFont typeface="Roboto"/>
+              <a:buFont typeface="Roboto Light"/>
               <a:buChar char="●"/>
             </a:pPr>
             <a:r>
@@ -9358,10 +9505,10 @@
                 <a:solidFill>
                   <a:schemeClr val="lt1"/>
                 </a:solidFill>
-                <a:latin typeface="Roboto"/>
-                <a:ea typeface="Roboto"/>
-                <a:cs typeface="Roboto"/>
-                <a:sym typeface="Roboto"/>
+                <a:latin typeface="Roboto Light"/>
+                <a:ea typeface="Roboto Light"/>
+                <a:cs typeface="Roboto Light"/>
+                <a:sym typeface="Roboto Light"/>
               </a:rPr>
               <a:t>Beneficios</a:t>
             </a:r>
@@ -9369,10 +9516,10 @@
               <a:solidFill>
                 <a:schemeClr val="lt1"/>
               </a:solidFill>
-              <a:latin typeface="Roboto"/>
-              <a:ea typeface="Roboto"/>
-              <a:cs typeface="Roboto"/>
-              <a:sym typeface="Roboto"/>
+              <a:latin typeface="Roboto Light"/>
+              <a:ea typeface="Roboto Light"/>
+              <a:cs typeface="Roboto Light"/>
+              <a:sym typeface="Roboto Light"/>
             </a:endParaRPr>
           </a:p>
           <a:p>
@@ -9387,7 +9534,7 @@
                 <a:spcPts val="0"/>
               </a:spcAft>
               <a:buSzPts val="2142"/>
-              <a:buFont typeface="Roboto"/>
+              <a:buFont typeface="Roboto Light"/>
               <a:buChar char="●"/>
             </a:pPr>
             <a:r>
@@ -9395,10 +9542,10 @@
                 <a:solidFill>
                   <a:schemeClr val="lt1"/>
                 </a:solidFill>
-                <a:latin typeface="Roboto"/>
-                <a:ea typeface="Roboto"/>
-                <a:cs typeface="Roboto"/>
-                <a:sym typeface="Roboto"/>
+                <a:latin typeface="Roboto Light"/>
+                <a:ea typeface="Roboto Light"/>
+                <a:cs typeface="Roboto Light"/>
+                <a:sym typeface="Roboto Light"/>
               </a:rPr>
               <a:t>Retorno de la inversión (ROI)</a:t>
             </a:r>
@@ -9406,10 +9553,10 @@
               <a:solidFill>
                 <a:schemeClr val="lt1"/>
               </a:solidFill>
-              <a:latin typeface="Roboto"/>
-              <a:ea typeface="Roboto"/>
-              <a:cs typeface="Roboto"/>
-              <a:sym typeface="Roboto"/>
+              <a:latin typeface="Roboto Light"/>
+              <a:ea typeface="Roboto Light"/>
+              <a:cs typeface="Roboto Light"/>
+              <a:sym typeface="Roboto Light"/>
             </a:endParaRPr>
           </a:p>
         </p:txBody>
@@ -9453,10 +9600,10 @@
                 <a:solidFill>
                   <a:schemeClr val="dk1"/>
                 </a:solidFill>
-                <a:latin typeface="Roboto"/>
-                <a:ea typeface="Roboto"/>
-                <a:cs typeface="Roboto"/>
-                <a:sym typeface="Roboto"/>
+                <a:latin typeface="Roboto Thin"/>
+                <a:ea typeface="Roboto Thin"/>
+                <a:cs typeface="Roboto Thin"/>
+                <a:sym typeface="Roboto Thin"/>
               </a:rPr>
               <a:t>}</a:t>
             </a:r>
@@ -9464,10 +9611,10 @@
               <a:solidFill>
                 <a:schemeClr val="dk1"/>
               </a:solidFill>
-              <a:latin typeface="Roboto"/>
-              <a:ea typeface="Roboto"/>
-              <a:cs typeface="Roboto"/>
-              <a:sym typeface="Roboto"/>
+              <a:latin typeface="Roboto Thin"/>
+              <a:ea typeface="Roboto Thin"/>
+              <a:cs typeface="Roboto Thin"/>
+              <a:sym typeface="Roboto Thin"/>
             </a:endParaRPr>
           </a:p>
         </p:txBody>
@@ -9511,10 +9658,10 @@
                 <a:solidFill>
                   <a:srgbClr val="434343"/>
                 </a:solidFill>
-                <a:latin typeface="Roboto"/>
-                <a:ea typeface="Roboto"/>
-                <a:cs typeface="Roboto"/>
-                <a:sym typeface="Roboto"/>
+                <a:latin typeface="Roboto Thin"/>
+                <a:ea typeface="Roboto Thin"/>
+                <a:cs typeface="Roboto Thin"/>
+                <a:sym typeface="Roboto Thin"/>
               </a:rPr>
               <a:t>+</a:t>
             </a:r>
@@ -9522,10 +9669,10 @@
               <a:solidFill>
                 <a:srgbClr val="434343"/>
               </a:solidFill>
-              <a:latin typeface="Roboto"/>
-              <a:ea typeface="Roboto"/>
-              <a:cs typeface="Roboto"/>
-              <a:sym typeface="Roboto"/>
+              <a:latin typeface="Roboto Thin"/>
+              <a:ea typeface="Roboto Thin"/>
+              <a:cs typeface="Roboto Thin"/>
+              <a:sym typeface="Roboto Thin"/>
             </a:endParaRPr>
           </a:p>
         </p:txBody>
@@ -9567,18 +9714,18 @@
             </a:pPr>
             <a:r>
               <a:rPr lang="es" sz="2142">
-                <a:latin typeface="Roboto"/>
-                <a:ea typeface="Roboto"/>
-                <a:cs typeface="Roboto"/>
-                <a:sym typeface="Roboto"/>
+                <a:latin typeface="Roboto Light"/>
+                <a:ea typeface="Roboto Light"/>
+                <a:cs typeface="Roboto Light"/>
+                <a:sym typeface="Roboto Light"/>
               </a:rPr>
               <a:t>Nuevas variables que parten de las anteriores</a:t>
             </a:r>
             <a:endParaRPr sz="2142">
-              <a:latin typeface="Roboto"/>
-              <a:ea typeface="Roboto"/>
-              <a:cs typeface="Roboto"/>
-              <a:sym typeface="Roboto"/>
+              <a:latin typeface="Roboto Light"/>
+              <a:ea typeface="Roboto Light"/>
+              <a:cs typeface="Roboto Light"/>
+              <a:sym typeface="Roboto Light"/>
             </a:endParaRPr>
           </a:p>
         </p:txBody>
@@ -9643,63 +9790,63 @@
             </a:pPr>
             <a:r>
               <a:rPr lang="es" sz="2400">
-                <a:latin typeface="Roboto"/>
-                <a:ea typeface="Roboto"/>
-                <a:cs typeface="Roboto"/>
-                <a:sym typeface="Roboto"/>
+                <a:latin typeface="Roboto Medium"/>
+                <a:ea typeface="Roboto Medium"/>
+                <a:cs typeface="Roboto Medium"/>
+                <a:sym typeface="Roboto Medium"/>
               </a:rPr>
               <a:t>IMDb </a:t>
             </a:r>
             <a:r>
               <a:rPr i="1" lang="es" sz="2400">
-                <a:latin typeface="Roboto"/>
-                <a:ea typeface="Roboto"/>
-                <a:cs typeface="Roboto"/>
-                <a:sym typeface="Roboto"/>
+                <a:latin typeface="Roboto Medium"/>
+                <a:ea typeface="Roboto Medium"/>
+                <a:cs typeface="Roboto Medium"/>
+                <a:sym typeface="Roboto Medium"/>
               </a:rPr>
               <a:t>datasets </a:t>
             </a:r>
             <a:r>
               <a:rPr lang="es" sz="2400">
-                <a:latin typeface="Roboto"/>
-                <a:ea typeface="Roboto"/>
-                <a:cs typeface="Roboto"/>
-                <a:sym typeface="Roboto"/>
+                <a:latin typeface="Roboto Medium"/>
+                <a:ea typeface="Roboto Medium"/>
+                <a:cs typeface="Roboto Medium"/>
+                <a:sym typeface="Roboto Medium"/>
               </a:rPr>
               <a:t>|</a:t>
             </a:r>
             <a:r>
               <a:rPr i="1" lang="es" sz="1400">
-                <a:latin typeface="Roboto"/>
-                <a:ea typeface="Roboto"/>
-                <a:cs typeface="Roboto"/>
-                <a:sym typeface="Roboto"/>
+                <a:latin typeface="Roboto Thin"/>
+                <a:ea typeface="Roboto Thin"/>
+                <a:cs typeface="Roboto Thin"/>
+                <a:sym typeface="Roboto Thin"/>
               </a:rPr>
               <a:t>  </a:t>
             </a:r>
             <a:r>
               <a:rPr lang="es" sz="1700">
-                <a:latin typeface="Roboto"/>
-                <a:ea typeface="Roboto"/>
-                <a:cs typeface="Roboto"/>
-                <a:sym typeface="Roboto"/>
+                <a:latin typeface="Roboto Thin"/>
+                <a:ea typeface="Roboto Thin"/>
+                <a:cs typeface="Roboto Thin"/>
+                <a:sym typeface="Roboto Thin"/>
               </a:rPr>
               <a:t>P</a:t>
             </a:r>
             <a:r>
               <a:rPr lang="es" sz="1700">
-                <a:latin typeface="Roboto"/>
-                <a:ea typeface="Roboto"/>
-                <a:cs typeface="Roboto"/>
-                <a:sym typeface="Roboto"/>
+                <a:latin typeface="Roboto Thin"/>
+                <a:ea typeface="Roboto Thin"/>
+                <a:cs typeface="Roboto Thin"/>
+                <a:sym typeface="Roboto Thin"/>
               </a:rPr>
               <a:t>elículas con mayor presupuesto por año</a:t>
             </a:r>
             <a:endParaRPr sz="1700">
-              <a:latin typeface="Roboto"/>
-              <a:ea typeface="Roboto"/>
-              <a:cs typeface="Roboto"/>
-              <a:sym typeface="Roboto"/>
+              <a:latin typeface="Roboto Thin"/>
+              <a:ea typeface="Roboto Thin"/>
+              <a:cs typeface="Roboto Thin"/>
+              <a:sym typeface="Roboto Thin"/>
             </a:endParaRPr>
           </a:p>
         </p:txBody>
@@ -9787,18 +9934,18 @@
             </a:pPr>
             <a:r>
               <a:rPr lang="es">
-                <a:latin typeface="Roboto"/>
-                <a:ea typeface="Roboto"/>
-                <a:cs typeface="Roboto"/>
-                <a:sym typeface="Roboto"/>
+                <a:latin typeface="Roboto Thin"/>
+                <a:ea typeface="Roboto Thin"/>
+                <a:cs typeface="Roboto Thin"/>
+                <a:sym typeface="Roboto Thin"/>
               </a:rPr>
               <a:t>Ana Blanco Delgado | Julio 2021</a:t>
             </a:r>
             <a:endParaRPr>
-              <a:latin typeface="Roboto"/>
-              <a:ea typeface="Roboto"/>
-              <a:cs typeface="Roboto"/>
-              <a:sym typeface="Roboto"/>
+              <a:latin typeface="Roboto Thin"/>
+              <a:ea typeface="Roboto Thin"/>
+              <a:cs typeface="Roboto Thin"/>
+              <a:sym typeface="Roboto Thin"/>
             </a:endParaRPr>
           </a:p>
         </p:txBody>
@@ -9842,10 +9989,10 @@
                 <a:solidFill>
                   <a:srgbClr val="F5C518"/>
                 </a:solidFill>
-                <a:latin typeface="Roboto"/>
-                <a:ea typeface="Roboto"/>
-                <a:cs typeface="Roboto"/>
-                <a:sym typeface="Roboto"/>
+                <a:latin typeface="Roboto Light"/>
+                <a:ea typeface="Roboto Light"/>
+                <a:cs typeface="Roboto Light"/>
+                <a:sym typeface="Roboto Light"/>
               </a:rPr>
               <a:t>2015</a:t>
             </a:r>
@@ -9853,10 +10000,10 @@
               <a:solidFill>
                 <a:srgbClr val="F5C518"/>
               </a:solidFill>
-              <a:latin typeface="Roboto"/>
-              <a:ea typeface="Roboto"/>
-              <a:cs typeface="Roboto"/>
-              <a:sym typeface="Roboto"/>
+              <a:latin typeface="Roboto Light"/>
+              <a:ea typeface="Roboto Light"/>
+              <a:cs typeface="Roboto Light"/>
+              <a:sym typeface="Roboto Light"/>
             </a:endParaRPr>
           </a:p>
         </p:txBody>
@@ -9900,10 +10047,10 @@
                 <a:solidFill>
                   <a:srgbClr val="F5C518"/>
                 </a:solidFill>
-                <a:latin typeface="Roboto"/>
-                <a:ea typeface="Roboto"/>
-                <a:cs typeface="Roboto"/>
-                <a:sym typeface="Roboto"/>
+                <a:latin typeface="Roboto Light"/>
+                <a:ea typeface="Roboto Light"/>
+                <a:cs typeface="Roboto Light"/>
+                <a:sym typeface="Roboto Light"/>
               </a:rPr>
               <a:t>2014</a:t>
             </a:r>
@@ -9911,10 +10058,10 @@
               <a:solidFill>
                 <a:srgbClr val="F5C518"/>
               </a:solidFill>
-              <a:latin typeface="Roboto"/>
-              <a:ea typeface="Roboto"/>
-              <a:cs typeface="Roboto"/>
-              <a:sym typeface="Roboto"/>
+              <a:latin typeface="Roboto Light"/>
+              <a:ea typeface="Roboto Light"/>
+              <a:cs typeface="Roboto Light"/>
+              <a:sym typeface="Roboto Light"/>
             </a:endParaRPr>
           </a:p>
         </p:txBody>
@@ -10126,10 +10273,10 @@
                 <a:solidFill>
                   <a:srgbClr val="F5C518"/>
                 </a:solidFill>
-                <a:latin typeface="Roboto"/>
-                <a:ea typeface="Roboto"/>
-                <a:cs typeface="Roboto"/>
-                <a:sym typeface="Roboto"/>
+                <a:latin typeface="Roboto Light"/>
+                <a:ea typeface="Roboto Light"/>
+                <a:cs typeface="Roboto Light"/>
+                <a:sym typeface="Roboto Light"/>
               </a:rPr>
               <a:t>2016</a:t>
             </a:r>
@@ -10137,10 +10284,10 @@
               <a:solidFill>
                 <a:srgbClr val="F5C518"/>
               </a:solidFill>
-              <a:latin typeface="Roboto"/>
-              <a:ea typeface="Roboto"/>
-              <a:cs typeface="Roboto"/>
-              <a:sym typeface="Roboto"/>
+              <a:latin typeface="Roboto Light"/>
+              <a:ea typeface="Roboto Light"/>
+              <a:cs typeface="Roboto Light"/>
+              <a:sym typeface="Roboto Light"/>
             </a:endParaRPr>
           </a:p>
         </p:txBody>
@@ -10184,10 +10331,10 @@
                 <a:solidFill>
                   <a:srgbClr val="F5C518"/>
                 </a:solidFill>
-                <a:latin typeface="Roboto"/>
-                <a:ea typeface="Roboto"/>
-                <a:cs typeface="Roboto"/>
-                <a:sym typeface="Roboto"/>
+                <a:latin typeface="Roboto Light"/>
+                <a:ea typeface="Roboto Light"/>
+                <a:cs typeface="Roboto Light"/>
+                <a:sym typeface="Roboto Light"/>
               </a:rPr>
               <a:t>2017</a:t>
             </a:r>
@@ -10195,10 +10342,10 @@
               <a:solidFill>
                 <a:srgbClr val="F5C518"/>
               </a:solidFill>
-              <a:latin typeface="Roboto"/>
-              <a:ea typeface="Roboto"/>
-              <a:cs typeface="Roboto"/>
-              <a:sym typeface="Roboto"/>
+              <a:latin typeface="Roboto Light"/>
+              <a:ea typeface="Roboto Light"/>
+              <a:cs typeface="Roboto Light"/>
+              <a:sym typeface="Roboto Light"/>
             </a:endParaRPr>
           </a:p>
         </p:txBody>
@@ -10242,10 +10389,10 @@
                 <a:solidFill>
                   <a:srgbClr val="F5C518"/>
                 </a:solidFill>
-                <a:latin typeface="Roboto"/>
-                <a:ea typeface="Roboto"/>
-                <a:cs typeface="Roboto"/>
-                <a:sym typeface="Roboto"/>
+                <a:latin typeface="Roboto Light"/>
+                <a:ea typeface="Roboto Light"/>
+                <a:cs typeface="Roboto Light"/>
+                <a:sym typeface="Roboto Light"/>
               </a:rPr>
               <a:t>2018</a:t>
             </a:r>
@@ -10253,10 +10400,10 @@
               <a:solidFill>
                 <a:srgbClr val="F5C518"/>
               </a:solidFill>
-              <a:latin typeface="Roboto"/>
-              <a:ea typeface="Roboto"/>
-              <a:cs typeface="Roboto"/>
-              <a:sym typeface="Roboto"/>
+              <a:latin typeface="Roboto Light"/>
+              <a:ea typeface="Roboto Light"/>
+              <a:cs typeface="Roboto Light"/>
+              <a:sym typeface="Roboto Light"/>
             </a:endParaRPr>
           </a:p>
         </p:txBody>
@@ -10300,10 +10447,10 @@
                 <a:solidFill>
                   <a:srgbClr val="F5C518"/>
                 </a:solidFill>
-                <a:latin typeface="Roboto"/>
-                <a:ea typeface="Roboto"/>
-                <a:cs typeface="Roboto"/>
-                <a:sym typeface="Roboto"/>
+                <a:latin typeface="Roboto Light"/>
+                <a:ea typeface="Roboto Light"/>
+                <a:cs typeface="Roboto Light"/>
+                <a:sym typeface="Roboto Light"/>
               </a:rPr>
               <a:t>2019</a:t>
             </a:r>
@@ -10311,10 +10458,10 @@
               <a:solidFill>
                 <a:srgbClr val="F5C518"/>
               </a:solidFill>
-              <a:latin typeface="Roboto"/>
-              <a:ea typeface="Roboto"/>
-              <a:cs typeface="Roboto"/>
-              <a:sym typeface="Roboto"/>
+              <a:latin typeface="Roboto Light"/>
+              <a:ea typeface="Roboto Light"/>
+              <a:cs typeface="Roboto Light"/>
+              <a:sym typeface="Roboto Light"/>
             </a:endParaRPr>
           </a:p>
         </p:txBody>
@@ -10379,10 +10526,10 @@
             </a:pPr>
             <a:r>
               <a:rPr lang="es" sz="2400">
-                <a:latin typeface="Roboto"/>
-                <a:ea typeface="Roboto"/>
-                <a:cs typeface="Roboto"/>
-                <a:sym typeface="Roboto"/>
+                <a:latin typeface="Roboto Medium"/>
+                <a:ea typeface="Roboto Medium"/>
+                <a:cs typeface="Roboto Medium"/>
+                <a:sym typeface="Roboto Medium"/>
               </a:rPr>
               <a:t>DataFrame </a:t>
             </a:r>
@@ -10394,10 +10541,10 @@
                 <a:highlight>
                   <a:srgbClr val="F5C518"/>
                 </a:highlight>
-                <a:latin typeface="Roboto"/>
-                <a:ea typeface="Roboto"/>
-                <a:cs typeface="Roboto"/>
-                <a:sym typeface="Roboto"/>
+                <a:latin typeface="Roboto Light"/>
+                <a:ea typeface="Roboto Light"/>
+                <a:cs typeface="Roboto Light"/>
+                <a:sym typeface="Roboto Light"/>
               </a:rPr>
               <a:t>movies</a:t>
             </a:r>
@@ -10408,10 +10555,10 @@
               <a:highlight>
                 <a:srgbClr val="F5C518"/>
               </a:highlight>
-              <a:latin typeface="Roboto"/>
-              <a:ea typeface="Roboto"/>
-              <a:cs typeface="Roboto"/>
-              <a:sym typeface="Roboto"/>
+              <a:latin typeface="Roboto Light"/>
+              <a:ea typeface="Roboto Light"/>
+              <a:cs typeface="Roboto Light"/>
+              <a:sym typeface="Roboto Light"/>
             </a:endParaRPr>
           </a:p>
         </p:txBody>
@@ -10563,10 +10710,10 @@
                 <a:solidFill>
                   <a:schemeClr val="dk1"/>
                 </a:solidFill>
-                <a:latin typeface="Roboto"/>
-                <a:ea typeface="Roboto"/>
-                <a:cs typeface="Roboto"/>
-                <a:sym typeface="Roboto"/>
+                <a:latin typeface="Roboto Thin"/>
+                <a:ea typeface="Roboto Thin"/>
+                <a:cs typeface="Roboto Thin"/>
+                <a:sym typeface="Roboto Thin"/>
               </a:rPr>
               <a:t>Variables valoraciones</a:t>
             </a:r>
@@ -10608,18 +10755,18 @@
             </a:pPr>
             <a:r>
               <a:rPr lang="es">
-                <a:latin typeface="Roboto"/>
-                <a:ea typeface="Roboto"/>
-                <a:cs typeface="Roboto"/>
-                <a:sym typeface="Roboto"/>
+                <a:latin typeface="Roboto Thin"/>
+                <a:ea typeface="Roboto Thin"/>
+                <a:cs typeface="Roboto Thin"/>
+                <a:sym typeface="Roboto Thin"/>
               </a:rPr>
               <a:t>Ana Blanco Delgado | Julio 2021</a:t>
             </a:r>
             <a:endParaRPr>
-              <a:latin typeface="Roboto"/>
-              <a:ea typeface="Roboto"/>
-              <a:cs typeface="Roboto"/>
-              <a:sym typeface="Roboto"/>
+              <a:latin typeface="Roboto Thin"/>
+              <a:ea typeface="Roboto Thin"/>
+              <a:cs typeface="Roboto Thin"/>
+              <a:sym typeface="Roboto Thin"/>
             </a:endParaRPr>
           </a:p>
         </p:txBody>
@@ -10801,10 +10948,10 @@
                 <a:solidFill>
                   <a:schemeClr val="dk1"/>
                 </a:solidFill>
-                <a:latin typeface="Roboto"/>
-                <a:ea typeface="Roboto"/>
-                <a:cs typeface="Roboto"/>
-                <a:sym typeface="Roboto"/>
+                <a:latin typeface="Roboto Thin"/>
+                <a:ea typeface="Roboto Thin"/>
+                <a:cs typeface="Roboto Thin"/>
+                <a:sym typeface="Roboto Thin"/>
               </a:rPr>
               <a:t>Variables económicas</a:t>
             </a:r>
@@ -10847,10 +10994,10 @@
             </a:pPr>
             <a:r>
               <a:rPr lang="es" sz="2400">
-                <a:latin typeface="Roboto"/>
-                <a:ea typeface="Roboto"/>
-                <a:cs typeface="Roboto"/>
-                <a:sym typeface="Roboto"/>
+                <a:latin typeface="Roboto Medium"/>
+                <a:ea typeface="Roboto Medium"/>
+                <a:cs typeface="Roboto Medium"/>
+                <a:sym typeface="Roboto Medium"/>
               </a:rPr>
               <a:t>DataFrame </a:t>
             </a:r>
@@ -10862,10 +11009,10 @@
                 <a:highlight>
                   <a:srgbClr val="F5C518"/>
                 </a:highlight>
-                <a:latin typeface="Roboto"/>
-                <a:ea typeface="Roboto"/>
-                <a:cs typeface="Roboto"/>
-                <a:sym typeface="Roboto"/>
+                <a:latin typeface="Roboto Light"/>
+                <a:ea typeface="Roboto Light"/>
+                <a:cs typeface="Roboto Light"/>
+                <a:sym typeface="Roboto Light"/>
               </a:rPr>
               <a:t>movies</a:t>
             </a:r>
@@ -10876,10 +11023,10 @@
               <a:highlight>
                 <a:srgbClr val="F5C518"/>
               </a:highlight>
-              <a:latin typeface="Roboto"/>
-              <a:ea typeface="Roboto"/>
-              <a:cs typeface="Roboto"/>
-              <a:sym typeface="Roboto"/>
+              <a:latin typeface="Roboto Light"/>
+              <a:ea typeface="Roboto Light"/>
+              <a:cs typeface="Roboto Light"/>
+              <a:sym typeface="Roboto Light"/>
             </a:endParaRPr>
           </a:p>
         </p:txBody>
@@ -10918,18 +11065,18 @@
             </a:pPr>
             <a:r>
               <a:rPr lang="es">
-                <a:latin typeface="Roboto"/>
-                <a:ea typeface="Roboto"/>
-                <a:cs typeface="Roboto"/>
-                <a:sym typeface="Roboto"/>
+                <a:latin typeface="Roboto Thin"/>
+                <a:ea typeface="Roboto Thin"/>
+                <a:cs typeface="Roboto Thin"/>
+                <a:sym typeface="Roboto Thin"/>
               </a:rPr>
               <a:t>Ana Blanco Delgado | Julio 2021</a:t>
             </a:r>
             <a:endParaRPr>
-              <a:latin typeface="Roboto"/>
-              <a:ea typeface="Roboto"/>
-              <a:cs typeface="Roboto"/>
-              <a:sym typeface="Roboto"/>
+              <a:latin typeface="Roboto Thin"/>
+              <a:ea typeface="Roboto Thin"/>
+              <a:cs typeface="Roboto Thin"/>
+              <a:sym typeface="Roboto Thin"/>
             </a:endParaRPr>
           </a:p>
         </p:txBody>
@@ -10970,7 +11117,7 @@
         <p:spPr>
           <a:xfrm>
             <a:off x="702050" y="525650"/>
-            <a:ext cx="3118500" cy="411000"/>
+            <a:ext cx="7159500" cy="411000"/>
           </a:xfrm>
           <a:prstGeom prst="rect">
             <a:avLst/>
@@ -10994,12 +11141,12 @@
             </a:pPr>
             <a:r>
               <a:rPr lang="es" sz="2400">
-                <a:latin typeface="Roboto"/>
-                <a:ea typeface="Roboto"/>
-                <a:cs typeface="Roboto"/>
-                <a:sym typeface="Roboto"/>
+                <a:latin typeface="Roboto Medium"/>
+                <a:ea typeface="Roboto Medium"/>
+                <a:cs typeface="Roboto Medium"/>
+                <a:sym typeface="Roboto Medium"/>
               </a:rPr>
-              <a:t>DataFrame </a:t>
+              <a:t>Dashboard interactivo online </a:t>
             </a:r>
             <a:r>
               <a:rPr lang="es" sz="2400">
@@ -11009,12 +11156,12 @@
                 <a:highlight>
                   <a:srgbClr val="F5C518"/>
                 </a:highlight>
-                <a:latin typeface="Roboto"/>
-                <a:ea typeface="Roboto"/>
-                <a:cs typeface="Roboto"/>
-                <a:sym typeface="Roboto"/>
+                <a:latin typeface="Roboto Light"/>
+                <a:ea typeface="Roboto Light"/>
+                <a:cs typeface="Roboto Light"/>
+                <a:sym typeface="Roboto Light"/>
               </a:rPr>
-              <a:t>movies</a:t>
+              <a:t>streamlit</a:t>
             </a:r>
             <a:endParaRPr sz="2400">
               <a:solidFill>
@@ -11023,10 +11170,10 @@
               <a:highlight>
                 <a:srgbClr val="F5C518"/>
               </a:highlight>
-              <a:latin typeface="Roboto"/>
-              <a:ea typeface="Roboto"/>
-              <a:cs typeface="Roboto"/>
-              <a:sym typeface="Roboto"/>
+              <a:latin typeface="Roboto Light"/>
+              <a:ea typeface="Roboto Light"/>
+              <a:cs typeface="Roboto Light"/>
+              <a:sym typeface="Roboto Light"/>
             </a:endParaRPr>
           </a:p>
         </p:txBody>
@@ -11114,14 +11261,73 @@
             </a:pPr>
             <a:r>
               <a:rPr lang="es">
+                <a:latin typeface="Roboto Thin"/>
+                <a:ea typeface="Roboto Thin"/>
+                <a:cs typeface="Roboto Thin"/>
+                <a:sym typeface="Roboto Thin"/>
+              </a:rPr>
+              <a:t>Ana Blanco Delgado | Julio 2021</a:t>
+            </a:r>
+            <a:endParaRPr>
+              <a:latin typeface="Roboto Thin"/>
+              <a:ea typeface="Roboto Thin"/>
+              <a:cs typeface="Roboto Thin"/>
+              <a:sym typeface="Roboto Thin"/>
+            </a:endParaRPr>
+          </a:p>
+        </p:txBody>
+      </p:sp>
+      <p:sp>
+        <p:nvSpPr>
+          <p:cNvPr id="230" name="Google Shape;230;p28"/>
+          <p:cNvSpPr txBox="1"/>
+          <p:nvPr/>
+        </p:nvSpPr>
+        <p:spPr>
+          <a:xfrm>
+            <a:off x="672975" y="2371650"/>
+            <a:ext cx="7690800" cy="400200"/>
+          </a:xfrm>
+          <a:prstGeom prst="rect">
+            <a:avLst/>
+          </a:prstGeom>
+          <a:noFill/>
+          <a:ln>
+            <a:noFill/>
+          </a:ln>
+        </p:spPr>
+        <p:txBody>
+          <a:bodyPr anchorCtr="0" anchor="t" bIns="91425" lIns="91425" spcFirstLastPara="1" rIns="91425" wrap="square" tIns="91425">
+            <a:spAutoFit/>
+          </a:bodyPr>
+          <a:lstStyle/>
+          <a:p>
+            <a:pPr indent="0" lvl="0" marL="0" rtl="0" algn="ctr">
+              <a:spcBef>
+                <a:spcPts val="0"/>
+              </a:spcBef>
+              <a:spcAft>
+                <a:spcPts val="0"/>
+              </a:spcAft>
+              <a:buNone/>
+            </a:pPr>
+            <a:r>
+              <a:rPr lang="es" u="sng">
+                <a:solidFill>
+                  <a:schemeClr val="hlink"/>
+                </a:solidFill>
                 <a:latin typeface="Roboto"/>
                 <a:ea typeface="Roboto"/>
                 <a:cs typeface="Roboto"/>
                 <a:sym typeface="Roboto"/>
+                <a:hlinkClick r:id="rId3"/>
               </a:rPr>
-              <a:t>Ana Blanco Delgado | Julio 2021</a:t>
+              <a:t>https://share.streamlit.io/casiopa/eda-imdb/main/src/utils/streamlit/EDA_IMDb_main.py</a:t>
             </a:r>
             <a:endParaRPr>
+              <a:solidFill>
+                <a:schemeClr val="dk1"/>
+              </a:solidFill>
               <a:latin typeface="Roboto"/>
               <a:ea typeface="Roboto"/>
               <a:cs typeface="Roboto"/>
@@ -11130,34 +11336,6 @@
           </a:p>
         </p:txBody>
       </p:sp>
-      <p:pic>
-        <p:nvPicPr>
-          <p:cNvPr id="230" name="Google Shape;230;p28"/>
-          <p:cNvPicPr preferRelativeResize="0"/>
-          <p:nvPr/>
-        </p:nvPicPr>
-        <p:blipFill>
-          <a:blip r:embed="rId3">
-            <a:alphaModFix/>
-          </a:blip>
-          <a:stretch>
-            <a:fillRect/>
-          </a:stretch>
-        </p:blipFill>
-        <p:spPr>
-          <a:xfrm>
-            <a:off x="1450363" y="921950"/>
-            <a:ext cx="6243280" cy="3902050"/>
-          </a:xfrm>
-          <a:prstGeom prst="rect">
-            <a:avLst/>
-          </a:prstGeom>
-          <a:noFill/>
-          <a:ln>
-            <a:noFill/>
-          </a:ln>
-        </p:spPr>
-      </p:pic>
     </p:spTree>
   </p:cSld>
   <p:clrMapOvr>
@@ -11187,6 +11365,64 @@
         <p:nvSpPr>
           <p:cNvPr id="235" name="Google Shape;235;p29"/>
           <p:cNvSpPr txBox="1"/>
+          <p:nvPr/>
+        </p:nvSpPr>
+        <p:spPr>
+          <a:xfrm>
+            <a:off x="1824750" y="2117700"/>
+            <a:ext cx="5494500" cy="908100"/>
+          </a:xfrm>
+          <a:prstGeom prst="rect">
+            <a:avLst/>
+          </a:prstGeom>
+          <a:noFill/>
+          <a:ln>
+            <a:noFill/>
+          </a:ln>
+        </p:spPr>
+        <p:txBody>
+          <a:bodyPr anchorCtr="0" anchor="t" bIns="91425" lIns="91425" spcFirstLastPara="1" rIns="91425" wrap="square" tIns="91425">
+            <a:spAutoFit/>
+          </a:bodyPr>
+          <a:lstStyle/>
+          <a:p>
+            <a:pPr indent="0" lvl="0" marL="0" rtl="0" algn="ctr">
+              <a:spcBef>
+                <a:spcPts val="0"/>
+              </a:spcBef>
+              <a:spcAft>
+                <a:spcPts val="0"/>
+              </a:spcAft>
+              <a:buNone/>
+            </a:pPr>
+            <a:r>
+              <a:rPr lang="es" sz="4700">
+                <a:solidFill>
+                  <a:srgbClr val="F5C518"/>
+                </a:solidFill>
+                <a:latin typeface="Roboto Thin"/>
+                <a:ea typeface="Roboto Thin"/>
+                <a:cs typeface="Roboto Thin"/>
+                <a:sym typeface="Roboto Thin"/>
+              </a:rPr>
+              <a:t>Gracias</a:t>
+            </a:r>
+            <a:endParaRPr sz="4700">
+              <a:solidFill>
+                <a:srgbClr val="F5C518"/>
+              </a:solidFill>
+              <a:latin typeface="Roboto Thin"/>
+              <a:ea typeface="Roboto Thin"/>
+              <a:cs typeface="Roboto Thin"/>
+              <a:sym typeface="Roboto Thin"/>
+            </a:endParaRPr>
+          </a:p>
+        </p:txBody>
+      </p:sp>
+      <p:sp>
+        <p:nvSpPr>
+          <p:cNvPr id="236" name="Google Shape;236;p29"/>
+          <p:cNvSpPr txBox="1"/>
           <p:nvPr>
             <p:ph idx="1" type="subTitle"/>
           </p:nvPr>
@@ -11217,25 +11453,25 @@
             </a:pPr>
             <a:r>
               <a:rPr lang="es">
-                <a:latin typeface="Roboto"/>
-                <a:ea typeface="Roboto"/>
-                <a:cs typeface="Roboto"/>
-                <a:sym typeface="Roboto"/>
+                <a:latin typeface="Roboto Thin"/>
+                <a:ea typeface="Roboto Thin"/>
+                <a:cs typeface="Roboto Thin"/>
+                <a:sym typeface="Roboto Thin"/>
               </a:rPr>
               <a:t>Ana Blanco Delgado | Julio 2021</a:t>
             </a:r>
             <a:endParaRPr>
-              <a:latin typeface="Roboto"/>
-              <a:ea typeface="Roboto"/>
-              <a:cs typeface="Roboto"/>
-              <a:sym typeface="Roboto"/>
+              <a:latin typeface="Roboto Thin"/>
+              <a:ea typeface="Roboto Thin"/>
+              <a:cs typeface="Roboto Thin"/>
+              <a:sym typeface="Roboto Thin"/>
             </a:endParaRPr>
           </a:p>
         </p:txBody>
       </p:sp>
       <p:pic>
         <p:nvPicPr>
-          <p:cNvPr id="236" name="Google Shape;236;p29"/>
+          <p:cNvPr id="237" name="Google Shape;237;p29"/>
           <p:cNvPicPr preferRelativeResize="0"/>
           <p:nvPr/>
         </p:nvPicPr>
@@ -11249,8 +11485,8 @@
         </p:blipFill>
         <p:spPr>
           <a:xfrm>
-            <a:off x="927650" y="1165250"/>
-            <a:ext cx="7175304" cy="3321900"/>
+            <a:off x="2652075" y="3912300"/>
+            <a:ext cx="304800" cy="304800"/>
           </a:xfrm>
           <a:prstGeom prst="rect">
             <a:avLst/>
@@ -11263,209 +11499,14 @@
       </p:pic>
       <p:sp>
         <p:nvSpPr>
-          <p:cNvPr id="237" name="Google Shape;237;p29"/>
-          <p:cNvSpPr txBox="1"/>
-          <p:nvPr>
-            <p:ph type="ctrTitle"/>
-          </p:nvPr>
-        </p:nvSpPr>
-        <p:spPr>
-          <a:xfrm>
-            <a:off x="702050" y="525650"/>
-            <a:ext cx="3118500" cy="411000"/>
-          </a:xfrm>
-          <a:prstGeom prst="rect">
-            <a:avLst/>
-          </a:prstGeom>
-        </p:spPr>
-        <p:txBody>
-          <a:bodyPr anchorCtr="0" anchor="b" bIns="0" lIns="0" spcFirstLastPara="1" rIns="0" wrap="square" tIns="0">
-            <a:noAutofit/>
-          </a:bodyPr>
-          <a:lstStyle/>
-          <a:p>
-            <a:pPr indent="0" lvl="0" marL="0" rtl="0" algn="l">
-              <a:spcBef>
-                <a:spcPts val="0"/>
-              </a:spcBef>
-              <a:spcAft>
-                <a:spcPts val="0"/>
-              </a:spcAft>
-              <a:buSzPts val="891"/>
-              <a:buNone/>
-            </a:pPr>
-            <a:r>
-              <a:rPr lang="es" sz="2400">
-                <a:latin typeface="Roboto"/>
-                <a:ea typeface="Roboto"/>
-                <a:cs typeface="Roboto"/>
-                <a:sym typeface="Roboto"/>
-              </a:rPr>
-              <a:t>DataFrame </a:t>
-            </a:r>
-            <a:r>
-              <a:rPr lang="es" sz="2400">
-                <a:solidFill>
-                  <a:srgbClr val="434343"/>
-                </a:solidFill>
-                <a:highlight>
-                  <a:srgbClr val="F5C518"/>
-                </a:highlight>
-                <a:latin typeface="Roboto"/>
-                <a:ea typeface="Roboto"/>
-                <a:cs typeface="Roboto"/>
-                <a:sym typeface="Roboto"/>
-              </a:rPr>
-              <a:t>movies</a:t>
-            </a:r>
-            <a:endParaRPr sz="2400">
-              <a:solidFill>
-                <a:srgbClr val="434343"/>
-              </a:solidFill>
-              <a:highlight>
-                <a:srgbClr val="F5C518"/>
-              </a:highlight>
-              <a:latin typeface="Roboto"/>
-              <a:ea typeface="Roboto"/>
-              <a:cs typeface="Roboto"/>
-              <a:sym typeface="Roboto"/>
-            </a:endParaRPr>
-          </a:p>
-        </p:txBody>
-      </p:sp>
-      <p:sp>
-        <p:nvSpPr>
           <p:cNvPr id="238" name="Google Shape;238;p29"/>
-          <p:cNvSpPr/>
-          <p:nvPr/>
-        </p:nvSpPr>
-        <p:spPr>
-          <a:xfrm>
-            <a:off x="557925" y="540350"/>
-            <a:ext cx="70800" cy="381600"/>
-          </a:xfrm>
-          <a:prstGeom prst="rect">
-            <a:avLst/>
-          </a:prstGeom>
-          <a:solidFill>
-            <a:srgbClr val="F5C518"/>
-          </a:solidFill>
-          <a:ln cap="flat" cmpd="sng" w="9525">
-            <a:solidFill>
-              <a:schemeClr val="dk2"/>
-            </a:solidFill>
-            <a:prstDash val="solid"/>
-            <a:round/>
-            <a:headEnd len="sm" w="sm" type="none"/>
-            <a:tailEnd len="sm" w="sm" type="none"/>
-          </a:ln>
-        </p:spPr>
-        <p:txBody>
-          <a:bodyPr anchorCtr="0" anchor="ctr" bIns="91425" lIns="91425" spcFirstLastPara="1" rIns="91425" wrap="square" tIns="91425">
-            <a:noAutofit/>
-          </a:bodyPr>
-          <a:lstStyle/>
-          <a:p>
-            <a:pPr indent="0" lvl="0" marL="0" rtl="0" algn="l">
-              <a:spcBef>
-                <a:spcPts val="0"/>
-              </a:spcBef>
-              <a:spcAft>
-                <a:spcPts val="0"/>
-              </a:spcAft>
-              <a:buNone/>
-            </a:pPr>
-            <a:r>
-              <a:t/>
-            </a:r>
-            <a:endParaRPr/>
-          </a:p>
-        </p:txBody>
-      </p:sp>
-    </p:spTree>
-  </p:cSld>
-  <p:clrMapOvr>
-    <a:masterClrMapping/>
-  </p:clrMapOvr>
-</p:sld>
-</file>
-
-<file path=ppt/slides/slide18.xml><?xml version="1.0" encoding="utf-8"?>
-<p:sld xmlns:a="http://schemas.openxmlformats.org/drawingml/2006/main" xmlns:r="http://schemas.openxmlformats.org/officeDocument/2006/relationships" xmlns:mc="http://schemas.openxmlformats.org/markup-compatibility/2006" xmlns:mv="urn:schemas-microsoft-com:mac:vml" xmlns:p="http://schemas.openxmlformats.org/presentationml/2006/main" xmlns:c="http://schemas.openxmlformats.org/drawingml/2006/chart" xmlns:dgm="http://schemas.openxmlformats.org/drawingml/2006/diagram" xmlns:o="urn:schemas-microsoft-com:office:office" xmlns:v="urn:schemas-microsoft-com:vml" xmlns:pvml="urn:schemas-microsoft-com:office:powerpoint" xmlns:com="http://schemas.openxmlformats.org/drawingml/2006/compatibility" xmlns:p14="http://schemas.microsoft.com/office/powerpoint/2010/main" xmlns:p15="http://schemas.microsoft.com/office/powerpoint/2012/main" xmlns:ahyp="http://schemas.microsoft.com/office/drawing/2018/hyperlinkcolor">
-  <p:cSld>
-    <p:spTree>
-      <p:nvGrpSpPr>
-        <p:cNvPr id="242" name="Shape 242"/>
-        <p:cNvGrpSpPr/>
-        <p:nvPr/>
-      </p:nvGrpSpPr>
-      <p:grpSpPr>
-        <a:xfrm>
-          <a:off x="0" y="0"/>
-          <a:ext cx="0" cy="0"/>
-          <a:chOff x="0" y="0"/>
-          <a:chExt cx="0" cy="0"/>
-        </a:xfrm>
-      </p:grpSpPr>
-      <p:sp>
-        <p:nvSpPr>
-          <p:cNvPr id="243" name="Google Shape;243;p30"/>
-          <p:cNvSpPr/>
-          <p:nvPr/>
-        </p:nvSpPr>
-        <p:spPr>
-          <a:xfrm>
-            <a:off x="557925" y="540350"/>
-            <a:ext cx="70800" cy="381600"/>
-          </a:xfrm>
-          <a:prstGeom prst="rect">
-            <a:avLst/>
-          </a:prstGeom>
-          <a:solidFill>
-            <a:srgbClr val="F5C518"/>
-          </a:solidFill>
-          <a:ln cap="flat" cmpd="sng" w="9525">
-            <a:solidFill>
-              <a:schemeClr val="dk2"/>
-            </a:solidFill>
-            <a:prstDash val="solid"/>
-            <a:round/>
-            <a:headEnd len="sm" w="sm" type="none"/>
-            <a:tailEnd len="sm" w="sm" type="none"/>
-          </a:ln>
-        </p:spPr>
-        <p:txBody>
-          <a:bodyPr anchorCtr="0" anchor="ctr" bIns="91425" lIns="91425" spcFirstLastPara="1" rIns="91425" wrap="square" tIns="91425">
-            <a:noAutofit/>
-          </a:bodyPr>
-          <a:lstStyle/>
-          <a:p>
-            <a:pPr indent="0" lvl="0" marL="0" rtl="0" algn="l">
-              <a:spcBef>
-                <a:spcPts val="0"/>
-              </a:spcBef>
-              <a:spcAft>
-                <a:spcPts val="0"/>
-              </a:spcAft>
-              <a:buNone/>
-            </a:pPr>
-            <a:r>
-              <a:t/>
-            </a:r>
-            <a:endParaRPr/>
-          </a:p>
-        </p:txBody>
-      </p:sp>
-      <p:sp>
-        <p:nvSpPr>
-          <p:cNvPr id="244" name="Google Shape;244;p30"/>
           <p:cNvSpPr txBox="1"/>
           <p:nvPr/>
         </p:nvSpPr>
         <p:spPr>
           <a:xfrm>
-            <a:off x="628725" y="936650"/>
-            <a:ext cx="2379300" cy="800400"/>
+            <a:off x="3009500" y="3780000"/>
+            <a:ext cx="3633900" cy="569400"/>
           </a:xfrm>
           <a:prstGeom prst="rect">
             <a:avLst/>
@@ -11482,9 +11523,6 @@
           <a:lstStyle/>
           <a:p>
             <a:pPr indent="0" lvl="0" marL="0" rtl="0" algn="l">
-              <a:lnSpc>
-                <a:spcPct val="100000"/>
-              </a:lnSpc>
               <a:spcBef>
                 <a:spcPts val="0"/>
               </a:spcBef>
@@ -11494,354 +11532,29 @@
               <a:buNone/>
             </a:pPr>
             <a:r>
-              <a:rPr lang="es" sz="2000">
+              <a:rPr lang="es" sz="2500">
                 <a:solidFill>
                   <a:schemeClr val="dk1"/>
                 </a:solidFill>
-                <a:latin typeface="Roboto"/>
-                <a:ea typeface="Roboto"/>
-                <a:cs typeface="Roboto"/>
-                <a:sym typeface="Roboto"/>
+                <a:latin typeface="Roboto Thin"/>
+                <a:ea typeface="Roboto Thin"/>
+                <a:cs typeface="Roboto Thin"/>
+                <a:sym typeface="Roboto Thin"/>
               </a:rPr>
-              <a:t>Relación Valoraciones</a:t>
-            </a:r>
-            <a:endParaRPr/>
-          </a:p>
-        </p:txBody>
-      </p:sp>
-      <p:sp>
-        <p:nvSpPr>
-          <p:cNvPr id="245" name="Google Shape;245;p30"/>
-          <p:cNvSpPr txBox="1"/>
-          <p:nvPr>
-            <p:ph type="ctrTitle"/>
-          </p:nvPr>
-        </p:nvSpPr>
-        <p:spPr>
-          <a:xfrm>
-            <a:off x="702050" y="525650"/>
-            <a:ext cx="3118500" cy="411000"/>
-          </a:xfrm>
-          <a:prstGeom prst="rect">
-            <a:avLst/>
-          </a:prstGeom>
-        </p:spPr>
-        <p:txBody>
-          <a:bodyPr anchorCtr="0" anchor="b" bIns="0" lIns="0" spcFirstLastPara="1" rIns="0" wrap="square" tIns="0">
-            <a:noAutofit/>
-          </a:bodyPr>
-          <a:lstStyle/>
-          <a:p>
-            <a:pPr indent="0" lvl="0" marL="0" rtl="0" algn="l">
-              <a:spcBef>
-                <a:spcPts val="0"/>
-              </a:spcBef>
-              <a:spcAft>
-                <a:spcPts val="0"/>
-              </a:spcAft>
-              <a:buSzPts val="891"/>
-              <a:buNone/>
-            </a:pPr>
-            <a:r>
-              <a:rPr lang="es" sz="2400">
-                <a:latin typeface="Roboto"/>
-                <a:ea typeface="Roboto"/>
-                <a:cs typeface="Roboto"/>
-                <a:sym typeface="Roboto"/>
-              </a:rPr>
-              <a:t>DataFrame </a:t>
-            </a:r>
-            <a:r>
-              <a:rPr lang="es" sz="2400">
-                <a:solidFill>
-                  <a:srgbClr val="434343"/>
-                </a:solidFill>
-                <a:highlight>
-                  <a:srgbClr val="F5C518"/>
-                </a:highlight>
-                <a:latin typeface="Roboto"/>
-                <a:ea typeface="Roboto"/>
-                <a:cs typeface="Roboto"/>
-                <a:sym typeface="Roboto"/>
-              </a:rPr>
-              <a:t>movies</a:t>
-            </a:r>
-            <a:endParaRPr sz="2400">
+              <a:t>https://casiopa.github.io/</a:t>
+            </a:r>
+            <a:endParaRPr sz="2500">
               <a:solidFill>
-                <a:srgbClr val="434343"/>
+                <a:schemeClr val="dk1"/>
               </a:solidFill>
-              <a:highlight>
-                <a:srgbClr val="F5C518"/>
-              </a:highlight>
-              <a:latin typeface="Roboto"/>
-              <a:ea typeface="Roboto"/>
-              <a:cs typeface="Roboto"/>
-              <a:sym typeface="Roboto"/>
+              <a:latin typeface="Roboto Thin"/>
+              <a:ea typeface="Roboto Thin"/>
+              <a:cs typeface="Roboto Thin"/>
+              <a:sym typeface="Roboto Thin"/>
             </a:endParaRPr>
           </a:p>
         </p:txBody>
       </p:sp>
-      <p:pic>
-        <p:nvPicPr>
-          <p:cNvPr id="246" name="Google Shape;246;p30"/>
-          <p:cNvPicPr preferRelativeResize="0"/>
-          <p:nvPr/>
-        </p:nvPicPr>
-        <p:blipFill rotWithShape="1">
-          <a:blip r:embed="rId3">
-            <a:alphaModFix/>
-          </a:blip>
-          <a:srcRect b="0" l="0" r="0" t="0"/>
-          <a:stretch/>
-        </p:blipFill>
-        <p:spPr>
-          <a:xfrm>
-            <a:off x="4000500" y="8975"/>
-            <a:ext cx="5143500" cy="5143500"/>
-          </a:xfrm>
-          <a:prstGeom prst="rect">
-            <a:avLst/>
-          </a:prstGeom>
-          <a:noFill/>
-          <a:ln>
-            <a:noFill/>
-          </a:ln>
-        </p:spPr>
-      </p:pic>
-    </p:spTree>
-  </p:cSld>
-  <p:clrMapOvr>
-    <a:masterClrMapping/>
-  </p:clrMapOvr>
-</p:sld>
-</file>
-
-<file path=ppt/slides/slide19.xml><?xml version="1.0" encoding="utf-8"?>
-<p:sld xmlns:a="http://schemas.openxmlformats.org/drawingml/2006/main" xmlns:r="http://schemas.openxmlformats.org/officeDocument/2006/relationships" xmlns:mc="http://schemas.openxmlformats.org/markup-compatibility/2006" xmlns:mv="urn:schemas-microsoft-com:mac:vml" xmlns:p="http://schemas.openxmlformats.org/presentationml/2006/main" xmlns:c="http://schemas.openxmlformats.org/drawingml/2006/chart" xmlns:dgm="http://schemas.openxmlformats.org/drawingml/2006/diagram" xmlns:o="urn:schemas-microsoft-com:office:office" xmlns:v="urn:schemas-microsoft-com:vml" xmlns:pvml="urn:schemas-microsoft-com:office:powerpoint" xmlns:com="http://schemas.openxmlformats.org/drawingml/2006/compatibility" xmlns:p14="http://schemas.microsoft.com/office/powerpoint/2010/main" xmlns:p15="http://schemas.microsoft.com/office/powerpoint/2012/main" xmlns:ahyp="http://schemas.microsoft.com/office/drawing/2018/hyperlinkcolor">
-  <p:cSld>
-    <p:spTree>
-      <p:nvGrpSpPr>
-        <p:cNvPr id="250" name="Shape 250"/>
-        <p:cNvGrpSpPr/>
-        <p:nvPr/>
-      </p:nvGrpSpPr>
-      <p:grpSpPr>
-        <a:xfrm>
-          <a:off x="0" y="0"/>
-          <a:ext cx="0" cy="0"/>
-          <a:chOff x="0" y="0"/>
-          <a:chExt cx="0" cy="0"/>
-        </a:xfrm>
-      </p:grpSpPr>
-      <p:sp>
-        <p:nvSpPr>
-          <p:cNvPr id="251" name="Google Shape;251;p31"/>
-          <p:cNvSpPr/>
-          <p:nvPr/>
-        </p:nvSpPr>
-        <p:spPr>
-          <a:xfrm>
-            <a:off x="557925" y="540350"/>
-            <a:ext cx="70800" cy="381600"/>
-          </a:xfrm>
-          <a:prstGeom prst="rect">
-            <a:avLst/>
-          </a:prstGeom>
-          <a:solidFill>
-            <a:srgbClr val="F5C518"/>
-          </a:solidFill>
-          <a:ln cap="flat" cmpd="sng" w="9525">
-            <a:solidFill>
-              <a:schemeClr val="dk2"/>
-            </a:solidFill>
-            <a:prstDash val="solid"/>
-            <a:round/>
-            <a:headEnd len="sm" w="sm" type="none"/>
-            <a:tailEnd len="sm" w="sm" type="none"/>
-          </a:ln>
-        </p:spPr>
-        <p:txBody>
-          <a:bodyPr anchorCtr="0" anchor="ctr" bIns="91425" lIns="91425" spcFirstLastPara="1" rIns="91425" wrap="square" tIns="91425">
-            <a:noAutofit/>
-          </a:bodyPr>
-          <a:lstStyle/>
-          <a:p>
-            <a:pPr indent="0" lvl="0" marL="0" rtl="0" algn="l">
-              <a:spcBef>
-                <a:spcPts val="0"/>
-              </a:spcBef>
-              <a:spcAft>
-                <a:spcPts val="0"/>
-              </a:spcAft>
-              <a:buNone/>
-            </a:pPr>
-            <a:r>
-              <a:t/>
-            </a:r>
-            <a:endParaRPr/>
-          </a:p>
-        </p:txBody>
-      </p:sp>
-      <p:sp>
-        <p:nvSpPr>
-          <p:cNvPr id="252" name="Google Shape;252;p31"/>
-          <p:cNvSpPr txBox="1"/>
-          <p:nvPr/>
-        </p:nvSpPr>
-        <p:spPr>
-          <a:xfrm>
-            <a:off x="628725" y="936650"/>
-            <a:ext cx="2539500" cy="1108200"/>
-          </a:xfrm>
-          <a:prstGeom prst="rect">
-            <a:avLst/>
-          </a:prstGeom>
-          <a:noFill/>
-          <a:ln>
-            <a:noFill/>
-          </a:ln>
-        </p:spPr>
-        <p:txBody>
-          <a:bodyPr anchorCtr="0" anchor="t" bIns="91425" lIns="91425" spcFirstLastPara="1" rIns="91425" wrap="square" tIns="91425">
-            <a:spAutoFit/>
-          </a:bodyPr>
-          <a:lstStyle/>
-          <a:p>
-            <a:pPr indent="0" lvl="0" marL="0" rtl="0" algn="l">
-              <a:lnSpc>
-                <a:spcPct val="100000"/>
-              </a:lnSpc>
-              <a:spcBef>
-                <a:spcPts val="0"/>
-              </a:spcBef>
-              <a:spcAft>
-                <a:spcPts val="0"/>
-              </a:spcAft>
-              <a:buNone/>
-            </a:pPr>
-            <a:r>
-              <a:rPr lang="es" sz="2000">
-                <a:solidFill>
-                  <a:schemeClr val="dk1"/>
-                </a:solidFill>
-                <a:latin typeface="Roboto"/>
-                <a:ea typeface="Roboto"/>
-                <a:cs typeface="Roboto"/>
-                <a:sym typeface="Roboto"/>
-              </a:rPr>
-              <a:t>Relación valoraciones y presupuesto</a:t>
-            </a:r>
-            <a:endParaRPr sz="2000">
-              <a:solidFill>
-                <a:schemeClr val="dk1"/>
-              </a:solidFill>
-              <a:latin typeface="Roboto"/>
-              <a:ea typeface="Roboto"/>
-              <a:cs typeface="Roboto"/>
-              <a:sym typeface="Roboto"/>
-            </a:endParaRPr>
-          </a:p>
-        </p:txBody>
-      </p:sp>
-      <p:sp>
-        <p:nvSpPr>
-          <p:cNvPr id="253" name="Google Shape;253;p31"/>
-          <p:cNvSpPr txBox="1"/>
-          <p:nvPr>
-            <p:ph type="ctrTitle"/>
-          </p:nvPr>
-        </p:nvSpPr>
-        <p:spPr>
-          <a:xfrm>
-            <a:off x="702050" y="525650"/>
-            <a:ext cx="3118500" cy="411000"/>
-          </a:xfrm>
-          <a:prstGeom prst="rect">
-            <a:avLst/>
-          </a:prstGeom>
-        </p:spPr>
-        <p:txBody>
-          <a:bodyPr anchorCtr="0" anchor="b" bIns="0" lIns="0" spcFirstLastPara="1" rIns="0" wrap="square" tIns="0">
-            <a:noAutofit/>
-          </a:bodyPr>
-          <a:lstStyle/>
-          <a:p>
-            <a:pPr indent="0" lvl="0" marL="0" rtl="0" algn="l">
-              <a:spcBef>
-                <a:spcPts val="0"/>
-              </a:spcBef>
-              <a:spcAft>
-                <a:spcPts val="0"/>
-              </a:spcAft>
-              <a:buSzPts val="891"/>
-              <a:buNone/>
-            </a:pPr>
-            <a:r>
-              <a:rPr lang="es" sz="2400">
-                <a:latin typeface="Roboto"/>
-                <a:ea typeface="Roboto"/>
-                <a:cs typeface="Roboto"/>
-                <a:sym typeface="Roboto"/>
-              </a:rPr>
-              <a:t>DataFrame </a:t>
-            </a:r>
-            <a:r>
-              <a:rPr lang="es" sz="2400">
-                <a:solidFill>
-                  <a:srgbClr val="434343"/>
-                </a:solidFill>
-                <a:highlight>
-                  <a:srgbClr val="F5C518"/>
-                </a:highlight>
-                <a:latin typeface="Roboto"/>
-                <a:ea typeface="Roboto"/>
-                <a:cs typeface="Roboto"/>
-                <a:sym typeface="Roboto"/>
-              </a:rPr>
-              <a:t>movies</a:t>
-            </a:r>
-            <a:endParaRPr sz="2400">
-              <a:solidFill>
-                <a:srgbClr val="434343"/>
-              </a:solidFill>
-              <a:highlight>
-                <a:srgbClr val="F5C518"/>
-              </a:highlight>
-              <a:latin typeface="Roboto"/>
-              <a:ea typeface="Roboto"/>
-              <a:cs typeface="Roboto"/>
-              <a:sym typeface="Roboto"/>
-            </a:endParaRPr>
-          </a:p>
-        </p:txBody>
-      </p:sp>
-      <p:pic>
-        <p:nvPicPr>
-          <p:cNvPr id="254" name="Google Shape;254;p31"/>
-          <p:cNvPicPr preferRelativeResize="0"/>
-          <p:nvPr/>
-        </p:nvPicPr>
-        <p:blipFill rotWithShape="1">
-          <a:blip r:embed="rId3">
-            <a:alphaModFix/>
-          </a:blip>
-          <a:srcRect b="0" l="0" r="0" t="0"/>
-          <a:stretch/>
-        </p:blipFill>
-        <p:spPr>
-          <a:xfrm>
-            <a:off x="4000500" y="8975"/>
-            <a:ext cx="5143500" cy="5143500"/>
-          </a:xfrm>
-          <a:prstGeom prst="rect">
-            <a:avLst/>
-          </a:prstGeom>
-          <a:noFill/>
-          <a:ln>
-            <a:noFill/>
-          </a:ln>
-        </p:spPr>
-      </p:pic>
     </p:spTree>
   </p:cSld>
   <p:clrMapOvr>
@@ -11934,10 +11647,10 @@
                 <a:solidFill>
                   <a:schemeClr val="dk1"/>
                 </a:solidFill>
-                <a:latin typeface="Roboto"/>
-                <a:ea typeface="Roboto"/>
-                <a:cs typeface="Roboto"/>
-                <a:sym typeface="Roboto"/>
+                <a:latin typeface="Roboto Thin"/>
+                <a:ea typeface="Roboto Thin"/>
+                <a:cs typeface="Roboto Thin"/>
+                <a:sym typeface="Roboto Thin"/>
               </a:rPr>
               <a:t>CINE COMERCIAL</a:t>
             </a:r>
@@ -11945,463 +11658,10 @@
               <a:solidFill>
                 <a:schemeClr val="dk1"/>
               </a:solidFill>
-              <a:latin typeface="Roboto"/>
-              <a:ea typeface="Roboto"/>
-              <a:cs typeface="Roboto"/>
-              <a:sym typeface="Roboto"/>
-            </a:endParaRPr>
-          </a:p>
-        </p:txBody>
-      </p:sp>
-    </p:spTree>
-  </p:cSld>
-  <p:clrMapOvr>
-    <a:masterClrMapping/>
-  </p:clrMapOvr>
-</p:sld>
-</file>
-
-<file path=ppt/slides/slide20.xml><?xml version="1.0" encoding="utf-8"?>
-<p:sld xmlns:a="http://schemas.openxmlformats.org/drawingml/2006/main" xmlns:r="http://schemas.openxmlformats.org/officeDocument/2006/relationships" xmlns:mc="http://schemas.openxmlformats.org/markup-compatibility/2006" xmlns:mv="urn:schemas-microsoft-com:mac:vml" xmlns:p="http://schemas.openxmlformats.org/presentationml/2006/main" xmlns:c="http://schemas.openxmlformats.org/drawingml/2006/chart" xmlns:dgm="http://schemas.openxmlformats.org/drawingml/2006/diagram" xmlns:o="urn:schemas-microsoft-com:office:office" xmlns:v="urn:schemas-microsoft-com:vml" xmlns:pvml="urn:schemas-microsoft-com:office:powerpoint" xmlns:com="http://schemas.openxmlformats.org/drawingml/2006/compatibility" xmlns:p14="http://schemas.microsoft.com/office/powerpoint/2010/main" xmlns:p15="http://schemas.microsoft.com/office/powerpoint/2012/main" xmlns:ahyp="http://schemas.microsoft.com/office/drawing/2018/hyperlinkcolor">
-  <p:cSld>
-    <p:spTree>
-      <p:nvGrpSpPr>
-        <p:cNvPr id="258" name="Shape 258"/>
-        <p:cNvGrpSpPr/>
-        <p:nvPr/>
-      </p:nvGrpSpPr>
-      <p:grpSpPr>
-        <a:xfrm>
-          <a:off x="0" y="0"/>
-          <a:ext cx="0" cy="0"/>
-          <a:chOff x="0" y="0"/>
-          <a:chExt cx="0" cy="0"/>
-        </a:xfrm>
-      </p:grpSpPr>
-      <p:sp>
-        <p:nvSpPr>
-          <p:cNvPr id="259" name="Google Shape;259;p32"/>
-          <p:cNvSpPr/>
-          <p:nvPr/>
-        </p:nvSpPr>
-        <p:spPr>
-          <a:xfrm>
-            <a:off x="557925" y="540350"/>
-            <a:ext cx="70800" cy="381600"/>
-          </a:xfrm>
-          <a:prstGeom prst="rect">
-            <a:avLst/>
-          </a:prstGeom>
-          <a:solidFill>
-            <a:srgbClr val="F5C518"/>
-          </a:solidFill>
-          <a:ln cap="flat" cmpd="sng" w="9525">
-            <a:solidFill>
-              <a:schemeClr val="dk2"/>
-            </a:solidFill>
-            <a:prstDash val="solid"/>
-            <a:round/>
-            <a:headEnd len="sm" w="sm" type="none"/>
-            <a:tailEnd len="sm" w="sm" type="none"/>
-          </a:ln>
-        </p:spPr>
-        <p:txBody>
-          <a:bodyPr anchorCtr="0" anchor="ctr" bIns="91425" lIns="91425" spcFirstLastPara="1" rIns="91425" wrap="square" tIns="91425">
-            <a:noAutofit/>
-          </a:bodyPr>
-          <a:lstStyle/>
-          <a:p>
-            <a:pPr indent="0" lvl="0" marL="0" rtl="0" algn="l">
-              <a:spcBef>
-                <a:spcPts val="0"/>
-              </a:spcBef>
-              <a:spcAft>
-                <a:spcPts val="0"/>
-              </a:spcAft>
-              <a:buNone/>
-            </a:pPr>
-            <a:r>
-              <a:t/>
-            </a:r>
-            <a:endParaRPr/>
-          </a:p>
-        </p:txBody>
-      </p:sp>
-      <p:sp>
-        <p:nvSpPr>
-          <p:cNvPr id="260" name="Google Shape;260;p32"/>
-          <p:cNvSpPr txBox="1"/>
-          <p:nvPr/>
-        </p:nvSpPr>
-        <p:spPr>
-          <a:xfrm>
-            <a:off x="628725" y="936650"/>
-            <a:ext cx="2539500" cy="1108200"/>
-          </a:xfrm>
-          <a:prstGeom prst="rect">
-            <a:avLst/>
-          </a:prstGeom>
-          <a:noFill/>
-          <a:ln>
-            <a:noFill/>
-          </a:ln>
-        </p:spPr>
-        <p:txBody>
-          <a:bodyPr anchorCtr="0" anchor="t" bIns="91425" lIns="91425" spcFirstLastPara="1" rIns="91425" wrap="square" tIns="91425">
-            <a:spAutoFit/>
-          </a:bodyPr>
-          <a:lstStyle/>
-          <a:p>
-            <a:pPr indent="0" lvl="0" marL="0" rtl="0" algn="l">
-              <a:lnSpc>
-                <a:spcPct val="100000"/>
-              </a:lnSpc>
-              <a:spcBef>
-                <a:spcPts val="0"/>
-              </a:spcBef>
-              <a:spcAft>
-                <a:spcPts val="0"/>
-              </a:spcAft>
-              <a:buNone/>
-            </a:pPr>
-            <a:r>
-              <a:rPr lang="es" sz="2000">
-                <a:solidFill>
-                  <a:schemeClr val="dk1"/>
-                </a:solidFill>
-                <a:latin typeface="Roboto"/>
-                <a:ea typeface="Roboto"/>
-                <a:cs typeface="Roboto"/>
-                <a:sym typeface="Roboto"/>
-              </a:rPr>
-              <a:t>Relación valoraciones y beneficio</a:t>
-            </a:r>
-            <a:endParaRPr sz="2000">
-              <a:solidFill>
-                <a:schemeClr val="dk1"/>
-              </a:solidFill>
-              <a:latin typeface="Roboto"/>
-              <a:ea typeface="Roboto"/>
-              <a:cs typeface="Roboto"/>
-              <a:sym typeface="Roboto"/>
-            </a:endParaRPr>
-          </a:p>
-        </p:txBody>
-      </p:sp>
-      <p:sp>
-        <p:nvSpPr>
-          <p:cNvPr id="261" name="Google Shape;261;p32"/>
-          <p:cNvSpPr txBox="1"/>
-          <p:nvPr>
-            <p:ph type="ctrTitle"/>
-          </p:nvPr>
-        </p:nvSpPr>
-        <p:spPr>
-          <a:xfrm>
-            <a:off x="702050" y="525650"/>
-            <a:ext cx="3118500" cy="411000"/>
-          </a:xfrm>
-          <a:prstGeom prst="rect">
-            <a:avLst/>
-          </a:prstGeom>
-        </p:spPr>
-        <p:txBody>
-          <a:bodyPr anchorCtr="0" anchor="b" bIns="0" lIns="0" spcFirstLastPara="1" rIns="0" wrap="square" tIns="0">
-            <a:noAutofit/>
-          </a:bodyPr>
-          <a:lstStyle/>
-          <a:p>
-            <a:pPr indent="0" lvl="0" marL="0" rtl="0" algn="l">
-              <a:spcBef>
-                <a:spcPts val="0"/>
-              </a:spcBef>
-              <a:spcAft>
-                <a:spcPts val="0"/>
-              </a:spcAft>
-              <a:buSzPts val="891"/>
-              <a:buNone/>
-            </a:pPr>
-            <a:r>
-              <a:rPr lang="es" sz="2400">
-                <a:latin typeface="Roboto"/>
-                <a:ea typeface="Roboto"/>
-                <a:cs typeface="Roboto"/>
-                <a:sym typeface="Roboto"/>
-              </a:rPr>
-              <a:t>DataFrame </a:t>
-            </a:r>
-            <a:r>
-              <a:rPr lang="es" sz="2400">
-                <a:solidFill>
-                  <a:srgbClr val="434343"/>
-                </a:solidFill>
-                <a:highlight>
-                  <a:srgbClr val="F5C518"/>
-                </a:highlight>
-                <a:latin typeface="Roboto"/>
-                <a:ea typeface="Roboto"/>
-                <a:cs typeface="Roboto"/>
-                <a:sym typeface="Roboto"/>
-              </a:rPr>
-              <a:t>movies</a:t>
-            </a:r>
-            <a:endParaRPr sz="2400">
-              <a:solidFill>
-                <a:srgbClr val="434343"/>
-              </a:solidFill>
-              <a:highlight>
-                <a:srgbClr val="F5C518"/>
-              </a:highlight>
-              <a:latin typeface="Roboto"/>
-              <a:ea typeface="Roboto"/>
-              <a:cs typeface="Roboto"/>
-              <a:sym typeface="Roboto"/>
-            </a:endParaRPr>
-          </a:p>
-        </p:txBody>
-      </p:sp>
-      <p:pic>
-        <p:nvPicPr>
-          <p:cNvPr id="262" name="Google Shape;262;p32"/>
-          <p:cNvPicPr preferRelativeResize="0"/>
-          <p:nvPr/>
-        </p:nvPicPr>
-        <p:blipFill rotWithShape="1">
-          <a:blip r:embed="rId3">
-            <a:alphaModFix/>
-          </a:blip>
-          <a:srcRect b="0" l="0" r="0" t="0"/>
-          <a:stretch/>
-        </p:blipFill>
-        <p:spPr>
-          <a:xfrm>
-            <a:off x="4000500" y="8975"/>
-            <a:ext cx="5143500" cy="5143500"/>
-          </a:xfrm>
-          <a:prstGeom prst="rect">
-            <a:avLst/>
-          </a:prstGeom>
-          <a:noFill/>
-          <a:ln>
-            <a:noFill/>
-          </a:ln>
-        </p:spPr>
-      </p:pic>
-    </p:spTree>
-  </p:cSld>
-  <p:clrMapOvr>
-    <a:masterClrMapping/>
-  </p:clrMapOvr>
-</p:sld>
-</file>
-
-<file path=ppt/slides/slide21.xml><?xml version="1.0" encoding="utf-8"?>
-<p:sld xmlns:a="http://schemas.openxmlformats.org/drawingml/2006/main" xmlns:r="http://schemas.openxmlformats.org/officeDocument/2006/relationships" xmlns:mc="http://schemas.openxmlformats.org/markup-compatibility/2006" xmlns:mv="urn:schemas-microsoft-com:mac:vml" xmlns:p="http://schemas.openxmlformats.org/presentationml/2006/main" xmlns:c="http://schemas.openxmlformats.org/drawingml/2006/chart" xmlns:dgm="http://schemas.openxmlformats.org/drawingml/2006/diagram" xmlns:o="urn:schemas-microsoft-com:office:office" xmlns:v="urn:schemas-microsoft-com:vml" xmlns:pvml="urn:schemas-microsoft-com:office:powerpoint" xmlns:com="http://schemas.openxmlformats.org/drawingml/2006/compatibility" xmlns:p14="http://schemas.microsoft.com/office/powerpoint/2010/main" xmlns:p15="http://schemas.microsoft.com/office/powerpoint/2012/main" xmlns:ahyp="http://schemas.microsoft.com/office/drawing/2018/hyperlinkcolor">
-  <p:cSld>
-    <p:spTree>
-      <p:nvGrpSpPr>
-        <p:cNvPr id="266" name="Shape 266"/>
-        <p:cNvGrpSpPr/>
-        <p:nvPr/>
-      </p:nvGrpSpPr>
-      <p:grpSpPr>
-        <a:xfrm>
-          <a:off x="0" y="0"/>
-          <a:ext cx="0" cy="0"/>
-          <a:chOff x="0" y="0"/>
-          <a:chExt cx="0" cy="0"/>
-        </a:xfrm>
-      </p:grpSpPr>
-      <p:sp>
-        <p:nvSpPr>
-          <p:cNvPr id="267" name="Google Shape;267;p33"/>
-          <p:cNvSpPr txBox="1"/>
-          <p:nvPr/>
-        </p:nvSpPr>
-        <p:spPr>
-          <a:xfrm>
-            <a:off x="1824750" y="2117700"/>
-            <a:ext cx="5494500" cy="908100"/>
-          </a:xfrm>
-          <a:prstGeom prst="rect">
-            <a:avLst/>
-          </a:prstGeom>
-          <a:noFill/>
-          <a:ln>
-            <a:noFill/>
-          </a:ln>
-        </p:spPr>
-        <p:txBody>
-          <a:bodyPr anchorCtr="0" anchor="t" bIns="91425" lIns="91425" spcFirstLastPara="1" rIns="91425" wrap="square" tIns="91425">
-            <a:spAutoFit/>
-          </a:bodyPr>
-          <a:lstStyle/>
-          <a:p>
-            <a:pPr indent="0" lvl="0" marL="0" rtl="0" algn="ctr">
-              <a:spcBef>
-                <a:spcPts val="0"/>
-              </a:spcBef>
-              <a:spcAft>
-                <a:spcPts val="0"/>
-              </a:spcAft>
-              <a:buNone/>
-            </a:pPr>
-            <a:r>
-              <a:rPr lang="es" sz="4700">
-                <a:solidFill>
-                  <a:srgbClr val="F5C518"/>
-                </a:solidFill>
-                <a:latin typeface="Roboto"/>
-                <a:ea typeface="Roboto"/>
-                <a:cs typeface="Roboto"/>
-                <a:sym typeface="Roboto"/>
-              </a:rPr>
-              <a:t>Gracias</a:t>
-            </a:r>
-            <a:endParaRPr sz="4700">
-              <a:solidFill>
-                <a:srgbClr val="F5C518"/>
-              </a:solidFill>
-              <a:latin typeface="Roboto"/>
-              <a:ea typeface="Roboto"/>
-              <a:cs typeface="Roboto"/>
-              <a:sym typeface="Roboto"/>
-            </a:endParaRPr>
-          </a:p>
-        </p:txBody>
-      </p:sp>
-      <p:sp>
-        <p:nvSpPr>
-          <p:cNvPr id="268" name="Google Shape;268;p33"/>
-          <p:cNvSpPr txBox="1"/>
-          <p:nvPr>
-            <p:ph idx="1" type="subTitle"/>
-          </p:nvPr>
-        </p:nvSpPr>
-        <p:spPr>
-          <a:xfrm>
-            <a:off x="6643400" y="4563350"/>
-            <a:ext cx="2129700" cy="325500"/>
-          </a:xfrm>
-          <a:prstGeom prst="rect">
-            <a:avLst/>
-          </a:prstGeom>
-        </p:spPr>
-        <p:txBody>
-          <a:bodyPr anchorCtr="0" anchor="t" bIns="91425" lIns="91425" spcFirstLastPara="1" rIns="91425" wrap="square" tIns="91425">
-            <a:normAutofit fontScale="32500"/>
-          </a:bodyPr>
-          <a:lstStyle/>
-          <a:p>
-            <a:pPr indent="0" lvl="0" marL="0" rtl="0" algn="r">
-              <a:spcBef>
-                <a:spcPts val="0"/>
-              </a:spcBef>
-              <a:spcAft>
-                <a:spcPts val="0"/>
-              </a:spcAft>
-              <a:buNone/>
-            </a:pPr>
-            <a:r>
-              <a:rPr lang="es">
-                <a:latin typeface="Roboto"/>
-                <a:ea typeface="Roboto"/>
-                <a:cs typeface="Roboto"/>
-                <a:sym typeface="Roboto"/>
-              </a:rPr>
-              <a:t>Ana Blanco Delgado | Julio 2021</a:t>
-            </a:r>
-            <a:endParaRPr>
-              <a:latin typeface="Roboto"/>
-              <a:ea typeface="Roboto"/>
-              <a:cs typeface="Roboto"/>
-              <a:sym typeface="Roboto"/>
-            </a:endParaRPr>
-          </a:p>
-        </p:txBody>
-      </p:sp>
-      <p:pic>
-        <p:nvPicPr>
-          <p:cNvPr id="269" name="Google Shape;269;p33"/>
-          <p:cNvPicPr preferRelativeResize="0"/>
-          <p:nvPr/>
-        </p:nvPicPr>
-        <p:blipFill>
-          <a:blip r:embed="rId3">
-            <a:alphaModFix/>
-          </a:blip>
-          <a:stretch>
-            <a:fillRect/>
-          </a:stretch>
-        </p:blipFill>
-        <p:spPr>
-          <a:xfrm>
-            <a:off x="3086675" y="3968950"/>
-            <a:ext cx="304800" cy="304800"/>
-          </a:xfrm>
-          <a:prstGeom prst="rect">
-            <a:avLst/>
-          </a:prstGeom>
-          <a:noFill/>
-          <a:ln>
-            <a:noFill/>
-          </a:ln>
-        </p:spPr>
-      </p:pic>
-      <p:sp>
-        <p:nvSpPr>
-          <p:cNvPr id="270" name="Google Shape;270;p33"/>
-          <p:cNvSpPr txBox="1"/>
-          <p:nvPr/>
-        </p:nvSpPr>
-        <p:spPr>
-          <a:xfrm>
-            <a:off x="3444100" y="3780000"/>
-            <a:ext cx="2832300" cy="569400"/>
-          </a:xfrm>
-          <a:prstGeom prst="rect">
-            <a:avLst/>
-          </a:prstGeom>
-          <a:noFill/>
-          <a:ln>
-            <a:noFill/>
-          </a:ln>
-        </p:spPr>
-        <p:txBody>
-          <a:bodyPr anchorCtr="0" anchor="t" bIns="91425" lIns="91425" spcFirstLastPara="1" rIns="91425" wrap="square" tIns="91425">
-            <a:spAutoFit/>
-          </a:bodyPr>
-          <a:lstStyle/>
-          <a:p>
-            <a:pPr indent="0" lvl="0" marL="0" rtl="0" algn="l">
-              <a:spcBef>
-                <a:spcPts val="0"/>
-              </a:spcBef>
-              <a:spcAft>
-                <a:spcPts val="0"/>
-              </a:spcAft>
-              <a:buNone/>
-            </a:pPr>
-            <a:r>
-              <a:rPr lang="es" sz="2500">
-                <a:solidFill>
-                  <a:schemeClr val="dk1"/>
-                </a:solidFill>
-                <a:latin typeface="Roboto"/>
-                <a:ea typeface="Roboto"/>
-                <a:cs typeface="Roboto"/>
-                <a:sym typeface="Roboto"/>
-              </a:rPr>
-              <a:t>casiopa/EDA-IMDb</a:t>
-            </a:r>
-            <a:endParaRPr sz="2500">
-              <a:solidFill>
-                <a:schemeClr val="dk1"/>
-              </a:solidFill>
-              <a:latin typeface="Roboto"/>
-              <a:ea typeface="Roboto"/>
-              <a:cs typeface="Roboto"/>
-              <a:sym typeface="Roboto"/>
+              <a:latin typeface="Roboto Thin"/>
+              <a:ea typeface="Roboto Thin"/>
+              <a:cs typeface="Roboto Thin"/>
+              <a:sym typeface="Roboto Thin"/>
             </a:endParaRPr>
           </a:p>
         </p:txBody>
@@ -12501,10 +11761,10 @@
                 <a:solidFill>
                   <a:schemeClr val="dk1"/>
                 </a:solidFill>
-                <a:latin typeface="Roboto"/>
-                <a:ea typeface="Roboto"/>
-                <a:cs typeface="Roboto"/>
-                <a:sym typeface="Roboto"/>
+                <a:latin typeface="Roboto Thin"/>
+                <a:ea typeface="Roboto Thin"/>
+                <a:cs typeface="Roboto Thin"/>
+                <a:sym typeface="Roboto Thin"/>
               </a:rPr>
               <a:t>Budget		 				$110,000,000</a:t>
             </a:r>
@@ -12512,10 +11772,10 @@
               <a:solidFill>
                 <a:schemeClr val="dk1"/>
               </a:solidFill>
-              <a:latin typeface="Roboto"/>
-              <a:ea typeface="Roboto"/>
-              <a:cs typeface="Roboto"/>
-              <a:sym typeface="Roboto"/>
+              <a:latin typeface="Roboto Thin"/>
+              <a:ea typeface="Roboto Thin"/>
+              <a:cs typeface="Roboto Thin"/>
+              <a:sym typeface="Roboto Thin"/>
             </a:endParaRPr>
           </a:p>
           <a:p>
@@ -12536,10 +11796,10 @@
                 <a:solidFill>
                   <a:schemeClr val="dk1"/>
                 </a:solidFill>
-                <a:latin typeface="Roboto"/>
-                <a:ea typeface="Roboto"/>
-                <a:cs typeface="Roboto"/>
-                <a:sym typeface="Roboto"/>
+                <a:latin typeface="Roboto Thin"/>
+                <a:ea typeface="Roboto Thin"/>
+                <a:cs typeface="Roboto Thin"/>
+                <a:sym typeface="Roboto Thin"/>
               </a:rPr>
               <a:t>Gross US &amp; Canada 				$100,014,699</a:t>
             </a:r>
@@ -12547,10 +11807,10 @@
               <a:solidFill>
                 <a:schemeClr val="dk1"/>
               </a:solidFill>
-              <a:latin typeface="Roboto"/>
-              <a:ea typeface="Roboto"/>
-              <a:cs typeface="Roboto"/>
-              <a:sym typeface="Roboto"/>
+              <a:latin typeface="Roboto Thin"/>
+              <a:ea typeface="Roboto Thin"/>
+              <a:cs typeface="Roboto Thin"/>
+              <a:sym typeface="Roboto Thin"/>
             </a:endParaRPr>
           </a:p>
           <a:p>
@@ -12571,10 +11831,10 @@
                 <a:solidFill>
                   <a:schemeClr val="dk1"/>
                 </a:solidFill>
-                <a:latin typeface="Roboto"/>
-                <a:ea typeface="Roboto"/>
-                <a:cs typeface="Roboto"/>
-                <a:sym typeface="Roboto"/>
+                <a:latin typeface="Roboto Thin"/>
+                <a:ea typeface="Roboto Thin"/>
+                <a:cs typeface="Roboto Thin"/>
+                <a:sym typeface="Roboto Thin"/>
               </a:rPr>
               <a:t>Opening weekend US &amp; Canada 	$14,869,736</a:t>
             </a:r>
@@ -12582,10 +11842,10 @@
               <a:solidFill>
                 <a:schemeClr val="dk1"/>
               </a:solidFill>
-              <a:latin typeface="Roboto"/>
-              <a:ea typeface="Roboto"/>
-              <a:cs typeface="Roboto"/>
-              <a:sym typeface="Roboto"/>
+              <a:latin typeface="Roboto Thin"/>
+              <a:ea typeface="Roboto Thin"/>
+              <a:cs typeface="Roboto Thin"/>
+              <a:sym typeface="Roboto Thin"/>
             </a:endParaRPr>
           </a:p>
           <a:p>
@@ -12606,10 +11866,10 @@
                 <a:solidFill>
                   <a:schemeClr val="dk1"/>
                 </a:solidFill>
-                <a:latin typeface="Roboto"/>
-                <a:ea typeface="Roboto"/>
-                <a:cs typeface="Roboto"/>
-                <a:sym typeface="Roboto"/>
+                <a:latin typeface="Roboto Thin"/>
+                <a:ea typeface="Roboto Thin"/>
+                <a:cs typeface="Roboto Thin"/>
+                <a:sym typeface="Roboto Thin"/>
               </a:rPr>
               <a:t>Gross worldwide 				$303,144,152</a:t>
             </a:r>
@@ -12617,10 +11877,10 @@
               <a:solidFill>
                 <a:schemeClr val="dk1"/>
               </a:solidFill>
-              <a:latin typeface="Roboto"/>
-              <a:ea typeface="Roboto"/>
-              <a:cs typeface="Roboto"/>
-              <a:sym typeface="Roboto"/>
+              <a:latin typeface="Roboto Thin"/>
+              <a:ea typeface="Roboto Thin"/>
+              <a:cs typeface="Roboto Thin"/>
+              <a:sym typeface="Roboto Thin"/>
             </a:endParaRPr>
           </a:p>
           <a:p>
@@ -12788,10 +12048,10 @@
                 <a:solidFill>
                   <a:schemeClr val="dk1"/>
                 </a:solidFill>
-                <a:latin typeface="Roboto"/>
-                <a:ea typeface="Roboto"/>
-                <a:cs typeface="Roboto"/>
-                <a:sym typeface="Roboto"/>
+                <a:latin typeface="Roboto Thin"/>
+                <a:ea typeface="Roboto Thin"/>
+                <a:cs typeface="Roboto Thin"/>
+                <a:sym typeface="Roboto Thin"/>
               </a:rPr>
               <a:t>CINE INDEPENDIENTE</a:t>
             </a:r>
@@ -12799,10 +12059,10 @@
               <a:solidFill>
                 <a:schemeClr val="dk1"/>
               </a:solidFill>
-              <a:latin typeface="Roboto"/>
-              <a:ea typeface="Roboto"/>
-              <a:cs typeface="Roboto"/>
-              <a:sym typeface="Roboto"/>
+              <a:latin typeface="Roboto Thin"/>
+              <a:ea typeface="Roboto Thin"/>
+              <a:cs typeface="Roboto Thin"/>
+              <a:sym typeface="Roboto Thin"/>
             </a:endParaRPr>
           </a:p>
         </p:txBody>
@@ -12902,10 +12162,10 @@
                 <a:solidFill>
                   <a:schemeClr val="dk1"/>
                 </a:solidFill>
-                <a:latin typeface="Roboto"/>
-                <a:ea typeface="Roboto"/>
-                <a:cs typeface="Roboto"/>
-                <a:sym typeface="Roboto"/>
+                <a:latin typeface="Roboto Thin"/>
+                <a:ea typeface="Roboto Thin"/>
+                <a:cs typeface="Roboto Thin"/>
+                <a:sym typeface="Roboto Thin"/>
               </a:rPr>
               <a:t>Budget		 				$4,000,000</a:t>
             </a:r>
@@ -12913,10 +12173,10 @@
               <a:solidFill>
                 <a:schemeClr val="dk1"/>
               </a:solidFill>
-              <a:latin typeface="Roboto"/>
-              <a:ea typeface="Roboto"/>
-              <a:cs typeface="Roboto"/>
-              <a:sym typeface="Roboto"/>
+              <a:latin typeface="Roboto Thin"/>
+              <a:ea typeface="Roboto Thin"/>
+              <a:cs typeface="Roboto Thin"/>
+              <a:sym typeface="Roboto Thin"/>
             </a:endParaRPr>
           </a:p>
           <a:p>
@@ -12937,10 +12197,10 @@
                 <a:solidFill>
                   <a:schemeClr val="dk1"/>
                 </a:solidFill>
-                <a:latin typeface="Roboto"/>
-                <a:ea typeface="Roboto"/>
-                <a:cs typeface="Roboto"/>
-                <a:sym typeface="Roboto"/>
+                <a:latin typeface="Roboto Thin"/>
+                <a:ea typeface="Roboto Thin"/>
+                <a:cs typeface="Roboto Thin"/>
+                <a:sym typeface="Roboto Thin"/>
               </a:rPr>
               <a:t>Gross US &amp; Canada 				$25,352,281</a:t>
             </a:r>
@@ -12948,10 +12208,10 @@
               <a:solidFill>
                 <a:schemeClr val="dk1"/>
               </a:solidFill>
-              <a:latin typeface="Roboto"/>
-              <a:ea typeface="Roboto"/>
-              <a:cs typeface="Roboto"/>
-              <a:sym typeface="Roboto"/>
+              <a:latin typeface="Roboto Thin"/>
+              <a:ea typeface="Roboto Thin"/>
+              <a:cs typeface="Roboto Thin"/>
+              <a:sym typeface="Roboto Thin"/>
             </a:endParaRPr>
           </a:p>
           <a:p>
@@ -12972,10 +12232,10 @@
                 <a:solidFill>
                   <a:schemeClr val="dk1"/>
                 </a:solidFill>
-                <a:latin typeface="Roboto"/>
-                <a:ea typeface="Roboto"/>
-                <a:cs typeface="Roboto"/>
-                <a:sym typeface="Roboto"/>
+                <a:latin typeface="Roboto Thin"/>
+                <a:ea typeface="Roboto Thin"/>
+                <a:cs typeface="Roboto Thin"/>
+                <a:sym typeface="Roboto Thin"/>
               </a:rPr>
               <a:t>Opening weekend US &amp; Canada 	$387,618</a:t>
             </a:r>
@@ -12983,10 +12243,10 @@
               <a:solidFill>
                 <a:schemeClr val="dk1"/>
               </a:solidFill>
-              <a:latin typeface="Roboto"/>
-              <a:ea typeface="Roboto"/>
-              <a:cs typeface="Roboto"/>
-              <a:sym typeface="Roboto"/>
+              <a:latin typeface="Roboto Thin"/>
+              <a:ea typeface="Roboto Thin"/>
+              <a:cs typeface="Roboto Thin"/>
+              <a:sym typeface="Roboto Thin"/>
             </a:endParaRPr>
           </a:p>
           <a:p>
@@ -13007,10 +12267,10 @@
                 <a:solidFill>
                   <a:schemeClr val="dk1"/>
                 </a:solidFill>
-                <a:latin typeface="Roboto"/>
-                <a:ea typeface="Roboto"/>
-                <a:cs typeface="Roboto"/>
-                <a:sym typeface="Roboto"/>
+                <a:latin typeface="Roboto Thin"/>
+                <a:ea typeface="Roboto Thin"/>
+                <a:cs typeface="Roboto Thin"/>
+                <a:sym typeface="Roboto Thin"/>
               </a:rPr>
               <a:t>Gross worldwide 				$48,137,666</a:t>
             </a:r>
@@ -13018,10 +12278,10 @@
               <a:solidFill>
                 <a:schemeClr val="dk1"/>
               </a:solidFill>
-              <a:latin typeface="Roboto"/>
-              <a:ea typeface="Roboto"/>
-              <a:cs typeface="Roboto"/>
-              <a:sym typeface="Roboto"/>
+              <a:latin typeface="Roboto Thin"/>
+              <a:ea typeface="Roboto Thin"/>
+              <a:cs typeface="Roboto Thin"/>
+              <a:sym typeface="Roboto Thin"/>
             </a:endParaRPr>
           </a:p>
           <a:p>
@@ -13038,10 +12298,10 @@
               <a:t/>
             </a:r>
             <a:endParaRPr sz="1600">
-              <a:latin typeface="Roboto"/>
-              <a:ea typeface="Roboto"/>
-              <a:cs typeface="Roboto"/>
-              <a:sym typeface="Roboto"/>
+              <a:latin typeface="Roboto Thin"/>
+              <a:ea typeface="Roboto Thin"/>
+              <a:cs typeface="Roboto Thin"/>
+              <a:sym typeface="Roboto Thin"/>
             </a:endParaRPr>
           </a:p>
         </p:txBody>
@@ -13162,18 +12422,18 @@
             </a:pPr>
             <a:r>
               <a:rPr lang="es" sz="2442">
-                <a:latin typeface="Roboto"/>
-                <a:ea typeface="Roboto"/>
-                <a:cs typeface="Roboto"/>
-                <a:sym typeface="Roboto"/>
+                <a:latin typeface="Roboto Medium"/>
+                <a:ea typeface="Roboto Medium"/>
+                <a:cs typeface="Roboto Medium"/>
+                <a:sym typeface="Roboto Medium"/>
               </a:rPr>
               <a:t>Fuentes de datos</a:t>
             </a:r>
             <a:endParaRPr sz="2442">
-              <a:latin typeface="Roboto"/>
-              <a:ea typeface="Roboto"/>
-              <a:cs typeface="Roboto"/>
-              <a:sym typeface="Roboto"/>
+              <a:latin typeface="Roboto Medium"/>
+              <a:ea typeface="Roboto Medium"/>
+              <a:cs typeface="Roboto Medium"/>
+              <a:sym typeface="Roboto Medium"/>
             </a:endParaRPr>
           </a:p>
         </p:txBody>
@@ -13299,27 +12559,27 @@
             </a:pPr>
             <a:r>
               <a:rPr lang="es" sz="1442">
-                <a:latin typeface="Roboto"/>
-                <a:ea typeface="Roboto"/>
-                <a:cs typeface="Roboto"/>
-                <a:sym typeface="Roboto"/>
+                <a:latin typeface="Roboto Light"/>
+                <a:ea typeface="Roboto Light"/>
+                <a:cs typeface="Roboto Light"/>
+                <a:sym typeface="Roboto Light"/>
               </a:rPr>
               <a:t>IMDb </a:t>
             </a:r>
             <a:r>
               <a:rPr i="1" lang="es" sz="1442">
-                <a:latin typeface="Roboto"/>
-                <a:ea typeface="Roboto"/>
-                <a:cs typeface="Roboto"/>
-                <a:sym typeface="Roboto"/>
+                <a:latin typeface="Roboto Light"/>
+                <a:ea typeface="Roboto Light"/>
+                <a:cs typeface="Roboto Light"/>
+                <a:sym typeface="Roboto Light"/>
               </a:rPr>
               <a:t>datasets</a:t>
             </a:r>
             <a:endParaRPr i="1" sz="1442">
-              <a:latin typeface="Roboto"/>
-              <a:ea typeface="Roboto"/>
-              <a:cs typeface="Roboto"/>
-              <a:sym typeface="Roboto"/>
+              <a:latin typeface="Roboto Light"/>
+              <a:ea typeface="Roboto Light"/>
+              <a:cs typeface="Roboto Light"/>
+              <a:sym typeface="Roboto Light"/>
             </a:endParaRPr>
           </a:p>
         </p:txBody>
@@ -13402,27 +12662,27 @@
             </a:pPr>
             <a:r>
               <a:rPr lang="es" sz="1442">
-                <a:latin typeface="Roboto"/>
-                <a:ea typeface="Roboto"/>
-                <a:cs typeface="Roboto"/>
-                <a:sym typeface="Roboto"/>
+                <a:latin typeface="Roboto Light"/>
+                <a:ea typeface="Roboto Light"/>
+                <a:cs typeface="Roboto Light"/>
+                <a:sym typeface="Roboto Light"/>
               </a:rPr>
               <a:t>IMDb </a:t>
             </a:r>
             <a:r>
               <a:rPr i="1" lang="es" sz="1442">
-                <a:latin typeface="Roboto"/>
-                <a:ea typeface="Roboto"/>
-                <a:cs typeface="Roboto"/>
-                <a:sym typeface="Roboto"/>
+                <a:latin typeface="Roboto Light"/>
+                <a:ea typeface="Roboto Light"/>
+                <a:cs typeface="Roboto Light"/>
+                <a:sym typeface="Roboto Light"/>
               </a:rPr>
               <a:t>web scrapping</a:t>
             </a:r>
             <a:endParaRPr i="1" sz="1442">
-              <a:latin typeface="Roboto"/>
-              <a:ea typeface="Roboto"/>
-              <a:cs typeface="Roboto"/>
-              <a:sym typeface="Roboto"/>
+              <a:latin typeface="Roboto Light"/>
+              <a:ea typeface="Roboto Light"/>
+              <a:cs typeface="Roboto Light"/>
+              <a:sym typeface="Roboto Light"/>
             </a:endParaRPr>
           </a:p>
         </p:txBody>
@@ -13461,18 +12721,18 @@
             </a:pPr>
             <a:r>
               <a:rPr lang="es">
-                <a:latin typeface="Roboto"/>
-                <a:ea typeface="Roboto"/>
-                <a:cs typeface="Roboto"/>
-                <a:sym typeface="Roboto"/>
+                <a:latin typeface="Roboto Thin"/>
+                <a:ea typeface="Roboto Thin"/>
+                <a:cs typeface="Roboto Thin"/>
+                <a:sym typeface="Roboto Thin"/>
               </a:rPr>
               <a:t>Ana Blanco Delgado | Julio 2021</a:t>
             </a:r>
             <a:endParaRPr>
-              <a:latin typeface="Roboto"/>
-              <a:ea typeface="Roboto"/>
-              <a:cs typeface="Roboto"/>
-              <a:sym typeface="Roboto"/>
+              <a:latin typeface="Roboto Thin"/>
+              <a:ea typeface="Roboto Thin"/>
+              <a:cs typeface="Roboto Thin"/>
+              <a:sym typeface="Roboto Thin"/>
             </a:endParaRPr>
           </a:p>
         </p:txBody>
@@ -13545,27 +12805,27 @@
             </a:pPr>
             <a:r>
               <a:rPr lang="es" sz="1342">
-                <a:latin typeface="Roboto"/>
-                <a:ea typeface="Roboto"/>
-                <a:cs typeface="Roboto"/>
-                <a:sym typeface="Roboto"/>
+                <a:latin typeface="Roboto Light"/>
+                <a:ea typeface="Roboto Light"/>
+                <a:cs typeface="Roboto Light"/>
+                <a:sym typeface="Roboto Light"/>
               </a:rPr>
               <a:t>páginas </a:t>
             </a:r>
             <a:r>
               <a:rPr i="1" lang="es" sz="1342">
-                <a:latin typeface="Roboto"/>
-                <a:ea typeface="Roboto"/>
-                <a:cs typeface="Roboto"/>
-                <a:sym typeface="Roboto"/>
+                <a:latin typeface="Roboto Light"/>
+                <a:ea typeface="Roboto Light"/>
+                <a:cs typeface="Roboto Light"/>
+                <a:sym typeface="Roboto Light"/>
               </a:rPr>
               <a:t>escrapeadas</a:t>
             </a:r>
             <a:endParaRPr i="1" sz="1342">
-              <a:latin typeface="Roboto"/>
-              <a:ea typeface="Roboto"/>
-              <a:cs typeface="Roboto"/>
-              <a:sym typeface="Roboto"/>
+              <a:latin typeface="Roboto Light"/>
+              <a:ea typeface="Roboto Light"/>
+              <a:cs typeface="Roboto Light"/>
+              <a:sym typeface="Roboto Light"/>
             </a:endParaRPr>
           </a:p>
         </p:txBody>
@@ -13673,10 +12933,10 @@
                 <a:solidFill>
                   <a:srgbClr val="F5C518"/>
                 </a:solidFill>
-                <a:latin typeface="Roboto"/>
-                <a:ea typeface="Roboto"/>
-                <a:cs typeface="Roboto"/>
-                <a:sym typeface="Roboto"/>
+                <a:latin typeface="Roboto Medium"/>
+                <a:ea typeface="Roboto Medium"/>
+                <a:cs typeface="Roboto Medium"/>
+                <a:sym typeface="Roboto Medium"/>
               </a:rPr>
               <a:t>8 millones</a:t>
             </a:r>
@@ -13684,10 +12944,10 @@
               <a:solidFill>
                 <a:srgbClr val="F5C518"/>
               </a:solidFill>
-              <a:latin typeface="Roboto"/>
-              <a:ea typeface="Roboto"/>
-              <a:cs typeface="Roboto"/>
-              <a:sym typeface="Roboto"/>
+              <a:latin typeface="Roboto Thin"/>
+              <a:ea typeface="Roboto Thin"/>
+              <a:cs typeface="Roboto Thin"/>
+              <a:sym typeface="Roboto Thin"/>
             </a:endParaRPr>
           </a:p>
           <a:p>
@@ -13708,18 +12968,18 @@
                 <a:solidFill>
                   <a:srgbClr val="F5C518"/>
                 </a:solidFill>
-                <a:latin typeface="Roboto"/>
-                <a:ea typeface="Roboto"/>
-                <a:cs typeface="Roboto"/>
-                <a:sym typeface="Roboto"/>
+                <a:latin typeface="Roboto Thin"/>
+                <a:ea typeface="Roboto Thin"/>
+                <a:cs typeface="Roboto Thin"/>
+                <a:sym typeface="Roboto Thin"/>
               </a:rPr>
               <a:t>de registros</a:t>
             </a:r>
             <a:endParaRPr sz="2800">
-              <a:latin typeface="Roboto"/>
-              <a:ea typeface="Roboto"/>
-              <a:cs typeface="Roboto"/>
-              <a:sym typeface="Roboto"/>
+              <a:latin typeface="Roboto Thin"/>
+              <a:ea typeface="Roboto Thin"/>
+              <a:cs typeface="Roboto Thin"/>
+              <a:sym typeface="Roboto Thin"/>
             </a:endParaRPr>
           </a:p>
         </p:txBody>
@@ -13802,18 +13062,18 @@
             </a:pPr>
             <a:r>
               <a:rPr lang="es" sz="1442">
-                <a:latin typeface="Roboto"/>
-                <a:ea typeface="Roboto"/>
-                <a:cs typeface="Roboto"/>
-                <a:sym typeface="Roboto"/>
+                <a:latin typeface="Roboto Light"/>
+                <a:ea typeface="Roboto Light"/>
+                <a:cs typeface="Roboto Light"/>
+                <a:sym typeface="Roboto Light"/>
               </a:rPr>
               <a:t>Tasas de cambio por año</a:t>
             </a:r>
             <a:endParaRPr sz="1442">
-              <a:latin typeface="Roboto"/>
-              <a:ea typeface="Roboto"/>
-              <a:cs typeface="Roboto"/>
-              <a:sym typeface="Roboto"/>
+              <a:latin typeface="Roboto Light"/>
+              <a:ea typeface="Roboto Light"/>
+              <a:cs typeface="Roboto Light"/>
+              <a:sym typeface="Roboto Light"/>
             </a:endParaRPr>
           </a:p>
         </p:txBody>
@@ -13978,18 +13238,18 @@
             </a:pPr>
             <a:r>
               <a:rPr lang="es" sz="1442">
-                <a:latin typeface="Roboto"/>
-                <a:ea typeface="Roboto"/>
-                <a:cs typeface="Roboto"/>
-                <a:sym typeface="Roboto"/>
+                <a:latin typeface="Roboto Light"/>
+                <a:ea typeface="Roboto Light"/>
+                <a:cs typeface="Roboto Light"/>
+                <a:sym typeface="Roboto Light"/>
               </a:rPr>
               <a:t>Metascore</a:t>
             </a:r>
             <a:endParaRPr sz="1442">
-              <a:latin typeface="Roboto"/>
-              <a:ea typeface="Roboto"/>
-              <a:cs typeface="Roboto"/>
-              <a:sym typeface="Roboto"/>
+              <a:latin typeface="Roboto Light"/>
+              <a:ea typeface="Roboto Light"/>
+              <a:cs typeface="Roboto Light"/>
+              <a:sym typeface="Roboto Light"/>
             </a:endParaRPr>
           </a:p>
         </p:txBody>
@@ -14114,27 +13374,27 @@
             </a:pPr>
             <a:r>
               <a:rPr lang="es" sz="2400">
-                <a:latin typeface="Roboto"/>
-                <a:ea typeface="Roboto"/>
-                <a:cs typeface="Roboto"/>
-                <a:sym typeface="Roboto"/>
+                <a:latin typeface="Roboto Medium"/>
+                <a:ea typeface="Roboto Medium"/>
+                <a:cs typeface="Roboto Medium"/>
+                <a:sym typeface="Roboto Medium"/>
               </a:rPr>
               <a:t>IMDb </a:t>
             </a:r>
             <a:r>
               <a:rPr i="1" lang="es" sz="2400">
-                <a:latin typeface="Roboto"/>
-                <a:ea typeface="Roboto"/>
-                <a:cs typeface="Roboto"/>
-                <a:sym typeface="Roboto"/>
+                <a:latin typeface="Roboto Medium"/>
+                <a:ea typeface="Roboto Medium"/>
+                <a:cs typeface="Roboto Medium"/>
+                <a:sym typeface="Roboto Medium"/>
               </a:rPr>
               <a:t>datasets</a:t>
             </a:r>
             <a:endParaRPr sz="2400">
-              <a:latin typeface="Roboto"/>
-              <a:ea typeface="Roboto"/>
-              <a:cs typeface="Roboto"/>
-              <a:sym typeface="Roboto"/>
+              <a:latin typeface="Roboto Medium"/>
+              <a:ea typeface="Roboto Medium"/>
+              <a:cs typeface="Roboto Medium"/>
+              <a:sym typeface="Roboto Medium"/>
             </a:endParaRPr>
           </a:p>
         </p:txBody>
@@ -14222,18 +13482,18 @@
             </a:pPr>
             <a:r>
               <a:rPr lang="es">
-                <a:latin typeface="Roboto"/>
-                <a:ea typeface="Roboto"/>
-                <a:cs typeface="Roboto"/>
-                <a:sym typeface="Roboto"/>
+                <a:latin typeface="Roboto Thin"/>
+                <a:ea typeface="Roboto Thin"/>
+                <a:cs typeface="Roboto Thin"/>
+                <a:sym typeface="Roboto Thin"/>
               </a:rPr>
               <a:t>Ana Blanco Delgado | Julio 2021</a:t>
             </a:r>
             <a:endParaRPr>
-              <a:latin typeface="Roboto"/>
-              <a:ea typeface="Roboto"/>
-              <a:cs typeface="Roboto"/>
-              <a:sym typeface="Roboto"/>
+              <a:latin typeface="Roboto Thin"/>
+              <a:ea typeface="Roboto Thin"/>
+              <a:cs typeface="Roboto Thin"/>
+              <a:sym typeface="Roboto Thin"/>
             </a:endParaRPr>
           </a:p>
         </p:txBody>
@@ -14374,27 +13634,27 @@
             </a:pPr>
             <a:r>
               <a:rPr lang="es" sz="2400">
-                <a:latin typeface="Roboto"/>
-                <a:ea typeface="Roboto"/>
-                <a:cs typeface="Roboto"/>
-                <a:sym typeface="Roboto"/>
+                <a:latin typeface="Roboto Medium"/>
+                <a:ea typeface="Roboto Medium"/>
+                <a:cs typeface="Roboto Medium"/>
+                <a:sym typeface="Roboto Medium"/>
               </a:rPr>
               <a:t>IMDb </a:t>
             </a:r>
             <a:r>
               <a:rPr i="1" lang="es" sz="2400">
-                <a:latin typeface="Roboto"/>
-                <a:ea typeface="Roboto"/>
-                <a:cs typeface="Roboto"/>
-                <a:sym typeface="Roboto"/>
+                <a:latin typeface="Roboto Medium"/>
+                <a:ea typeface="Roboto Medium"/>
+                <a:cs typeface="Roboto Medium"/>
+                <a:sym typeface="Roboto Medium"/>
               </a:rPr>
               <a:t>web scrapping</a:t>
             </a:r>
             <a:endParaRPr sz="2400">
-              <a:latin typeface="Roboto"/>
-              <a:ea typeface="Roboto"/>
-              <a:cs typeface="Roboto"/>
-              <a:sym typeface="Roboto"/>
+              <a:latin typeface="Roboto Medium"/>
+              <a:ea typeface="Roboto Medium"/>
+              <a:cs typeface="Roboto Medium"/>
+              <a:sym typeface="Roboto Medium"/>
             </a:endParaRPr>
           </a:p>
         </p:txBody>
@@ -14476,18 +13736,18 @@
             </a:pPr>
             <a:r>
               <a:rPr lang="es">
-                <a:latin typeface="Roboto"/>
-                <a:ea typeface="Roboto"/>
-                <a:cs typeface="Roboto"/>
-                <a:sym typeface="Roboto"/>
+                <a:latin typeface="Roboto Thin"/>
+                <a:ea typeface="Roboto Thin"/>
+                <a:cs typeface="Roboto Thin"/>
+                <a:sym typeface="Roboto Thin"/>
               </a:rPr>
               <a:t>Ana Blanco Delgado | Julio 2021</a:t>
             </a:r>
             <a:endParaRPr>
-              <a:latin typeface="Roboto"/>
-              <a:ea typeface="Roboto"/>
-              <a:cs typeface="Roboto"/>
-              <a:sym typeface="Roboto"/>
+              <a:latin typeface="Roboto Thin"/>
+              <a:ea typeface="Roboto Thin"/>
+              <a:cs typeface="Roboto Thin"/>
+              <a:sym typeface="Roboto Thin"/>
             </a:endParaRPr>
           </a:p>
         </p:txBody>
@@ -14590,10 +13850,10 @@
                 <a:solidFill>
                   <a:srgbClr val="F5C518"/>
                 </a:solidFill>
-                <a:latin typeface="Roboto"/>
-                <a:ea typeface="Roboto"/>
-                <a:cs typeface="Roboto"/>
-                <a:sym typeface="Roboto"/>
+                <a:latin typeface="Roboto Light"/>
+                <a:ea typeface="Roboto Light"/>
+                <a:cs typeface="Roboto Light"/>
+                <a:sym typeface="Roboto Light"/>
               </a:rPr>
               <a:t>2019</a:t>
             </a:r>
@@ -14601,10 +13861,10 @@
               <a:solidFill>
                 <a:srgbClr val="F5C518"/>
               </a:solidFill>
-              <a:latin typeface="Roboto"/>
-              <a:ea typeface="Roboto"/>
-              <a:cs typeface="Roboto"/>
-              <a:sym typeface="Roboto"/>
+              <a:latin typeface="Roboto Light"/>
+              <a:ea typeface="Roboto Light"/>
+              <a:cs typeface="Roboto Light"/>
+              <a:sym typeface="Roboto Light"/>
             </a:endParaRPr>
           </a:p>
         </p:txBody>
@@ -14637,19 +13897,79 @@
       <p:sp>
         <p:nvSpPr>
           <p:cNvPr id="131" name="Google Shape;131;p21"/>
+          <p:cNvSpPr txBox="1"/>
+          <p:nvPr>
+            <p:ph type="ctrTitle"/>
+          </p:nvPr>
+        </p:nvSpPr>
+        <p:spPr>
+          <a:xfrm>
+            <a:off x="702050" y="525650"/>
+            <a:ext cx="3599400" cy="411000"/>
+          </a:xfrm>
+          <a:prstGeom prst="rect">
+            <a:avLst/>
+          </a:prstGeom>
+        </p:spPr>
+        <p:txBody>
+          <a:bodyPr anchorCtr="0" anchor="b" bIns="0" lIns="0" spcFirstLastPara="1" rIns="0" wrap="square" tIns="0">
+            <a:noAutofit/>
+          </a:bodyPr>
+          <a:lstStyle/>
+          <a:p>
+            <a:pPr indent="0" lvl="0" marL="0" rtl="0" algn="l">
+              <a:spcBef>
+                <a:spcPts val="0"/>
+              </a:spcBef>
+              <a:spcAft>
+                <a:spcPts val="0"/>
+              </a:spcAft>
+              <a:buSzPts val="891"/>
+              <a:buNone/>
+            </a:pPr>
+            <a:r>
+              <a:rPr lang="es" sz="2400">
+                <a:latin typeface="Roboto Medium"/>
+                <a:ea typeface="Roboto Medium"/>
+                <a:cs typeface="Roboto Medium"/>
+                <a:sym typeface="Roboto Medium"/>
+              </a:rPr>
+              <a:t>IMDb </a:t>
+            </a:r>
+            <a:r>
+              <a:rPr i="1" lang="es" sz="2400">
+                <a:latin typeface="Roboto Medium"/>
+                <a:ea typeface="Roboto Medium"/>
+                <a:cs typeface="Roboto Medium"/>
+                <a:sym typeface="Roboto Medium"/>
+              </a:rPr>
+              <a:t>web scrapping</a:t>
+            </a:r>
+            <a:endParaRPr sz="2400">
+              <a:latin typeface="Roboto Medium"/>
+              <a:ea typeface="Roboto Medium"/>
+              <a:cs typeface="Roboto Medium"/>
+              <a:sym typeface="Roboto Medium"/>
+            </a:endParaRPr>
+          </a:p>
+        </p:txBody>
+      </p:sp>
+      <p:sp>
+        <p:nvSpPr>
+          <p:cNvPr id="132" name="Google Shape;132;p21"/>
           <p:cNvSpPr/>
           <p:nvPr/>
         </p:nvSpPr>
         <p:spPr>
           <a:xfrm>
-            <a:off x="4339825" y="0"/>
-            <a:ext cx="4804200" cy="5143500"/>
+            <a:off x="557925" y="540350"/>
+            <a:ext cx="70800" cy="381600"/>
           </a:xfrm>
           <a:prstGeom prst="rect">
             <a:avLst/>
           </a:prstGeom>
           <a:solidFill>
-            <a:schemeClr val="dk1"/>
+            <a:srgbClr val="F5C518"/>
           </a:solidFill>
           <a:ln>
             <a:noFill/>
@@ -14679,101 +13999,7 @@
       </p:sp>
       <p:sp>
         <p:nvSpPr>
-          <p:cNvPr id="132" name="Google Shape;132;p21"/>
-          <p:cNvSpPr txBox="1"/>
-          <p:nvPr>
-            <p:ph type="ctrTitle"/>
-          </p:nvPr>
-        </p:nvSpPr>
-        <p:spPr>
-          <a:xfrm>
-            <a:off x="1054175" y="524025"/>
-            <a:ext cx="2058900" cy="411000"/>
-          </a:xfrm>
-          <a:prstGeom prst="rect">
-            <a:avLst/>
-          </a:prstGeom>
-        </p:spPr>
-        <p:txBody>
-          <a:bodyPr anchorCtr="0" anchor="b" bIns="0" lIns="0" spcFirstLastPara="1" rIns="0" wrap="square" tIns="0">
-            <a:noAutofit/>
-          </a:bodyPr>
-          <a:lstStyle/>
-          <a:p>
-            <a:pPr indent="0" lvl="0" marL="0" rtl="0" algn="l">
-              <a:spcBef>
-                <a:spcPts val="0"/>
-              </a:spcBef>
-              <a:spcAft>
-                <a:spcPts val="0"/>
-              </a:spcAft>
-              <a:buSzPts val="891"/>
-              <a:buNone/>
-            </a:pPr>
-            <a:r>
-              <a:rPr lang="es" sz="2400">
-                <a:latin typeface="Roboto"/>
-                <a:ea typeface="Roboto"/>
-                <a:cs typeface="Roboto"/>
-                <a:sym typeface="Roboto"/>
-              </a:rPr>
-              <a:t>Valoraciones</a:t>
-            </a:r>
-            <a:endParaRPr sz="2400">
-              <a:latin typeface="Roboto"/>
-              <a:ea typeface="Roboto"/>
-              <a:cs typeface="Roboto"/>
-              <a:sym typeface="Roboto"/>
-            </a:endParaRPr>
-          </a:p>
-        </p:txBody>
-      </p:sp>
-      <p:sp>
-        <p:nvSpPr>
           <p:cNvPr id="133" name="Google Shape;133;p21"/>
-          <p:cNvSpPr/>
-          <p:nvPr/>
-        </p:nvSpPr>
-        <p:spPr>
-          <a:xfrm>
-            <a:off x="833850" y="538725"/>
-            <a:ext cx="70800" cy="381600"/>
-          </a:xfrm>
-          <a:prstGeom prst="rect">
-            <a:avLst/>
-          </a:prstGeom>
-          <a:solidFill>
-            <a:srgbClr val="F5C518"/>
-          </a:solidFill>
-          <a:ln>
-            <a:noFill/>
-          </a:ln>
-        </p:spPr>
-        <p:txBody>
-          <a:bodyPr anchorCtr="0" anchor="ctr" bIns="91425" lIns="91425" spcFirstLastPara="1" rIns="91425" wrap="square" tIns="91425">
-            <a:noAutofit/>
-          </a:bodyPr>
-          <a:lstStyle/>
-          <a:p>
-            <a:pPr indent="0" lvl="0" marL="0" rtl="0" algn="l">
-              <a:spcBef>
-                <a:spcPts val="0"/>
-              </a:spcBef>
-              <a:spcAft>
-                <a:spcPts val="0"/>
-              </a:spcAft>
-              <a:buNone/>
-            </a:pPr>
-            <a:r>
-              <a:t/>
-            </a:r>
-            <a:endParaRPr/>
-          </a:p>
-        </p:txBody>
-      </p:sp>
-      <p:sp>
-        <p:nvSpPr>
-          <p:cNvPr id="134" name="Google Shape;134;p21"/>
           <p:cNvSpPr txBox="1"/>
           <p:nvPr>
             <p:ph idx="1" type="subTitle"/>
@@ -14805,522 +14031,39 @@
             </a:pPr>
             <a:r>
               <a:rPr lang="es">
-                <a:latin typeface="Roboto"/>
-                <a:ea typeface="Roboto"/>
-                <a:cs typeface="Roboto"/>
-                <a:sym typeface="Roboto"/>
+                <a:latin typeface="Roboto Thin"/>
+                <a:ea typeface="Roboto Thin"/>
+                <a:cs typeface="Roboto Thin"/>
+                <a:sym typeface="Roboto Thin"/>
               </a:rPr>
               <a:t>Ana Blanco Delgado | Julio 2021</a:t>
             </a:r>
             <a:endParaRPr>
-              <a:latin typeface="Roboto"/>
-              <a:ea typeface="Roboto"/>
-              <a:cs typeface="Roboto"/>
-              <a:sym typeface="Roboto"/>
+              <a:latin typeface="Roboto Thin"/>
+              <a:ea typeface="Roboto Thin"/>
+              <a:cs typeface="Roboto Thin"/>
+              <a:sym typeface="Roboto Thin"/>
             </a:endParaRPr>
           </a:p>
         </p:txBody>
       </p:sp>
-      <p:sp>
-        <p:nvSpPr>
-          <p:cNvPr id="135" name="Google Shape;135;p21"/>
-          <p:cNvSpPr txBox="1"/>
-          <p:nvPr>
-            <p:ph type="ctrTitle"/>
-          </p:nvPr>
-        </p:nvSpPr>
-        <p:spPr>
-          <a:xfrm>
-            <a:off x="5036150" y="524025"/>
-            <a:ext cx="3736800" cy="411000"/>
-          </a:xfrm>
-          <a:prstGeom prst="rect">
-            <a:avLst/>
-          </a:prstGeom>
-        </p:spPr>
-        <p:txBody>
-          <a:bodyPr anchorCtr="0" anchor="b" bIns="0" lIns="0" spcFirstLastPara="1" rIns="0" wrap="square" tIns="0">
-            <a:noAutofit/>
-          </a:bodyPr>
-          <a:lstStyle/>
-          <a:p>
-            <a:pPr indent="0" lvl="0" marL="0" rtl="0" algn="l">
-              <a:spcBef>
-                <a:spcPts val="0"/>
-              </a:spcBef>
-              <a:spcAft>
-                <a:spcPts val="0"/>
-              </a:spcAft>
-              <a:buSzPts val="891"/>
-              <a:buNone/>
-            </a:pPr>
-            <a:r>
-              <a:rPr lang="es" sz="2400">
-                <a:solidFill>
-                  <a:srgbClr val="434343"/>
-                </a:solidFill>
-                <a:latin typeface="Roboto"/>
-                <a:ea typeface="Roboto"/>
-                <a:cs typeface="Roboto"/>
-                <a:sym typeface="Roboto"/>
-              </a:rPr>
-              <a:t>Variables económicas</a:t>
-            </a:r>
-            <a:endParaRPr sz="2400">
-              <a:solidFill>
-                <a:srgbClr val="434343"/>
-              </a:solidFill>
-              <a:latin typeface="Roboto"/>
-              <a:ea typeface="Roboto"/>
-              <a:cs typeface="Roboto"/>
-              <a:sym typeface="Roboto"/>
-            </a:endParaRPr>
-          </a:p>
-        </p:txBody>
-      </p:sp>
-      <p:sp>
-        <p:nvSpPr>
-          <p:cNvPr id="136" name="Google Shape;136;p21"/>
-          <p:cNvSpPr/>
-          <p:nvPr/>
-        </p:nvSpPr>
-        <p:spPr>
-          <a:xfrm>
-            <a:off x="4815825" y="538725"/>
-            <a:ext cx="70800" cy="381600"/>
-          </a:xfrm>
-          <a:prstGeom prst="rect">
-            <a:avLst/>
-          </a:prstGeom>
-          <a:solidFill>
-            <a:srgbClr val="F5C518"/>
-          </a:solidFill>
-          <a:ln>
-            <a:noFill/>
-          </a:ln>
-        </p:spPr>
-        <p:txBody>
-          <a:bodyPr anchorCtr="0" anchor="ctr" bIns="91425" lIns="91425" spcFirstLastPara="1" rIns="91425" wrap="square" tIns="91425">
-            <a:noAutofit/>
-          </a:bodyPr>
-          <a:lstStyle/>
-          <a:p>
-            <a:pPr indent="0" lvl="0" marL="0" rtl="0" algn="l">
-              <a:spcBef>
-                <a:spcPts val="0"/>
-              </a:spcBef>
-              <a:spcAft>
-                <a:spcPts val="0"/>
-              </a:spcAft>
-              <a:buNone/>
-            </a:pPr>
-            <a:r>
-              <a:t/>
-            </a:r>
-            <a:endParaRPr/>
-          </a:p>
-        </p:txBody>
-      </p:sp>
-      <p:sp>
-        <p:nvSpPr>
-          <p:cNvPr id="137" name="Google Shape;137;p21"/>
-          <p:cNvSpPr txBox="1"/>
-          <p:nvPr>
-            <p:ph type="ctrTitle"/>
-          </p:nvPr>
-        </p:nvSpPr>
-        <p:spPr>
-          <a:xfrm>
-            <a:off x="904650" y="1181525"/>
-            <a:ext cx="2491200" cy="1088100"/>
-          </a:xfrm>
-          <a:prstGeom prst="rect">
-            <a:avLst/>
-          </a:prstGeom>
-        </p:spPr>
-        <p:txBody>
-          <a:bodyPr anchorCtr="0" anchor="b" bIns="0" lIns="0" spcFirstLastPara="1" rIns="0" wrap="square" tIns="0">
-            <a:spAutoFit/>
-          </a:bodyPr>
-          <a:lstStyle/>
-          <a:p>
-            <a:pPr indent="-364617" lvl="0" marL="457200" rtl="0" algn="l">
-              <a:lnSpc>
-                <a:spcPct val="115000"/>
-              </a:lnSpc>
-              <a:spcBef>
-                <a:spcPts val="0"/>
-              </a:spcBef>
-              <a:spcAft>
-                <a:spcPts val="0"/>
-              </a:spcAft>
-              <a:buClr>
-                <a:srgbClr val="F5C518"/>
-              </a:buClr>
-              <a:buSzPts val="2142"/>
-              <a:buFont typeface="Roboto"/>
-              <a:buChar char="●"/>
-            </a:pPr>
-            <a:r>
-              <a:rPr lang="es" sz="2142">
-                <a:latin typeface="Roboto"/>
-                <a:ea typeface="Roboto"/>
-                <a:cs typeface="Roboto"/>
-                <a:sym typeface="Roboto"/>
-              </a:rPr>
-              <a:t>IMDb Rating</a:t>
-            </a:r>
-            <a:endParaRPr sz="2142">
-              <a:latin typeface="Roboto"/>
-              <a:ea typeface="Roboto"/>
-              <a:cs typeface="Roboto"/>
-              <a:sym typeface="Roboto"/>
-            </a:endParaRPr>
-          </a:p>
-          <a:p>
-            <a:pPr indent="-364617" lvl="0" marL="457200" rtl="0" algn="l">
-              <a:lnSpc>
-                <a:spcPct val="115000"/>
-              </a:lnSpc>
-              <a:spcBef>
-                <a:spcPts val="0"/>
-              </a:spcBef>
-              <a:spcAft>
-                <a:spcPts val="0"/>
-              </a:spcAft>
-              <a:buClr>
-                <a:srgbClr val="F5C518"/>
-              </a:buClr>
-              <a:buSzPts val="2142"/>
-              <a:buFont typeface="Roboto"/>
-              <a:buChar char="●"/>
-            </a:pPr>
-            <a:r>
-              <a:rPr lang="es" sz="2142">
-                <a:latin typeface="Roboto"/>
-                <a:ea typeface="Roboto"/>
-                <a:cs typeface="Roboto"/>
-                <a:sym typeface="Roboto"/>
-              </a:rPr>
-              <a:t>Metascore</a:t>
-            </a:r>
-            <a:endParaRPr sz="2142">
-              <a:latin typeface="Roboto"/>
-              <a:ea typeface="Roboto"/>
-              <a:cs typeface="Roboto"/>
-              <a:sym typeface="Roboto"/>
-            </a:endParaRPr>
-          </a:p>
-          <a:p>
-            <a:pPr indent="-364617" lvl="0" marL="457200" rtl="0" algn="l">
-              <a:lnSpc>
-                <a:spcPct val="115000"/>
-              </a:lnSpc>
-              <a:spcBef>
-                <a:spcPts val="0"/>
-              </a:spcBef>
-              <a:spcAft>
-                <a:spcPts val="0"/>
-              </a:spcAft>
-              <a:buClr>
-                <a:srgbClr val="F5C518"/>
-              </a:buClr>
-              <a:buSzPts val="2142"/>
-              <a:buFont typeface="Roboto"/>
-              <a:buChar char="●"/>
-            </a:pPr>
-            <a:r>
-              <a:rPr lang="es" sz="2142">
-                <a:latin typeface="Roboto"/>
-                <a:ea typeface="Roboto"/>
-                <a:cs typeface="Roboto"/>
-                <a:sym typeface="Roboto"/>
-              </a:rPr>
-              <a:t>Popularidad</a:t>
-            </a:r>
-            <a:endParaRPr sz="2142">
-              <a:latin typeface="Roboto"/>
-              <a:ea typeface="Roboto"/>
-              <a:cs typeface="Roboto"/>
-              <a:sym typeface="Roboto"/>
-            </a:endParaRPr>
-          </a:p>
-        </p:txBody>
-      </p:sp>
-      <p:sp>
-        <p:nvSpPr>
-          <p:cNvPr id="138" name="Google Shape;138;p21"/>
-          <p:cNvSpPr txBox="1"/>
-          <p:nvPr>
-            <p:ph type="ctrTitle"/>
-          </p:nvPr>
-        </p:nvSpPr>
-        <p:spPr>
-          <a:xfrm>
-            <a:off x="4886625" y="1181525"/>
-            <a:ext cx="4079400" cy="1088100"/>
-          </a:xfrm>
-          <a:prstGeom prst="rect">
-            <a:avLst/>
-          </a:prstGeom>
-        </p:spPr>
-        <p:txBody>
-          <a:bodyPr anchorCtr="0" anchor="b" bIns="0" lIns="0" spcFirstLastPara="1" rIns="0" wrap="square" tIns="0">
-            <a:spAutoFit/>
-          </a:bodyPr>
-          <a:lstStyle/>
-          <a:p>
-            <a:pPr indent="-364617" lvl="0" marL="457200" rtl="0" algn="l">
-              <a:lnSpc>
-                <a:spcPct val="115000"/>
-              </a:lnSpc>
-              <a:spcBef>
-                <a:spcPts val="0"/>
-              </a:spcBef>
-              <a:spcAft>
-                <a:spcPts val="0"/>
-              </a:spcAft>
-              <a:buClr>
-                <a:srgbClr val="F5C518"/>
-              </a:buClr>
-              <a:buSzPts val="2142"/>
-              <a:buFont typeface="Roboto"/>
-              <a:buChar char="●"/>
-            </a:pPr>
-            <a:r>
-              <a:rPr lang="es" sz="2142">
-                <a:solidFill>
-                  <a:schemeClr val="lt1"/>
-                </a:solidFill>
-                <a:latin typeface="Roboto"/>
-                <a:ea typeface="Roboto"/>
-                <a:cs typeface="Roboto"/>
-                <a:sym typeface="Roboto"/>
-              </a:rPr>
-              <a:t>Presupuesto</a:t>
-            </a:r>
-            <a:endParaRPr sz="2142">
-              <a:solidFill>
-                <a:schemeClr val="lt1"/>
-              </a:solidFill>
-              <a:latin typeface="Roboto"/>
-              <a:ea typeface="Roboto"/>
-              <a:cs typeface="Roboto"/>
-              <a:sym typeface="Roboto"/>
-            </a:endParaRPr>
-          </a:p>
-          <a:p>
-            <a:pPr indent="-364617" lvl="0" marL="457200" rtl="0" algn="l">
-              <a:lnSpc>
-                <a:spcPct val="115000"/>
-              </a:lnSpc>
-              <a:spcBef>
-                <a:spcPts val="0"/>
-              </a:spcBef>
-              <a:spcAft>
-                <a:spcPts val="0"/>
-              </a:spcAft>
-              <a:buClr>
-                <a:srgbClr val="F5C518"/>
-              </a:buClr>
-              <a:buSzPts val="2142"/>
-              <a:buFont typeface="Roboto"/>
-              <a:buChar char="●"/>
-            </a:pPr>
-            <a:r>
-              <a:rPr lang="es" sz="2142">
-                <a:solidFill>
-                  <a:schemeClr val="lt1"/>
-                </a:solidFill>
-                <a:latin typeface="Roboto"/>
-                <a:ea typeface="Roboto"/>
-                <a:cs typeface="Roboto"/>
-                <a:sym typeface="Roboto"/>
-              </a:rPr>
-              <a:t>Recaudación EEUU - Canadá</a:t>
-            </a:r>
-            <a:endParaRPr sz="2142">
-              <a:solidFill>
-                <a:schemeClr val="lt1"/>
-              </a:solidFill>
-              <a:latin typeface="Roboto"/>
-              <a:ea typeface="Roboto"/>
-              <a:cs typeface="Roboto"/>
-              <a:sym typeface="Roboto"/>
-            </a:endParaRPr>
-          </a:p>
-          <a:p>
-            <a:pPr indent="-364617" lvl="0" marL="457200" rtl="0" algn="l">
-              <a:lnSpc>
-                <a:spcPct val="115000"/>
-              </a:lnSpc>
-              <a:spcBef>
-                <a:spcPts val="0"/>
-              </a:spcBef>
-              <a:spcAft>
-                <a:spcPts val="0"/>
-              </a:spcAft>
-              <a:buClr>
-                <a:srgbClr val="F5C518"/>
-              </a:buClr>
-              <a:buSzPts val="2142"/>
-              <a:buFont typeface="Roboto"/>
-              <a:buChar char="●"/>
-            </a:pPr>
-            <a:r>
-              <a:rPr lang="es" sz="2142">
-                <a:solidFill>
-                  <a:schemeClr val="lt1"/>
-                </a:solidFill>
-                <a:latin typeface="Roboto"/>
-                <a:ea typeface="Roboto"/>
-                <a:cs typeface="Roboto"/>
-                <a:sym typeface="Roboto"/>
-              </a:rPr>
-              <a:t>Recaudación Mundial</a:t>
-            </a:r>
-            <a:endParaRPr sz="2142">
-              <a:solidFill>
-                <a:schemeClr val="lt1"/>
-              </a:solidFill>
-              <a:latin typeface="Roboto"/>
-              <a:ea typeface="Roboto"/>
-              <a:cs typeface="Roboto"/>
-              <a:sym typeface="Roboto"/>
-            </a:endParaRPr>
-          </a:p>
-        </p:txBody>
-      </p:sp>
       <p:pic>
         <p:nvPicPr>
-          <p:cNvPr id="139" name="Google Shape;139;p21"/>
+          <p:cNvPr id="134" name="Google Shape;134;p21"/>
           <p:cNvPicPr preferRelativeResize="0"/>
           <p:nvPr/>
         </p:nvPicPr>
-        <p:blipFill>
+        <p:blipFill rotWithShape="1">
           <a:blip r:embed="rId3">
             <a:alphaModFix/>
           </a:blip>
-          <a:stretch>
-            <a:fillRect/>
-          </a:stretch>
+          <a:srcRect b="0" l="0" r="0" t="0"/>
+          <a:stretch/>
         </p:blipFill>
         <p:spPr>
           <a:xfrm>
-            <a:off x="5171200" y="3027800"/>
-            <a:ext cx="3287051" cy="1088100"/>
-          </a:xfrm>
-          <a:prstGeom prst="rect">
-            <a:avLst/>
-          </a:prstGeom>
-          <a:noFill/>
-          <a:ln>
-            <a:noFill/>
-          </a:ln>
-        </p:spPr>
-      </p:pic>
-      <p:pic>
-        <p:nvPicPr>
-          <p:cNvPr id="140" name="Google Shape;140;p21"/>
-          <p:cNvPicPr preferRelativeResize="0"/>
-          <p:nvPr/>
-        </p:nvPicPr>
-        <p:blipFill>
-          <a:blip r:embed="rId4">
-            <a:alphaModFix/>
-          </a:blip>
-          <a:stretch>
-            <a:fillRect/>
-          </a:stretch>
-        </p:blipFill>
-        <p:spPr>
-          <a:xfrm>
-            <a:off x="2660373" y="3580486"/>
-            <a:ext cx="1082079" cy="351316"/>
-          </a:xfrm>
-          <a:prstGeom prst="rect">
-            <a:avLst/>
-          </a:prstGeom>
-          <a:noFill/>
-          <a:ln>
-            <a:noFill/>
-          </a:ln>
-        </p:spPr>
-      </p:pic>
-      <p:pic>
-        <p:nvPicPr>
-          <p:cNvPr id="141" name="Google Shape;141;p21"/>
-          <p:cNvPicPr preferRelativeResize="0"/>
-          <p:nvPr/>
-        </p:nvPicPr>
-        <p:blipFill>
-          <a:blip r:embed="rId5">
-            <a:alphaModFix/>
-          </a:blip>
-          <a:stretch>
-            <a:fillRect/>
-          </a:stretch>
-        </p:blipFill>
-        <p:spPr>
-          <a:xfrm>
-            <a:off x="2686674" y="2758300"/>
-            <a:ext cx="1029478" cy="638105"/>
-          </a:xfrm>
-          <a:prstGeom prst="rect">
-            <a:avLst/>
-          </a:prstGeom>
-          <a:noFill/>
-          <a:ln>
-            <a:noFill/>
-          </a:ln>
-        </p:spPr>
-      </p:pic>
-      <p:pic>
-        <p:nvPicPr>
-          <p:cNvPr id="142" name="Google Shape;142;p21"/>
-          <p:cNvPicPr preferRelativeResize="0"/>
-          <p:nvPr/>
-        </p:nvPicPr>
-        <p:blipFill>
-          <a:blip r:embed="rId6">
-            <a:alphaModFix/>
-          </a:blip>
-          <a:stretch>
-            <a:fillRect/>
-          </a:stretch>
-        </p:blipFill>
-        <p:spPr>
-          <a:xfrm>
-            <a:off x="2596501" y="4115891"/>
-            <a:ext cx="1209825" cy="666784"/>
-          </a:xfrm>
-          <a:prstGeom prst="rect">
-            <a:avLst/>
-          </a:prstGeom>
-          <a:noFill/>
-          <a:ln>
-            <a:noFill/>
-          </a:ln>
-        </p:spPr>
-      </p:pic>
-      <p:pic>
-        <p:nvPicPr>
-          <p:cNvPr id="143" name="Google Shape;143;p21"/>
-          <p:cNvPicPr preferRelativeResize="0"/>
-          <p:nvPr/>
-        </p:nvPicPr>
-        <p:blipFill>
-          <a:blip r:embed="rId7">
-            <a:alphaModFix/>
-          </a:blip>
-          <a:stretch>
-            <a:fillRect/>
-          </a:stretch>
-        </p:blipFill>
-        <p:spPr>
-          <a:xfrm>
-            <a:off x="586368" y="2715849"/>
-            <a:ext cx="1365724" cy="2023450"/>
+            <a:off x="2265413" y="1410525"/>
+            <a:ext cx="4472532" cy="3022863"/>
           </a:xfrm>
           <a:prstGeom prst="rect">
             <a:avLst/>
